--- a/Diaporama/DIAPO_Florian.pptx
+++ b/Diaporama/DIAPO_Florian.pptx
@@ -4,9 +4,6 @@
   <p:sldMasterIdLst>
     <p:sldMasterId id="2147484073" r:id="rId1"/>
   </p:sldMasterIdLst>
-  <p:notesMasterIdLst>
-    <p:notesMasterId r:id="rId14"/>
-  </p:notesMasterIdLst>
   <p:sldIdLst>
     <p:sldId id="256" r:id="rId2"/>
     <p:sldId id="258" r:id="rId3"/>
@@ -124,6 +121,14 @@
     </p:ext>
   </p:extLst>
 </p:presentation>
+</file>
+
+<file path=ppt/revisionInfo.xml><?xml version="1.0" encoding="utf-8"?>
+<p1510:revInfo xmlns:a="http://schemas.openxmlformats.org/drawingml/2006/main" xmlns:r="http://schemas.openxmlformats.org/officeDocument/2006/relationships" xmlns:p1510="http://schemas.microsoft.com/office/powerpoint/2015/10/main">
+  <p1510:revLst>
+    <p1510:client id="{6F2C70D0-831B-4D6B-94B2-15AF5D001035}" v="433" dt="2020-01-14T09:33:21.654"/>
+  </p1510:revLst>
+</p1510:revInfo>
 </file>
 
 <file path=ppt/diagrams/colors1.xml><?xml version="1.0" encoding="utf-8"?>
@@ -3340,355 +3345,6 @@
 </dgm:styleDef>
 </file>
 
-<file path=ppt/notesMasters/notesMaster1.xml><?xml version="1.0" encoding="utf-8"?>
-<p:notesMaster xmlns:a="http://schemas.openxmlformats.org/drawingml/2006/main" xmlns:r="http://schemas.openxmlformats.org/officeDocument/2006/relationships" xmlns:p="http://schemas.openxmlformats.org/presentationml/2006/main">
-  <p:cSld>
-    <p:bg>
-      <p:bgRef idx="1001">
-        <a:schemeClr val="bg1"/>
-      </p:bgRef>
-    </p:bg>
-    <p:spTree>
-      <p:nvGrpSpPr>
-        <p:cNvPr id="1" name=""/>
-        <p:cNvGrpSpPr/>
-        <p:nvPr/>
-      </p:nvGrpSpPr>
-      <p:grpSpPr>
-        <a:xfrm>
-          <a:off x="0" y="0"/>
-          <a:ext cx="0" cy="0"/>
-          <a:chOff x="0" y="0"/>
-          <a:chExt cx="0" cy="0"/>
-        </a:xfrm>
-      </p:grpSpPr>
-      <p:sp>
-        <p:nvSpPr>
-          <p:cNvPr id="2" name="Espace réservé de l'en-tête 1"/>
-          <p:cNvSpPr>
-            <a:spLocks noGrp="1"/>
-          </p:cNvSpPr>
-          <p:nvPr>
-            <p:ph type="hdr" sz="quarter"/>
-          </p:nvPr>
-        </p:nvSpPr>
-        <p:spPr>
-          <a:xfrm>
-            <a:off x="0" y="0"/>
-            <a:ext cx="2971800" cy="458788"/>
-          </a:xfrm>
-          <a:prstGeom prst="rect">
-            <a:avLst/>
-          </a:prstGeom>
-        </p:spPr>
-        <p:txBody>
-          <a:bodyPr vert="horz" lIns="91440" tIns="45720" rIns="91440" bIns="45720" rtlCol="0"/>
-          <a:lstStyle>
-            <a:lvl1pPr algn="l">
-              <a:defRPr sz="1200"/>
-            </a:lvl1pPr>
-          </a:lstStyle>
-          <a:p>
-            <a:endParaRPr lang="fr-FR"/>
-          </a:p>
-        </p:txBody>
-      </p:sp>
-      <p:sp>
-        <p:nvSpPr>
-          <p:cNvPr id="3" name="Espace réservé de la date 2"/>
-          <p:cNvSpPr>
-            <a:spLocks noGrp="1"/>
-          </p:cNvSpPr>
-          <p:nvPr>
-            <p:ph type="dt" idx="1"/>
-          </p:nvPr>
-        </p:nvSpPr>
-        <p:spPr>
-          <a:xfrm>
-            <a:off x="3884613" y="0"/>
-            <a:ext cx="2971800" cy="458788"/>
-          </a:xfrm>
-          <a:prstGeom prst="rect">
-            <a:avLst/>
-          </a:prstGeom>
-        </p:spPr>
-        <p:txBody>
-          <a:bodyPr vert="horz" lIns="91440" tIns="45720" rIns="91440" bIns="45720" rtlCol="0"/>
-          <a:lstStyle>
-            <a:lvl1pPr algn="r">
-              <a:defRPr sz="1200"/>
-            </a:lvl1pPr>
-          </a:lstStyle>
-          <a:p>
-            <a:fld id="{071A1678-8C17-45C4-A4E4-05575B650D11}" type="datetimeFigureOut">
-              <a:rPr lang="fr-FR" smtClean="0"/>
-              <a:t>28/01/2020</a:t>
-            </a:fld>
-            <a:endParaRPr lang="fr-FR"/>
-          </a:p>
-        </p:txBody>
-      </p:sp>
-      <p:sp>
-        <p:nvSpPr>
-          <p:cNvPr id="4" name="Espace réservé de l'image des diapositives 3"/>
-          <p:cNvSpPr>
-            <a:spLocks noGrp="1" noRot="1" noChangeAspect="1"/>
-          </p:cNvSpPr>
-          <p:nvPr>
-            <p:ph type="sldImg" idx="2"/>
-          </p:nvPr>
-        </p:nvSpPr>
-        <p:spPr>
-          <a:xfrm>
-            <a:off x="685800" y="1143000"/>
-            <a:ext cx="5486400" cy="3086100"/>
-          </a:xfrm>
-          <a:prstGeom prst="rect">
-            <a:avLst/>
-          </a:prstGeom>
-          <a:noFill/>
-          <a:ln w="12700">
-            <a:solidFill>
-              <a:prstClr val="black"/>
-            </a:solidFill>
-          </a:ln>
-        </p:spPr>
-        <p:txBody>
-          <a:bodyPr vert="horz" lIns="91440" tIns="45720" rIns="91440" bIns="45720" rtlCol="0" anchor="ctr"/>
-          <a:lstStyle/>
-          <a:p>
-            <a:endParaRPr lang="fr-FR"/>
-          </a:p>
-        </p:txBody>
-      </p:sp>
-      <p:sp>
-        <p:nvSpPr>
-          <p:cNvPr id="5" name="Espace réservé des notes 4"/>
-          <p:cNvSpPr>
-            <a:spLocks noGrp="1"/>
-          </p:cNvSpPr>
-          <p:nvPr>
-            <p:ph type="body" sz="quarter" idx="3"/>
-          </p:nvPr>
-        </p:nvSpPr>
-        <p:spPr>
-          <a:xfrm>
-            <a:off x="685800" y="4400550"/>
-            <a:ext cx="5486400" cy="3600450"/>
-          </a:xfrm>
-          <a:prstGeom prst="rect">
-            <a:avLst/>
-          </a:prstGeom>
-        </p:spPr>
-        <p:txBody>
-          <a:bodyPr vert="horz" lIns="91440" tIns="45720" rIns="91440" bIns="45720" rtlCol="0"/>
-          <a:lstStyle/>
-          <a:p>
-            <a:pPr lvl="0"/>
-            <a:r>
-              <a:rPr lang="fr-FR"/>
-              <a:t>Cliquez pour modifier les styles du texte du masque</a:t>
-            </a:r>
-          </a:p>
-          <a:p>
-            <a:pPr lvl="1"/>
-            <a:r>
-              <a:rPr lang="fr-FR"/>
-              <a:t>Deuxième niveau</a:t>
-            </a:r>
-          </a:p>
-          <a:p>
-            <a:pPr lvl="2"/>
-            <a:r>
-              <a:rPr lang="fr-FR"/>
-              <a:t>Troisième niveau</a:t>
-            </a:r>
-          </a:p>
-          <a:p>
-            <a:pPr lvl="3"/>
-            <a:r>
-              <a:rPr lang="fr-FR"/>
-              <a:t>Quatrième niveau</a:t>
-            </a:r>
-          </a:p>
-          <a:p>
-            <a:pPr lvl="4"/>
-            <a:r>
-              <a:rPr lang="fr-FR"/>
-              <a:t>Cinquième niveau</a:t>
-            </a:r>
-          </a:p>
-        </p:txBody>
-      </p:sp>
-      <p:sp>
-        <p:nvSpPr>
-          <p:cNvPr id="6" name="Espace réservé du pied de page 5"/>
-          <p:cNvSpPr>
-            <a:spLocks noGrp="1"/>
-          </p:cNvSpPr>
-          <p:nvPr>
-            <p:ph type="ftr" sz="quarter" idx="4"/>
-          </p:nvPr>
-        </p:nvSpPr>
-        <p:spPr>
-          <a:xfrm>
-            <a:off x="0" y="8685213"/>
-            <a:ext cx="2971800" cy="458787"/>
-          </a:xfrm>
-          <a:prstGeom prst="rect">
-            <a:avLst/>
-          </a:prstGeom>
-        </p:spPr>
-        <p:txBody>
-          <a:bodyPr vert="horz" lIns="91440" tIns="45720" rIns="91440" bIns="45720" rtlCol="0" anchor="b"/>
-          <a:lstStyle>
-            <a:lvl1pPr algn="l">
-              <a:defRPr sz="1200"/>
-            </a:lvl1pPr>
-          </a:lstStyle>
-          <a:p>
-            <a:endParaRPr lang="fr-FR"/>
-          </a:p>
-        </p:txBody>
-      </p:sp>
-      <p:sp>
-        <p:nvSpPr>
-          <p:cNvPr id="7" name="Espace réservé du numéro de diapositive 6"/>
-          <p:cNvSpPr>
-            <a:spLocks noGrp="1"/>
-          </p:cNvSpPr>
-          <p:nvPr>
-            <p:ph type="sldNum" sz="quarter" idx="5"/>
-          </p:nvPr>
-        </p:nvSpPr>
-        <p:spPr>
-          <a:xfrm>
-            <a:off x="3884613" y="8685213"/>
-            <a:ext cx="2971800" cy="458787"/>
-          </a:xfrm>
-          <a:prstGeom prst="rect">
-            <a:avLst/>
-          </a:prstGeom>
-        </p:spPr>
-        <p:txBody>
-          <a:bodyPr vert="horz" lIns="91440" tIns="45720" rIns="91440" bIns="45720" rtlCol="0" anchor="b"/>
-          <a:lstStyle>
-            <a:lvl1pPr algn="r">
-              <a:defRPr sz="1200"/>
-            </a:lvl1pPr>
-          </a:lstStyle>
-          <a:p>
-            <a:fld id="{71C3301C-02A3-4EAA-89E7-CB17D0D2393A}" type="slidenum">
-              <a:rPr lang="fr-FR" smtClean="0"/>
-              <a:t>‹N°›</a:t>
-            </a:fld>
-            <a:endParaRPr lang="fr-FR"/>
-          </a:p>
-        </p:txBody>
-      </p:sp>
-    </p:spTree>
-    <p:extLst>
-      <p:ext uri="{BB962C8B-B14F-4D97-AF65-F5344CB8AC3E}">
-        <p14:creationId xmlns:p14="http://schemas.microsoft.com/office/powerpoint/2010/main" val="1560638036"/>
-      </p:ext>
-    </p:extLst>
-  </p:cSld>
-  <p:clrMap bg1="lt1" tx1="dk1" bg2="lt2" tx2="dk2" accent1="accent1" accent2="accent2" accent3="accent3" accent4="accent4" accent5="accent5" accent6="accent6" hlink="hlink" folHlink="folHlink"/>
-  <p:notesStyle>
-    <a:lvl1pPr marL="0" algn="l" defTabSz="914400" rtl="0" eaLnBrk="1" latinLnBrk="0" hangingPunct="1">
-      <a:defRPr sz="1200" kern="1200">
-        <a:solidFill>
-          <a:schemeClr val="tx1"/>
-        </a:solidFill>
-        <a:latin typeface="+mn-lt"/>
-        <a:ea typeface="+mn-ea"/>
-        <a:cs typeface="+mn-cs"/>
-      </a:defRPr>
-    </a:lvl1pPr>
-    <a:lvl2pPr marL="457200" algn="l" defTabSz="914400" rtl="0" eaLnBrk="1" latinLnBrk="0" hangingPunct="1">
-      <a:defRPr sz="1200" kern="1200">
-        <a:solidFill>
-          <a:schemeClr val="tx1"/>
-        </a:solidFill>
-        <a:latin typeface="+mn-lt"/>
-        <a:ea typeface="+mn-ea"/>
-        <a:cs typeface="+mn-cs"/>
-      </a:defRPr>
-    </a:lvl2pPr>
-    <a:lvl3pPr marL="914400" algn="l" defTabSz="914400" rtl="0" eaLnBrk="1" latinLnBrk="0" hangingPunct="1">
-      <a:defRPr sz="1200" kern="1200">
-        <a:solidFill>
-          <a:schemeClr val="tx1"/>
-        </a:solidFill>
-        <a:latin typeface="+mn-lt"/>
-        <a:ea typeface="+mn-ea"/>
-        <a:cs typeface="+mn-cs"/>
-      </a:defRPr>
-    </a:lvl3pPr>
-    <a:lvl4pPr marL="1371600" algn="l" defTabSz="914400" rtl="0" eaLnBrk="1" latinLnBrk="0" hangingPunct="1">
-      <a:defRPr sz="1200" kern="1200">
-        <a:solidFill>
-          <a:schemeClr val="tx1"/>
-        </a:solidFill>
-        <a:latin typeface="+mn-lt"/>
-        <a:ea typeface="+mn-ea"/>
-        <a:cs typeface="+mn-cs"/>
-      </a:defRPr>
-    </a:lvl4pPr>
-    <a:lvl5pPr marL="1828800" algn="l" defTabSz="914400" rtl="0" eaLnBrk="1" latinLnBrk="0" hangingPunct="1">
-      <a:defRPr sz="1200" kern="1200">
-        <a:solidFill>
-          <a:schemeClr val="tx1"/>
-        </a:solidFill>
-        <a:latin typeface="+mn-lt"/>
-        <a:ea typeface="+mn-ea"/>
-        <a:cs typeface="+mn-cs"/>
-      </a:defRPr>
-    </a:lvl5pPr>
-    <a:lvl6pPr marL="2286000" algn="l" defTabSz="914400" rtl="0" eaLnBrk="1" latinLnBrk="0" hangingPunct="1">
-      <a:defRPr sz="1200" kern="1200">
-        <a:solidFill>
-          <a:schemeClr val="tx1"/>
-        </a:solidFill>
-        <a:latin typeface="+mn-lt"/>
-        <a:ea typeface="+mn-ea"/>
-        <a:cs typeface="+mn-cs"/>
-      </a:defRPr>
-    </a:lvl6pPr>
-    <a:lvl7pPr marL="2743200" algn="l" defTabSz="914400" rtl="0" eaLnBrk="1" latinLnBrk="0" hangingPunct="1">
-      <a:defRPr sz="1200" kern="1200">
-        <a:solidFill>
-          <a:schemeClr val="tx1"/>
-        </a:solidFill>
-        <a:latin typeface="+mn-lt"/>
-        <a:ea typeface="+mn-ea"/>
-        <a:cs typeface="+mn-cs"/>
-      </a:defRPr>
-    </a:lvl7pPr>
-    <a:lvl8pPr marL="3200400" algn="l" defTabSz="914400" rtl="0" eaLnBrk="1" latinLnBrk="0" hangingPunct="1">
-      <a:defRPr sz="1200" kern="1200">
-        <a:solidFill>
-          <a:schemeClr val="tx1"/>
-        </a:solidFill>
-        <a:latin typeface="+mn-lt"/>
-        <a:ea typeface="+mn-ea"/>
-        <a:cs typeface="+mn-cs"/>
-      </a:defRPr>
-    </a:lvl8pPr>
-    <a:lvl9pPr marL="3657600" algn="l" defTabSz="914400" rtl="0" eaLnBrk="1" latinLnBrk="0" hangingPunct="1">
-      <a:defRPr sz="1200" kern="1200">
-        <a:solidFill>
-          <a:schemeClr val="tx1"/>
-        </a:solidFill>
-        <a:latin typeface="+mn-lt"/>
-        <a:ea typeface="+mn-ea"/>
-        <a:cs typeface="+mn-cs"/>
-      </a:defRPr>
-    </a:lvl9pPr>
-  </p:notesStyle>
-</p:notesMaster>
-</file>
-
 <file path=ppt/slideLayouts/slideLayout1.xml><?xml version="1.0" encoding="utf-8"?>
 <p:sldLayout xmlns:a="http://schemas.openxmlformats.org/drawingml/2006/main" xmlns:r="http://schemas.openxmlformats.org/officeDocument/2006/relationships" xmlns:p="http://schemas.openxmlformats.org/presentationml/2006/main" showMasterSp="0" type="title" preserve="1">
   <p:cSld name="Diapositive de titre">
@@ -3915,7 +3571,7 @@
           <a:p>
             <a:fld id="{2BE451C3-0FF4-47C4-B829-773ADF60F88C}" type="datetimeFigureOut">
               <a:rPr lang="en-US" smtClean="0"/>
-              <a:t>1/28/2020</a:t>
+              <a:t>1/29/2020</a:t>
             </a:fld>
             <a:endParaRPr lang="en-US" dirty="0"/>
           </a:p>
@@ -4130,7 +3786,7 @@
           <a:p>
             <a:fld id="{2BE451C3-0FF4-47C4-B829-773ADF60F88C}" type="datetimeFigureOut">
               <a:rPr lang="en-US" smtClean="0"/>
-              <a:t>1/28/2020</a:t>
+              <a:t>1/29/2020</a:t>
             </a:fld>
             <a:endParaRPr lang="en-US" dirty="0"/>
           </a:p>
@@ -4393,7 +4049,7 @@
           <a:p>
             <a:fld id="{2BE451C3-0FF4-47C4-B829-773ADF60F88C}" type="datetimeFigureOut">
               <a:rPr lang="en-US" smtClean="0"/>
-              <a:t>1/28/2020</a:t>
+              <a:t>1/29/2020</a:t>
             </a:fld>
             <a:endParaRPr lang="en-US" dirty="0"/>
           </a:p>
@@ -4574,7 +4230,7 @@
           <a:p>
             <a:fld id="{2BE451C3-0FF4-47C4-B829-773ADF60F88C}" type="datetimeFigureOut">
               <a:rPr lang="en-US" smtClean="0"/>
-              <a:t>1/28/2020</a:t>
+              <a:t>1/29/2020</a:t>
             </a:fld>
             <a:endParaRPr lang="en-US" dirty="0"/>
           </a:p>
@@ -4924,7 +4580,7 @@
           <a:p>
             <a:fld id="{2BE451C3-0FF4-47C4-B829-773ADF60F88C}" type="datetimeFigureOut">
               <a:rPr lang="en-US" smtClean="0"/>
-              <a:t>1/28/2020</a:t>
+              <a:t>1/29/2020</a:t>
             </a:fld>
             <a:endParaRPr lang="en-US" dirty="0"/>
           </a:p>
@@ -5206,7 +4862,7 @@
           <a:p>
             <a:fld id="{2BE451C3-0FF4-47C4-B829-773ADF60F88C}" type="datetimeFigureOut">
               <a:rPr lang="en-US" smtClean="0"/>
-              <a:t>1/28/2020</a:t>
+              <a:t>1/29/2020</a:t>
             </a:fld>
             <a:endParaRPr lang="en-US" dirty="0"/>
           </a:p>
@@ -5592,7 +5248,7 @@
           <a:p>
             <a:fld id="{2BE451C3-0FF4-47C4-B829-773ADF60F88C}" type="datetimeFigureOut">
               <a:rPr lang="en-US" smtClean="0"/>
-              <a:t>1/28/2020</a:t>
+              <a:t>1/29/2020</a:t>
             </a:fld>
             <a:endParaRPr lang="en-US" dirty="0"/>
           </a:p>
@@ -5717,7 +5373,7 @@
           <a:p>
             <a:fld id="{2BE451C3-0FF4-47C4-B829-773ADF60F88C}" type="datetimeFigureOut">
               <a:rPr lang="en-US" smtClean="0"/>
-              <a:t>1/28/2020</a:t>
+              <a:t>1/29/2020</a:t>
             </a:fld>
             <a:endParaRPr lang="en-US" dirty="0"/>
           </a:p>
@@ -5895,7 +5551,7 @@
           <a:p>
             <a:fld id="{2BE451C3-0FF4-47C4-B829-773ADF60F88C}" type="datetimeFigureOut">
               <a:rPr lang="en-US" smtClean="0"/>
-              <a:t>1/28/2020</a:t>
+              <a:t>1/29/2020</a:t>
             </a:fld>
             <a:endParaRPr lang="en-US" dirty="0"/>
           </a:p>
@@ -6256,7 +5912,7 @@
           <a:p>
             <a:fld id="{2BE451C3-0FF4-47C4-B829-773ADF60F88C}" type="datetimeFigureOut">
               <a:rPr lang="en-US" smtClean="0"/>
-              <a:t>1/28/2020</a:t>
+              <a:t>1/29/2020</a:t>
             </a:fld>
             <a:endParaRPr lang="en-US" dirty="0"/>
           </a:p>
@@ -6645,7 +6301,7 @@
           <a:p>
             <a:fld id="{2BE451C3-0FF4-47C4-B829-773ADF60F88C}" type="datetimeFigureOut">
               <a:rPr lang="en-US" smtClean="0"/>
-              <a:t>1/28/2020</a:t>
+              <a:t>1/29/2020</a:t>
             </a:fld>
             <a:endParaRPr lang="en-US" dirty="0"/>
           </a:p>
@@ -6939,7 +6595,7 @@
           <a:p>
             <a:fld id="{2BE451C3-0FF4-47C4-B829-773ADF60F88C}" type="datetimeFigureOut">
               <a:rPr lang="en-US" smtClean="0"/>
-              <a:t>1/28/2020</a:t>
+              <a:t>1/29/2020</a:t>
             </a:fld>
             <a:endParaRPr lang="en-US" dirty="0"/>
           </a:p>
@@ -8092,6 +7748,31 @@
           </a:p>
         </p:txBody>
       </p:sp>
+      <p:sp>
+        <p:nvSpPr>
+          <p:cNvPr id="3" name="Espace réservé du contenu 2">
+            <a:extLst>
+              <a:ext uri="{FF2B5EF4-FFF2-40B4-BE49-F238E27FC236}">
+                <a16:creationId xmlns:a16="http://schemas.microsoft.com/office/drawing/2014/main" id="{B4876BF3-9D0A-46E1-9ED3-5C2504859891}"/>
+              </a:ext>
+            </a:extLst>
+          </p:cNvPr>
+          <p:cNvSpPr>
+            <a:spLocks noGrp="1"/>
+          </p:cNvSpPr>
+          <p:nvPr>
+            <p:ph idx="1"/>
+          </p:nvPr>
+        </p:nvSpPr>
+        <p:spPr/>
+        <p:txBody>
+          <a:bodyPr/>
+          <a:lstStyle/>
+          <a:p>
+            <a:endParaRPr lang="fr-FR"/>
+          </a:p>
+        </p:txBody>
+      </p:sp>
       <p:pic>
         <p:nvPicPr>
           <p:cNvPr id="4" name="Espace réservé du contenu 4">
@@ -8314,413 +7995,6 @@
                 <a:latin typeface="Agency FB" panose="020B0503020202020204" pitchFamily="34" charset="0"/>
               </a:rPr>
               <a:t>Conclusion</a:t>
-            </a:r>
-          </a:p>
-        </p:txBody>
-      </p:sp>
-      <p:pic>
-        <p:nvPicPr>
-          <p:cNvPr id="12" name="Image 11" descr="Une image contenant signe, blanc, assis, noir&#10;&#10;Description générée automatiquement">
-            <a:extLst>
-              <a:ext uri="{FF2B5EF4-FFF2-40B4-BE49-F238E27FC236}">
-                <a16:creationId xmlns:a16="http://schemas.microsoft.com/office/drawing/2014/main" id="{C4279ADE-DAC7-4CD5-8884-1E414938E3BC}"/>
-              </a:ext>
-            </a:extLst>
-          </p:cNvPr>
-          <p:cNvPicPr>
-            <a:picLocks noChangeAspect="1"/>
-          </p:cNvPicPr>
-          <p:nvPr/>
-        </p:nvPicPr>
-        <p:blipFill rotWithShape="1">
-          <a:blip r:embed="rId3" cstate="print">
-            <a:extLst>
-              <a:ext uri="{28A0092B-C50C-407E-A947-70E740481C1C}">
-                <a14:useLocalDpi xmlns:a14="http://schemas.microsoft.com/office/drawing/2010/main" val="0"/>
-              </a:ext>
-            </a:extLst>
-          </a:blip>
-          <a:srcRect t="9184" b="11361"/>
-          <a:stretch/>
-        </p:blipFill>
-        <p:spPr>
-          <a:xfrm>
-            <a:off x="53023" y="2016212"/>
-            <a:ext cx="2088513" cy="1659439"/>
-          </a:xfrm>
-          <a:prstGeom prst="rect">
-            <a:avLst/>
-          </a:prstGeom>
-        </p:spPr>
-      </p:pic>
-      <p:sp>
-        <p:nvSpPr>
-          <p:cNvPr id="13" name="ZoneTexte 12">
-            <a:extLst>
-              <a:ext uri="{FF2B5EF4-FFF2-40B4-BE49-F238E27FC236}">
-                <a16:creationId xmlns:a16="http://schemas.microsoft.com/office/drawing/2014/main" id="{E3DF6FA4-3F77-4A80-A207-687A7DC0EFE7}"/>
-              </a:ext>
-            </a:extLst>
-          </p:cNvPr>
-          <p:cNvSpPr txBox="1"/>
-          <p:nvPr/>
-        </p:nvSpPr>
-        <p:spPr>
-          <a:xfrm>
-            <a:off x="147730" y="3926013"/>
-            <a:ext cx="1899098" cy="369332"/>
-          </a:xfrm>
-          <a:prstGeom prst="rect">
-            <a:avLst/>
-          </a:prstGeom>
-          <a:noFill/>
-        </p:spPr>
-        <p:txBody>
-          <a:bodyPr wrap="square" rtlCol="0">
-            <a:spAutoFit/>
-          </a:bodyPr>
-          <a:lstStyle/>
-          <a:p>
-            <a:r>
-              <a:rPr lang="fr-FR" dirty="0"/>
-              <a:t>Interface site web</a:t>
-            </a:r>
-          </a:p>
-        </p:txBody>
-      </p:sp>
-      <p:pic>
-        <p:nvPicPr>
-          <p:cNvPr id="16" name="Image 15" descr="Une image contenant dessin&#10;&#10;Description générée automatiquement">
-            <a:extLst>
-              <a:ext uri="{FF2B5EF4-FFF2-40B4-BE49-F238E27FC236}">
-                <a16:creationId xmlns:a16="http://schemas.microsoft.com/office/drawing/2014/main" id="{9B7C1AAD-1ABA-4A2D-BB5A-6BA6A45D3010}"/>
-              </a:ext>
-            </a:extLst>
-          </p:cNvPr>
-          <p:cNvPicPr>
-            <a:picLocks noChangeAspect="1"/>
-          </p:cNvPicPr>
-          <p:nvPr/>
-        </p:nvPicPr>
-        <p:blipFill rotWithShape="1">
-          <a:blip r:embed="rId4" cstate="print">
-            <a:extLst>
-              <a:ext uri="{28A0092B-C50C-407E-A947-70E740481C1C}">
-                <a14:useLocalDpi xmlns:a14="http://schemas.microsoft.com/office/drawing/2010/main" val="0"/>
-              </a:ext>
-            </a:extLst>
-          </a:blip>
-          <a:srcRect l="21849" r="22990"/>
-          <a:stretch/>
-        </p:blipFill>
-        <p:spPr>
-          <a:xfrm>
-            <a:off x="3149369" y="2033630"/>
-            <a:ext cx="915349" cy="1659438"/>
-          </a:xfrm>
-          <a:prstGeom prst="rect">
-            <a:avLst/>
-          </a:prstGeom>
-        </p:spPr>
-      </p:pic>
-      <p:sp>
-        <p:nvSpPr>
-          <p:cNvPr id="17" name="ZoneTexte 16">
-            <a:extLst>
-              <a:ext uri="{FF2B5EF4-FFF2-40B4-BE49-F238E27FC236}">
-                <a16:creationId xmlns:a16="http://schemas.microsoft.com/office/drawing/2014/main" id="{D9694B80-81E0-4D96-B70B-B222B7F62332}"/>
-              </a:ext>
-            </a:extLst>
-          </p:cNvPr>
-          <p:cNvSpPr txBox="1"/>
-          <p:nvPr/>
-        </p:nvSpPr>
-        <p:spPr>
-          <a:xfrm>
-            <a:off x="2464525" y="3926013"/>
-            <a:ext cx="2299151" cy="369332"/>
-          </a:xfrm>
-          <a:prstGeom prst="rect">
-            <a:avLst/>
-          </a:prstGeom>
-          <a:noFill/>
-        </p:spPr>
-        <p:txBody>
-          <a:bodyPr wrap="square" rtlCol="0">
-            <a:spAutoFit/>
-          </a:bodyPr>
-          <a:lstStyle/>
-          <a:p>
-            <a:r>
-              <a:rPr lang="fr-FR" dirty="0"/>
-              <a:t>Relevés températures</a:t>
-            </a:r>
-          </a:p>
-        </p:txBody>
-      </p:sp>
-      <p:pic>
-        <p:nvPicPr>
-          <p:cNvPr id="19" name="Image 18">
-            <a:extLst>
-              <a:ext uri="{FF2B5EF4-FFF2-40B4-BE49-F238E27FC236}">
-                <a16:creationId xmlns:a16="http://schemas.microsoft.com/office/drawing/2014/main" id="{FE6E2A7C-F1FE-46F2-BA00-0BAC61DE7960}"/>
-              </a:ext>
-            </a:extLst>
-          </p:cNvPr>
-          <p:cNvPicPr>
-            <a:picLocks noChangeAspect="1"/>
-          </p:cNvPicPr>
-          <p:nvPr/>
-        </p:nvPicPr>
-        <p:blipFill rotWithShape="1">
-          <a:blip r:embed="rId5" cstate="print">
-            <a:extLst>
-              <a:ext uri="{BEBA8EAE-BF5A-486C-A8C5-ECC9F3942E4B}">
-                <a14:imgProps xmlns:a14="http://schemas.microsoft.com/office/drawing/2010/main">
-                  <a14:imgLayer r:embed="rId6">
-                    <a14:imgEffect>
-                      <a14:backgroundRemoval t="7838" b="91757" l="10000" r="90000">
-                        <a14:foregroundMark x1="45556" y1="9459" x2="51667" y2="7838"/>
-                        <a14:foregroundMark x1="51667" y1="7838" x2="52778" y2="8108"/>
-                        <a14:foregroundMark x1="48889" y1="31757" x2="49778" y2="32838"/>
-                        <a14:foregroundMark x1="63111" y1="72973" x2="67111" y2="78784"/>
-                        <a14:foregroundMark x1="67111" y1="78784" x2="66444" y2="85811"/>
-                        <a14:foregroundMark x1="66444" y1="85811" x2="61111" y2="89730"/>
-                        <a14:foregroundMark x1="61111" y1="89730" x2="48000" y2="91757"/>
-                        <a14:foregroundMark x1="48000" y1="91757" x2="36333" y2="87027"/>
-                        <a14:foregroundMark x1="36333" y1="87027" x2="32889" y2="81216"/>
-                        <a14:foregroundMark x1="32889" y1="81216" x2="35000" y2="74324"/>
-                        <a14:foregroundMark x1="35000" y1="74324" x2="37556" y2="72568"/>
-                      </a14:backgroundRemoval>
-                    </a14:imgEffect>
-                  </a14:imgLayer>
-                </a14:imgProps>
-              </a:ext>
-              <a:ext uri="{28A0092B-C50C-407E-A947-70E740481C1C}">
-                <a14:useLocalDpi xmlns:a14="http://schemas.microsoft.com/office/drawing/2010/main" val="0"/>
-              </a:ext>
-            </a:extLst>
-          </a:blip>
-          <a:srcRect t="3024" b="5138"/>
-          <a:stretch/>
-        </p:blipFill>
-        <p:spPr>
-          <a:xfrm>
-            <a:off x="4936154" y="1991705"/>
-            <a:ext cx="2306819" cy="1741920"/>
-          </a:xfrm>
-          <a:prstGeom prst="rect">
-            <a:avLst/>
-          </a:prstGeom>
-        </p:spPr>
-      </p:pic>
-      <p:sp>
-        <p:nvSpPr>
-          <p:cNvPr id="20" name="ZoneTexte 19">
-            <a:extLst>
-              <a:ext uri="{FF2B5EF4-FFF2-40B4-BE49-F238E27FC236}">
-                <a16:creationId xmlns:a16="http://schemas.microsoft.com/office/drawing/2014/main" id="{B66F6505-0AD3-4566-8C67-0B738DD0BAB7}"/>
-              </a:ext>
-            </a:extLst>
-          </p:cNvPr>
-          <p:cNvSpPr txBox="1"/>
-          <p:nvPr/>
-        </p:nvSpPr>
-        <p:spPr>
-          <a:xfrm>
-            <a:off x="5199613" y="3926013"/>
-            <a:ext cx="1853734" cy="369332"/>
-          </a:xfrm>
-          <a:prstGeom prst="rect">
-            <a:avLst/>
-          </a:prstGeom>
-          <a:noFill/>
-        </p:spPr>
-        <p:txBody>
-          <a:bodyPr wrap="square" rtlCol="0">
-            <a:spAutoFit/>
-          </a:bodyPr>
-          <a:lstStyle/>
-          <a:p>
-            <a:r>
-              <a:rPr lang="fr-FR" dirty="0"/>
-              <a:t>Suivi de livreurs </a:t>
-            </a:r>
-          </a:p>
-        </p:txBody>
-      </p:sp>
-      <p:pic>
-        <p:nvPicPr>
-          <p:cNvPr id="22" name="Image 21">
-            <a:extLst>
-              <a:ext uri="{FF2B5EF4-FFF2-40B4-BE49-F238E27FC236}">
-                <a16:creationId xmlns:a16="http://schemas.microsoft.com/office/drawing/2014/main" id="{605BBE75-0987-4E8A-8DD1-90E471E40DB3}"/>
-              </a:ext>
-            </a:extLst>
-          </p:cNvPr>
-          <p:cNvPicPr>
-            <a:picLocks noChangeAspect="1"/>
-          </p:cNvPicPr>
-          <p:nvPr/>
-        </p:nvPicPr>
-        <p:blipFill rotWithShape="1">
-          <a:blip r:embed="rId7">
-            <a:extLst>
-              <a:ext uri="{28A0092B-C50C-407E-A947-70E740481C1C}">
-                <a14:useLocalDpi xmlns:a14="http://schemas.microsoft.com/office/drawing/2010/main" val="0"/>
-              </a:ext>
-            </a:extLst>
-          </a:blip>
-          <a:srcRect t="14257" b="13519"/>
-          <a:stretch/>
-        </p:blipFill>
-        <p:spPr>
-          <a:xfrm>
-            <a:off x="7400015" y="2032530"/>
-            <a:ext cx="2299151" cy="1660538"/>
-          </a:xfrm>
-          <a:prstGeom prst="rect">
-            <a:avLst/>
-          </a:prstGeom>
-        </p:spPr>
-      </p:pic>
-      <p:sp>
-        <p:nvSpPr>
-          <p:cNvPr id="23" name="Rectangle 22">
-            <a:extLst>
-              <a:ext uri="{FF2B5EF4-FFF2-40B4-BE49-F238E27FC236}">
-                <a16:creationId xmlns:a16="http://schemas.microsoft.com/office/drawing/2014/main" id="{32D2CC0F-1CEB-4819-81AF-EAA70FAD75E4}"/>
-              </a:ext>
-            </a:extLst>
-          </p:cNvPr>
-          <p:cNvSpPr/>
-          <p:nvPr/>
-        </p:nvSpPr>
-        <p:spPr>
-          <a:xfrm>
-            <a:off x="7400014" y="3926013"/>
-            <a:ext cx="2299151" cy="369332"/>
-          </a:xfrm>
-          <a:prstGeom prst="rect">
-            <a:avLst/>
-          </a:prstGeom>
-        </p:spPr>
-        <p:txBody>
-          <a:bodyPr wrap="square">
-            <a:spAutoFit/>
-          </a:bodyPr>
-          <a:lstStyle/>
-          <a:p>
-            <a:r>
-              <a:rPr lang="fr-FR" dirty="0">
-                <a:solidFill>
-                  <a:srgbClr val="000000"/>
-                </a:solidFill>
-              </a:rPr>
-              <a:t>Gestion d’utilisateurs </a:t>
-            </a:r>
-          </a:p>
-        </p:txBody>
-      </p:sp>
-      <p:pic>
-        <p:nvPicPr>
-          <p:cNvPr id="27" name="Image 26" descr="Une image contenant chope, tasse, dessin, table&#10;&#10;Description générée automatiquement">
-            <a:extLst>
-              <a:ext uri="{FF2B5EF4-FFF2-40B4-BE49-F238E27FC236}">
-                <a16:creationId xmlns:a16="http://schemas.microsoft.com/office/drawing/2014/main" id="{55D03A7C-6627-48AD-A949-0D8395E44C6C}"/>
-              </a:ext>
-            </a:extLst>
-          </p:cNvPr>
-          <p:cNvPicPr>
-            <a:picLocks noChangeAspect="1"/>
-          </p:cNvPicPr>
-          <p:nvPr/>
-        </p:nvPicPr>
-        <p:blipFill rotWithShape="1">
-          <a:blip r:embed="rId8" cstate="print">
-            <a:extLst>
-              <a:ext uri="{BEBA8EAE-BF5A-486C-A8C5-ECC9F3942E4B}">
-                <a14:imgProps xmlns:a14="http://schemas.microsoft.com/office/drawing/2010/main">
-                  <a14:imgLayer r:embed="rId9">
-                    <a14:imgEffect>
-                      <a14:backgroundRemoval t="2396" b="79553" l="9871" r="89968">
-                        <a14:foregroundMark x1="41909" y1="10383" x2="59061" y2="9585"/>
-                        <a14:foregroundMark x1="59061" y1="9585" x2="60194" y2="9585"/>
-                        <a14:foregroundMark x1="37379" y1="33227" x2="75405" y2="30831"/>
-                        <a14:foregroundMark x1="32362" y1="67572" x2="45307" y2="67732"/>
-                        <a14:foregroundMark x1="45307" y1="67732" x2="63430" y2="67252"/>
-                        <a14:foregroundMark x1="63430" y1="67252" x2="63754" y2="67252"/>
-                        <a14:foregroundMark x1="37379" y1="75719" x2="55340" y2="77157"/>
-                        <a14:foregroundMark x1="55340" y1="77157" x2="63754" y2="76837"/>
-                        <a14:foregroundMark x1="63754" y1="76837" x2="64239" y2="76837"/>
-                        <a14:foregroundMark x1="40291" y1="78275" x2="48382" y2="79553"/>
-                        <a14:foregroundMark x1="48382" y1="79553" x2="54207" y2="79233"/>
-                        <a14:foregroundMark x1="36084" y1="4792" x2="46278" y2="3674"/>
-                        <a14:foregroundMark x1="46278" y1="3674" x2="56958" y2="3674"/>
-                        <a14:foregroundMark x1="35922" y1="3674" x2="44822" y2="2396"/>
-                        <a14:foregroundMark x1="44822" y1="2396" x2="55016" y2="3674"/>
-                        <a14:foregroundMark x1="55016" y1="3674" x2="63107" y2="7987"/>
-                        <a14:foregroundMark x1="63107" y1="7987" x2="56149" y2="13259"/>
-                        <a14:foregroundMark x1="56149" y1="13259" x2="47735" y2="13099"/>
-                        <a14:foregroundMark x1="47735" y1="13099" x2="41586" y2="9585"/>
-                      </a14:backgroundRemoval>
-                    </a14:imgEffect>
-                  </a14:imgLayer>
-                </a14:imgProps>
-              </a:ext>
-              <a:ext uri="{28A0092B-C50C-407E-A947-70E740481C1C}">
-                <a14:useLocalDpi xmlns:a14="http://schemas.microsoft.com/office/drawing/2010/main" val="0"/>
-              </a:ext>
-            </a:extLst>
-          </a:blip>
-          <a:srcRect b="17747"/>
-          <a:stretch/>
-        </p:blipFill>
-        <p:spPr>
-          <a:xfrm>
-            <a:off x="9856209" y="1944459"/>
-            <a:ext cx="2207632" cy="1839365"/>
-          </a:xfrm>
-          <a:prstGeom prst="rect">
-            <a:avLst/>
-          </a:prstGeom>
-        </p:spPr>
-      </p:pic>
-      <p:sp>
-        <p:nvSpPr>
-          <p:cNvPr id="28" name="Rectangle 27">
-            <a:extLst>
-              <a:ext uri="{FF2B5EF4-FFF2-40B4-BE49-F238E27FC236}">
-                <a16:creationId xmlns:a16="http://schemas.microsoft.com/office/drawing/2014/main" id="{B66B932B-7EE6-48C4-A497-3558C4EE79B7}"/>
-              </a:ext>
-            </a:extLst>
-          </p:cNvPr>
-          <p:cNvSpPr/>
-          <p:nvPr/>
-        </p:nvSpPr>
-        <p:spPr>
-          <a:xfrm>
-            <a:off x="9798586" y="3929423"/>
-            <a:ext cx="2322877" cy="646331"/>
-          </a:xfrm>
-          <a:prstGeom prst="rect">
-            <a:avLst/>
-          </a:prstGeom>
-        </p:spPr>
-        <p:txBody>
-          <a:bodyPr wrap="square">
-            <a:spAutoFit/>
-          </a:bodyPr>
-          <a:lstStyle/>
-          <a:p>
-            <a:pPr algn="ctr"/>
-            <a:r>
-              <a:rPr lang="fr-FR" dirty="0">
-                <a:solidFill>
-                  <a:srgbClr val="000000"/>
-                </a:solidFill>
-              </a:rPr>
-              <a:t>Création de la base de données</a:t>
             </a:r>
           </a:p>
         </p:txBody>
@@ -9082,254 +8356,6 @@
           </a:p>
         </p:txBody>
       </p:sp>
-      <p:pic>
-        <p:nvPicPr>
-          <p:cNvPr id="10" name="Image 9" descr="Une image contenant dessin&#10;&#10;Description générée automatiquement">
-            <a:extLst>
-              <a:ext uri="{FF2B5EF4-FFF2-40B4-BE49-F238E27FC236}">
-                <a16:creationId xmlns:a16="http://schemas.microsoft.com/office/drawing/2014/main" id="{1113F3DC-12C8-4C36-8F6F-1346A732861D}"/>
-              </a:ext>
-            </a:extLst>
-          </p:cNvPr>
-          <p:cNvPicPr>
-            <a:picLocks noChangeAspect="1"/>
-          </p:cNvPicPr>
-          <p:nvPr/>
-        </p:nvPicPr>
-        <p:blipFill>
-          <a:blip r:embed="rId3" cstate="print">
-            <a:extLst>
-              <a:ext uri="{BEBA8EAE-BF5A-486C-A8C5-ECC9F3942E4B}">
-                <a14:imgProps xmlns:a14="http://schemas.microsoft.com/office/drawing/2010/main">
-                  <a14:imgLayer r:embed="rId4">
-                    <a14:imgEffect>
-                      <a14:backgroundRemoval t="4571" b="92622" l="3837" r="92442">
-                        <a14:foregroundMark x1="44070" y1="14114" x2="51860" y2="4972"/>
-                        <a14:foregroundMark x1="51860" y1="4972" x2="61512" y2="4731"/>
-                        <a14:foregroundMark x1="30000" y1="17161" x2="38953" y2="8019"/>
-                        <a14:foregroundMark x1="38953" y1="8019" x2="71047" y2="6255"/>
-                        <a14:foregroundMark x1="71047" y1="6255" x2="84186" y2="11307"/>
-                        <a14:foregroundMark x1="84186" y1="11307" x2="90233" y2="21010"/>
-                        <a14:foregroundMark x1="90233" y1="21010" x2="91279" y2="40497"/>
-                        <a14:foregroundMark x1="94302" y1="14114" x2="92558" y2="35605"/>
-                        <a14:foregroundMark x1="92558" y1="35605" x2="88837" y2="44186"/>
-                        <a14:foregroundMark x1="43023" y1="75140" x2="31860" y2="67201"/>
-                        <a14:foregroundMark x1="31860" y1="67201" x2="31744" y2="66800"/>
-                        <a14:foregroundMark x1="28605" y1="60706" x2="25116" y2="62229"/>
-                        <a14:foregroundMark x1="21163" y1="68083" x2="25581" y2="67362"/>
-                        <a14:foregroundMark x1="27326" y1="70249" x2="21279" y2="60305"/>
-                        <a14:foregroundMark x1="21279" y1="60305" x2="28953" y2="70088"/>
-                        <a14:foregroundMark x1="28953" y1="70088" x2="27558" y2="72093"/>
-                        <a14:foregroundMark x1="28372" y1="68083" x2="25930" y2="57418"/>
-                        <a14:foregroundMark x1="25930" y1="57418" x2="29767" y2="67602"/>
-                        <a14:foregroundMark x1="29767" y1="67602" x2="25581" y2="71532"/>
-                        <a14:foregroundMark x1="33372" y1="64876" x2="28372" y2="56295"/>
-                        <a14:foregroundMark x1="31395" y1="69046" x2="39070" y2="78188"/>
-                        <a14:foregroundMark x1="39070" y1="78188" x2="41860" y2="88613"/>
-                        <a14:foregroundMark x1="41860" y1="88613" x2="25581" y2="89655"/>
-                        <a14:foregroundMark x1="25581" y1="89655" x2="16512" y2="81075"/>
-                        <a14:foregroundMark x1="16512" y1="81075" x2="22907" y2="70249"/>
-                        <a14:foregroundMark x1="14302" y1="86768" x2="10116" y2="85245"/>
-                        <a14:foregroundMark x1="7442" y1="88292" x2="4419" y2="83881"/>
-                        <a14:foregroundMark x1="41047" y1="90537" x2="40465" y2="91901"/>
-                        <a14:foregroundMark x1="17326" y1="92302" x2="18488" y2="92462"/>
-                        <a14:foregroundMark x1="38837" y1="92702" x2="38837" y2="92702"/>
-                        <a14:foregroundMark x1="3837" y1="89816" x2="3837" y2="89816"/>
-                      </a14:backgroundRemoval>
-                    </a14:imgEffect>
-                  </a14:imgLayer>
-                </a14:imgProps>
-              </a:ext>
-              <a:ext uri="{28A0092B-C50C-407E-A947-70E740481C1C}">
-                <a14:useLocalDpi xmlns:a14="http://schemas.microsoft.com/office/drawing/2010/main" val="0"/>
-              </a:ext>
-            </a:extLst>
-          </a:blip>
-          <a:stretch>
-            <a:fillRect/>
-          </a:stretch>
-        </p:blipFill>
-        <p:spPr>
-          <a:xfrm>
-            <a:off x="843743" y="2067771"/>
-            <a:ext cx="2316804" cy="3359366"/>
-          </a:xfrm>
-          <a:prstGeom prst="rect">
-            <a:avLst/>
-          </a:prstGeom>
-        </p:spPr>
-      </p:pic>
-      <p:sp>
-        <p:nvSpPr>
-          <p:cNvPr id="12" name="ZoneTexte 11">
-            <a:extLst>
-              <a:ext uri="{FF2B5EF4-FFF2-40B4-BE49-F238E27FC236}">
-                <a16:creationId xmlns:a16="http://schemas.microsoft.com/office/drawing/2014/main" id="{314DED1D-C155-4FB6-AB36-83B5E5904374}"/>
-              </a:ext>
-            </a:extLst>
-          </p:cNvPr>
-          <p:cNvSpPr txBox="1"/>
-          <p:nvPr/>
-        </p:nvSpPr>
-        <p:spPr>
-          <a:xfrm>
-            <a:off x="669733" y="5427137"/>
-            <a:ext cx="2664823" cy="369332"/>
-          </a:xfrm>
-          <a:prstGeom prst="rect">
-            <a:avLst/>
-          </a:prstGeom>
-          <a:noFill/>
-        </p:spPr>
-        <p:txBody>
-          <a:bodyPr wrap="square" rtlCol="0">
-            <a:spAutoFit/>
-          </a:bodyPr>
-          <a:lstStyle/>
-          <a:p>
-            <a:r>
-              <a:rPr lang="fr-FR" dirty="0"/>
-              <a:t>Installation Linux serveur</a:t>
-            </a:r>
-          </a:p>
-        </p:txBody>
-      </p:sp>
-      <p:pic>
-        <p:nvPicPr>
-          <p:cNvPr id="15" name="Image 14" descr="Une image contenant dessin&#10;&#10;Description générée automatiquement">
-            <a:extLst>
-              <a:ext uri="{FF2B5EF4-FFF2-40B4-BE49-F238E27FC236}">
-                <a16:creationId xmlns:a16="http://schemas.microsoft.com/office/drawing/2014/main" id="{C6E011F9-DAB3-4D68-AACF-EF8C43898BCC}"/>
-              </a:ext>
-            </a:extLst>
-          </p:cNvPr>
-          <p:cNvPicPr>
-            <a:picLocks noChangeAspect="1"/>
-          </p:cNvPicPr>
-          <p:nvPr/>
-        </p:nvPicPr>
-        <p:blipFill>
-          <a:blip r:embed="rId5">
-            <a:extLst>
-              <a:ext uri="{28A0092B-C50C-407E-A947-70E740481C1C}">
-                <a14:useLocalDpi xmlns:a14="http://schemas.microsoft.com/office/drawing/2010/main" val="0"/>
-              </a:ext>
-            </a:extLst>
-          </a:blip>
-          <a:stretch>
-            <a:fillRect/>
-          </a:stretch>
-        </p:blipFill>
-        <p:spPr>
-          <a:xfrm>
-            <a:off x="4430319" y="3876448"/>
-            <a:ext cx="3318490" cy="2228129"/>
-          </a:xfrm>
-          <a:prstGeom prst="rect">
-            <a:avLst/>
-          </a:prstGeom>
-        </p:spPr>
-      </p:pic>
-      <p:pic>
-        <p:nvPicPr>
-          <p:cNvPr id="18" name="Image 17" descr="Une image contenant dessin&#10;&#10;Description générée automatiquement">
-            <a:extLst>
-              <a:ext uri="{FF2B5EF4-FFF2-40B4-BE49-F238E27FC236}">
-                <a16:creationId xmlns:a16="http://schemas.microsoft.com/office/drawing/2014/main" id="{54978C07-2E8F-458D-84D3-3300C9DB5B71}"/>
-              </a:ext>
-            </a:extLst>
-          </p:cNvPr>
-          <p:cNvPicPr>
-            <a:picLocks noChangeAspect="1"/>
-          </p:cNvPicPr>
-          <p:nvPr/>
-        </p:nvPicPr>
-        <p:blipFill>
-          <a:blip r:embed="rId6">
-            <a:extLst>
-              <a:ext uri="{28A0092B-C50C-407E-A947-70E740481C1C}">
-                <a14:useLocalDpi xmlns:a14="http://schemas.microsoft.com/office/drawing/2010/main" val="0"/>
-              </a:ext>
-            </a:extLst>
-          </a:blip>
-          <a:stretch>
-            <a:fillRect/>
-          </a:stretch>
-        </p:blipFill>
-        <p:spPr>
-          <a:xfrm>
-            <a:off x="8046483" y="2385726"/>
-            <a:ext cx="4014477" cy="1642286"/>
-          </a:xfrm>
-          <a:prstGeom prst="rect">
-            <a:avLst/>
-          </a:prstGeom>
-        </p:spPr>
-      </p:pic>
-      <p:pic>
-        <p:nvPicPr>
-          <p:cNvPr id="21" name="Image 20" descr="Une image contenant chope, tasse, dessin, table&#10;&#10;Description générée automatiquement">
-            <a:extLst>
-              <a:ext uri="{FF2B5EF4-FFF2-40B4-BE49-F238E27FC236}">
-                <a16:creationId xmlns:a16="http://schemas.microsoft.com/office/drawing/2014/main" id="{6925F662-A81D-4B05-842D-A1E16900D902}"/>
-              </a:ext>
-            </a:extLst>
-          </p:cNvPr>
-          <p:cNvPicPr>
-            <a:picLocks noChangeAspect="1"/>
-          </p:cNvPicPr>
-          <p:nvPr/>
-        </p:nvPicPr>
-        <p:blipFill rotWithShape="1">
-          <a:blip r:embed="rId7" cstate="print">
-            <a:extLst>
-              <a:ext uri="{BEBA8EAE-BF5A-486C-A8C5-ECC9F3942E4B}">
-                <a14:imgProps xmlns:a14="http://schemas.microsoft.com/office/drawing/2010/main">
-                  <a14:imgLayer r:embed="rId8">
-                    <a14:imgEffect>
-                      <a14:backgroundRemoval t="2396" b="79553" l="9871" r="89968">
-                        <a14:foregroundMark x1="41909" y1="10383" x2="59061" y2="9585"/>
-                        <a14:foregroundMark x1="59061" y1="9585" x2="60194" y2="9585"/>
-                        <a14:foregroundMark x1="37379" y1="33227" x2="75405" y2="30831"/>
-                        <a14:foregroundMark x1="32362" y1="67572" x2="45307" y2="67732"/>
-                        <a14:foregroundMark x1="45307" y1="67732" x2="63430" y2="67252"/>
-                        <a14:foregroundMark x1="63430" y1="67252" x2="63754" y2="67252"/>
-                        <a14:foregroundMark x1="37379" y1="75719" x2="55340" y2="77157"/>
-                        <a14:foregroundMark x1="55340" y1="77157" x2="63754" y2="76837"/>
-                        <a14:foregroundMark x1="63754" y1="76837" x2="64239" y2="76837"/>
-                        <a14:foregroundMark x1="40291" y1="78275" x2="48382" y2="79553"/>
-                        <a14:foregroundMark x1="48382" y1="79553" x2="54207" y2="79233"/>
-                        <a14:foregroundMark x1="36084" y1="4792" x2="46278" y2="3674"/>
-                        <a14:foregroundMark x1="46278" y1="3674" x2="56958" y2="3674"/>
-                        <a14:foregroundMark x1="35922" y1="3674" x2="44822" y2="2396"/>
-                        <a14:foregroundMark x1="44822" y1="2396" x2="55016" y2="3674"/>
-                        <a14:foregroundMark x1="55016" y1="3674" x2="63107" y2="7987"/>
-                        <a14:foregroundMark x1="63107" y1="7987" x2="56149" y2="13259"/>
-                        <a14:foregroundMark x1="56149" y1="13259" x2="47735" y2="13099"/>
-                        <a14:foregroundMark x1="47735" y1="13099" x2="41586" y2="9585"/>
-                      </a14:backgroundRemoval>
-                    </a14:imgEffect>
-                  </a14:imgLayer>
-                </a14:imgProps>
-              </a:ext>
-              <a:ext uri="{28A0092B-C50C-407E-A947-70E740481C1C}">
-                <a14:useLocalDpi xmlns:a14="http://schemas.microsoft.com/office/drawing/2010/main" val="0"/>
-              </a:ext>
-            </a:extLst>
-          </a:blip>
-          <a:srcRect b="17747"/>
-          <a:stretch/>
-        </p:blipFill>
-        <p:spPr>
-          <a:xfrm>
-            <a:off x="4985748" y="1965994"/>
-            <a:ext cx="2207632" cy="1839365"/>
-          </a:xfrm>
-          <a:prstGeom prst="rect">
-            <a:avLst/>
-          </a:prstGeom>
-        </p:spPr>
-      </p:pic>
     </p:spTree>
     <p:extLst>
       <p:ext uri="{BB962C8B-B14F-4D97-AF65-F5344CB8AC3E}">
@@ -15452,8 +14478,13 @@
           <a:p>
             <a:r>
               <a:rPr lang="fr-FR" dirty="0"/>
-              <a:t>Diagramme de classe</a:t>
-            </a:r>
+              <a:t>Diagramme de </a:t>
+            </a:r>
+            <a:r>
+              <a:rPr lang="fr-FR"/>
+              <a:t>cas d’utilisation</a:t>
+            </a:r>
+            <a:endParaRPr lang="fr-FR" dirty="0"/>
           </a:p>
         </p:txBody>
       </p:sp>
@@ -16013,299 +15044,4 @@
     </a:ext>
   </a:extLst>
 </a:theme>
-</file>
-
-<file path=ppt/theme/theme2.xml><?xml version="1.0" encoding="utf-8"?>
-<a:theme xmlns:a="http://schemas.openxmlformats.org/drawingml/2006/main" name="Thème Office">
-  <a:themeElements>
-    <a:clrScheme name="Office">
-      <a:dk1>
-        <a:sysClr val="windowText" lastClr="000000"/>
-      </a:dk1>
-      <a:lt1>
-        <a:sysClr val="window" lastClr="FFFFFF"/>
-      </a:lt1>
-      <a:dk2>
-        <a:srgbClr val="44546A"/>
-      </a:dk2>
-      <a:lt2>
-        <a:srgbClr val="E7E6E6"/>
-      </a:lt2>
-      <a:accent1>
-        <a:srgbClr val="4472C4"/>
-      </a:accent1>
-      <a:accent2>
-        <a:srgbClr val="ED7D31"/>
-      </a:accent2>
-      <a:accent3>
-        <a:srgbClr val="A5A5A5"/>
-      </a:accent3>
-      <a:accent4>
-        <a:srgbClr val="FFC000"/>
-      </a:accent4>
-      <a:accent5>
-        <a:srgbClr val="5B9BD5"/>
-      </a:accent5>
-      <a:accent6>
-        <a:srgbClr val="70AD47"/>
-      </a:accent6>
-      <a:hlink>
-        <a:srgbClr val="0563C1"/>
-      </a:hlink>
-      <a:folHlink>
-        <a:srgbClr val="954F72"/>
-      </a:folHlink>
-    </a:clrScheme>
-    <a:fontScheme name="Office">
-      <a:majorFont>
-        <a:latin typeface="Calibri Light" panose="020F0302020204030204"/>
-        <a:ea typeface=""/>
-        <a:cs typeface=""/>
-        <a:font script="Jpan" typeface="游ゴシック Light"/>
-        <a:font script="Hang" typeface="맑은 고딕"/>
-        <a:font script="Hans" typeface="等线 Light"/>
-        <a:font script="Hant" typeface="新細明體"/>
-        <a:font script="Arab" typeface="Times New Roman"/>
-        <a:font script="Hebr" typeface="Times New Roman"/>
-        <a:font script="Thai" typeface="Angsana New"/>
-        <a:font script="Ethi" typeface="Nyala"/>
-        <a:font script="Beng" typeface="Vrinda"/>
-        <a:font script="Gujr" typeface="Shruti"/>
-        <a:font script="Khmr" typeface="MoolBoran"/>
-        <a:font script="Knda" typeface="Tunga"/>
-        <a:font script="Guru" typeface="Raavi"/>
-        <a:font script="Cans" typeface="Euphemia"/>
-        <a:font script="Cher" typeface="Plantagenet Cherokee"/>
-        <a:font script="Yiii" typeface="Microsoft Yi Baiti"/>
-        <a:font script="Tibt" typeface="Microsoft Himalaya"/>
-        <a:font script="Thaa" typeface="MV Boli"/>
-        <a:font script="Deva" typeface="Mangal"/>
-        <a:font script="Telu" typeface="Gautami"/>
-        <a:font script="Taml" typeface="Latha"/>
-        <a:font script="Syrc" typeface="Estrangelo Edessa"/>
-        <a:font script="Orya" typeface="Kalinga"/>
-        <a:font script="Mlym" typeface="Kartika"/>
-        <a:font script="Laoo" typeface="DokChampa"/>
-        <a:font script="Sinh" typeface="Iskoola Pota"/>
-        <a:font script="Mong" typeface="Mongolian Baiti"/>
-        <a:font script="Viet" typeface="Times New Roman"/>
-        <a:font script="Uigh" typeface="Microsoft Uighur"/>
-        <a:font script="Geor" typeface="Sylfaen"/>
-        <a:font script="Armn" typeface="Arial"/>
-        <a:font script="Bugi" typeface="Leelawadee UI"/>
-        <a:font script="Bopo" typeface="Microsoft JhengHei"/>
-        <a:font script="Java" typeface="Javanese Text"/>
-        <a:font script="Lisu" typeface="Segoe UI"/>
-        <a:font script="Mymr" typeface="Myanmar Text"/>
-        <a:font script="Nkoo" typeface="Ebrima"/>
-        <a:font script="Olck" typeface="Nirmala UI"/>
-        <a:font script="Osma" typeface="Ebrima"/>
-        <a:font script="Phag" typeface="Phagspa"/>
-        <a:font script="Syrn" typeface="Estrangelo Edessa"/>
-        <a:font script="Syrj" typeface="Estrangelo Edessa"/>
-        <a:font script="Syre" typeface="Estrangelo Edessa"/>
-        <a:font script="Sora" typeface="Nirmala UI"/>
-        <a:font script="Tale" typeface="Microsoft Tai Le"/>
-        <a:font script="Talu" typeface="Microsoft New Tai Lue"/>
-        <a:font script="Tfng" typeface="Ebrima"/>
-      </a:majorFont>
-      <a:minorFont>
-        <a:latin typeface="Calibri" panose="020F0502020204030204"/>
-        <a:ea typeface=""/>
-        <a:cs typeface=""/>
-        <a:font script="Jpan" typeface="游ゴシック"/>
-        <a:font script="Hang" typeface="맑은 고딕"/>
-        <a:font script="Hans" typeface="等线"/>
-        <a:font script="Hant" typeface="新細明體"/>
-        <a:font script="Arab" typeface="Arial"/>
-        <a:font script="Hebr" typeface="Arial"/>
-        <a:font script="Thai" typeface="Cordia New"/>
-        <a:font script="Ethi" typeface="Nyala"/>
-        <a:font script="Beng" typeface="Vrinda"/>
-        <a:font script="Gujr" typeface="Shruti"/>
-        <a:font script="Khmr" typeface="DaunPenh"/>
-        <a:font script="Knda" typeface="Tunga"/>
-        <a:font script="Guru" typeface="Raavi"/>
-        <a:font script="Cans" typeface="Euphemia"/>
-        <a:font script="Cher" typeface="Plantagenet Cherokee"/>
-        <a:font script="Yiii" typeface="Microsoft Yi Baiti"/>
-        <a:font script="Tibt" typeface="Microsoft Himalaya"/>
-        <a:font script="Thaa" typeface="MV Boli"/>
-        <a:font script="Deva" typeface="Mangal"/>
-        <a:font script="Telu" typeface="Gautami"/>
-        <a:font script="Taml" typeface="Latha"/>
-        <a:font script="Syrc" typeface="Estrangelo Edessa"/>
-        <a:font script="Orya" typeface="Kalinga"/>
-        <a:font script="Mlym" typeface="Kartika"/>
-        <a:font script="Laoo" typeface="DokChampa"/>
-        <a:font script="Sinh" typeface="Iskoola Pota"/>
-        <a:font script="Mong" typeface="Mongolian Baiti"/>
-        <a:font script="Viet" typeface="Arial"/>
-        <a:font script="Uigh" typeface="Microsoft Uighur"/>
-        <a:font script="Geor" typeface="Sylfaen"/>
-        <a:font script="Armn" typeface="Arial"/>
-        <a:font script="Bugi" typeface="Leelawadee UI"/>
-        <a:font script="Bopo" typeface="Microsoft JhengHei"/>
-        <a:font script="Java" typeface="Javanese Text"/>
-        <a:font script="Lisu" typeface="Segoe UI"/>
-        <a:font script="Mymr" typeface="Myanmar Text"/>
-        <a:font script="Nkoo" typeface="Ebrima"/>
-        <a:font script="Olck" typeface="Nirmala UI"/>
-        <a:font script="Osma" typeface="Ebrima"/>
-        <a:font script="Phag" typeface="Phagspa"/>
-        <a:font script="Syrn" typeface="Estrangelo Edessa"/>
-        <a:font script="Syrj" typeface="Estrangelo Edessa"/>
-        <a:font script="Syre" typeface="Estrangelo Edessa"/>
-        <a:font script="Sora" typeface="Nirmala UI"/>
-        <a:font script="Tale" typeface="Microsoft Tai Le"/>
-        <a:font script="Talu" typeface="Microsoft New Tai Lue"/>
-        <a:font script="Tfng" typeface="Ebrima"/>
-      </a:minorFont>
-    </a:fontScheme>
-    <a:fmtScheme name="Office">
-      <a:fillStyleLst>
-        <a:solidFill>
-          <a:schemeClr val="phClr"/>
-        </a:solidFill>
-        <a:gradFill rotWithShape="1">
-          <a:gsLst>
-            <a:gs pos="0">
-              <a:schemeClr val="phClr">
-                <a:lumMod val="110000"/>
-                <a:satMod val="105000"/>
-                <a:tint val="67000"/>
-              </a:schemeClr>
-            </a:gs>
-            <a:gs pos="50000">
-              <a:schemeClr val="phClr">
-                <a:lumMod val="105000"/>
-                <a:satMod val="103000"/>
-                <a:tint val="73000"/>
-              </a:schemeClr>
-            </a:gs>
-            <a:gs pos="100000">
-              <a:schemeClr val="phClr">
-                <a:lumMod val="105000"/>
-                <a:satMod val="109000"/>
-                <a:tint val="81000"/>
-              </a:schemeClr>
-            </a:gs>
-          </a:gsLst>
-          <a:lin ang="5400000" scaled="0"/>
-        </a:gradFill>
-        <a:gradFill rotWithShape="1">
-          <a:gsLst>
-            <a:gs pos="0">
-              <a:schemeClr val="phClr">
-                <a:satMod val="103000"/>
-                <a:lumMod val="102000"/>
-                <a:tint val="94000"/>
-              </a:schemeClr>
-            </a:gs>
-            <a:gs pos="50000">
-              <a:schemeClr val="phClr">
-                <a:satMod val="110000"/>
-                <a:lumMod val="100000"/>
-                <a:shade val="100000"/>
-              </a:schemeClr>
-            </a:gs>
-            <a:gs pos="100000">
-              <a:schemeClr val="phClr">
-                <a:lumMod val="99000"/>
-                <a:satMod val="120000"/>
-                <a:shade val="78000"/>
-              </a:schemeClr>
-            </a:gs>
-          </a:gsLst>
-          <a:lin ang="5400000" scaled="0"/>
-        </a:gradFill>
-      </a:fillStyleLst>
-      <a:lnStyleLst>
-        <a:ln w="6350" cap="flat" cmpd="sng" algn="ctr">
-          <a:solidFill>
-            <a:schemeClr val="phClr"/>
-          </a:solidFill>
-          <a:prstDash val="solid"/>
-          <a:miter lim="800000"/>
-        </a:ln>
-        <a:ln w="12700" cap="flat" cmpd="sng" algn="ctr">
-          <a:solidFill>
-            <a:schemeClr val="phClr"/>
-          </a:solidFill>
-          <a:prstDash val="solid"/>
-          <a:miter lim="800000"/>
-        </a:ln>
-        <a:ln w="19050" cap="flat" cmpd="sng" algn="ctr">
-          <a:solidFill>
-            <a:schemeClr val="phClr"/>
-          </a:solidFill>
-          <a:prstDash val="solid"/>
-          <a:miter lim="800000"/>
-        </a:ln>
-      </a:lnStyleLst>
-      <a:effectStyleLst>
-        <a:effectStyle>
-          <a:effectLst/>
-        </a:effectStyle>
-        <a:effectStyle>
-          <a:effectLst/>
-        </a:effectStyle>
-        <a:effectStyle>
-          <a:effectLst>
-            <a:outerShdw blurRad="57150" dist="19050" dir="5400000" algn="ctr" rotWithShape="0">
-              <a:srgbClr val="000000">
-                <a:alpha val="63000"/>
-              </a:srgbClr>
-            </a:outerShdw>
-          </a:effectLst>
-        </a:effectStyle>
-      </a:effectStyleLst>
-      <a:bgFillStyleLst>
-        <a:solidFill>
-          <a:schemeClr val="phClr"/>
-        </a:solidFill>
-        <a:solidFill>
-          <a:schemeClr val="phClr">
-            <a:tint val="95000"/>
-            <a:satMod val="170000"/>
-          </a:schemeClr>
-        </a:solidFill>
-        <a:gradFill rotWithShape="1">
-          <a:gsLst>
-            <a:gs pos="0">
-              <a:schemeClr val="phClr">
-                <a:tint val="93000"/>
-                <a:satMod val="150000"/>
-                <a:shade val="98000"/>
-                <a:lumMod val="102000"/>
-              </a:schemeClr>
-            </a:gs>
-            <a:gs pos="50000">
-              <a:schemeClr val="phClr">
-                <a:tint val="98000"/>
-                <a:satMod val="130000"/>
-                <a:shade val="90000"/>
-                <a:lumMod val="103000"/>
-              </a:schemeClr>
-            </a:gs>
-            <a:gs pos="100000">
-              <a:schemeClr val="phClr">
-                <a:shade val="63000"/>
-                <a:satMod val="120000"/>
-              </a:schemeClr>
-            </a:gs>
-          </a:gsLst>
-          <a:lin ang="5400000" scaled="0"/>
-        </a:gradFill>
-      </a:bgFillStyleLst>
-    </a:fmtScheme>
-  </a:themeElements>
-  <a:objectDefaults/>
-  <a:extraClrSchemeLst/>
-  <a:extLst>
-    <a:ext uri="{05A4C25C-085E-4340-85A3-A5531E510DB2}">
-      <thm15:themeFamily xmlns:thm15="http://schemas.microsoft.com/office/thememl/2012/main" name="Office Theme" id="{62F939B6-93AF-4DB8-9C6B-D6C7DFDC589F}" vid="{4A3C46E8-61CC-4603-A589-7422A47A8E4A}"/>
-    </a:ext>
-  </a:extLst>
-</a:theme>
 </file>
--- a/Diaporama/DIAPO_Florian.pptx
+++ b/Diaporama/DIAPO_Florian.pptx
@@ -15,8 +15,10 @@
     <p:sldId id="265" r:id="rId9"/>
     <p:sldId id="266" r:id="rId10"/>
     <p:sldId id="263" r:id="rId11"/>
-    <p:sldId id="264" r:id="rId12"/>
-    <p:sldId id="267" r:id="rId13"/>
+    <p:sldId id="270" r:id="rId12"/>
+    <p:sldId id="268" r:id="rId13"/>
+    <p:sldId id="269" r:id="rId14"/>
+    <p:sldId id="267" r:id="rId15"/>
   </p:sldIdLst>
   <p:sldSz cx="12192000" cy="6858000"/>
   <p:notesSz cx="6858000" cy="9144000"/>
@@ -121,14 +123,6 @@
     </p:ext>
   </p:extLst>
 </p:presentation>
-</file>
-
-<file path=ppt/revisionInfo.xml><?xml version="1.0" encoding="utf-8"?>
-<p1510:revInfo xmlns:a="http://schemas.openxmlformats.org/drawingml/2006/main" xmlns:r="http://schemas.openxmlformats.org/officeDocument/2006/relationships" xmlns:p1510="http://schemas.microsoft.com/office/powerpoint/2015/10/main">
-  <p1510:revLst>
-    <p1510:client id="{6F2C70D0-831B-4D6B-94B2-15AF5D001035}" v="433" dt="2020-01-14T09:33:21.654"/>
-  </p1510:revLst>
-</p1510:revInfo>
 </file>
 
 <file path=ppt/diagrams/colors1.xml><?xml version="1.0" encoding="utf-8"?>
@@ -7748,31 +7742,6 @@
           </a:p>
         </p:txBody>
       </p:sp>
-      <p:sp>
-        <p:nvSpPr>
-          <p:cNvPr id="3" name="Espace réservé du contenu 2">
-            <a:extLst>
-              <a:ext uri="{FF2B5EF4-FFF2-40B4-BE49-F238E27FC236}">
-                <a16:creationId xmlns:a16="http://schemas.microsoft.com/office/drawing/2014/main" id="{B4876BF3-9D0A-46E1-9ED3-5C2504859891}"/>
-              </a:ext>
-            </a:extLst>
-          </p:cNvPr>
-          <p:cNvSpPr>
-            <a:spLocks noGrp="1"/>
-          </p:cNvSpPr>
-          <p:nvPr>
-            <p:ph idx="1"/>
-          </p:nvPr>
-        </p:nvSpPr>
-        <p:spPr/>
-        <p:txBody>
-          <a:bodyPr/>
-          <a:lstStyle/>
-          <a:p>
-            <a:endParaRPr lang="fr-FR"/>
-          </a:p>
-        </p:txBody>
-      </p:sp>
       <p:pic>
         <p:nvPicPr>
           <p:cNvPr id="4" name="Espace réservé du contenu 4">
@@ -7789,6 +7758,13 @@
         </p:nvPicPr>
         <p:blipFill>
           <a:blip r:embed="rId2" cstate="print">
+            <a:duotone>
+              <a:schemeClr val="bg2">
+                <a:shade val="45000"/>
+                <a:satMod val="135000"/>
+              </a:schemeClr>
+              <a:prstClr val="white"/>
+            </a:duotone>
             <a:extLst>
               <a:ext uri="{28A0092B-C50C-407E-A947-70E740481C1C}">
                 <a14:useLocalDpi xmlns:a14="http://schemas.microsoft.com/office/drawing/2010/main" val="0"/>
@@ -7809,196 +7785,314 @@
           </a:prstGeom>
         </p:spPr>
       </p:pic>
-      <p:sp>
-        <p:nvSpPr>
-          <p:cNvPr id="5" name="ZoneTexte 4">
+      <p:pic>
+        <p:nvPicPr>
+          <p:cNvPr id="10" name="Image 9">
             <a:extLst>
               <a:ext uri="{FF2B5EF4-FFF2-40B4-BE49-F238E27FC236}">
-                <a16:creationId xmlns:a16="http://schemas.microsoft.com/office/drawing/2014/main" id="{D352F6DE-74E1-483E-B67D-F979EBF3A6E5}"/>
+                <a16:creationId xmlns:a16="http://schemas.microsoft.com/office/drawing/2014/main" id="{073FCE00-D29E-44C7-A2BC-43A23401BF94}"/>
               </a:ext>
             </a:extLst>
           </p:cNvPr>
-          <p:cNvSpPr txBox="1"/>
+          <p:cNvPicPr>
+            <a:picLocks noChangeAspect="1"/>
+          </p:cNvPicPr>
+          <p:nvPr/>
+        </p:nvPicPr>
+        <p:blipFill>
+          <a:blip r:embed="rId3"/>
+          <a:stretch>
+            <a:fillRect/>
+          </a:stretch>
+        </p:blipFill>
+        <p:spPr>
+          <a:xfrm>
+            <a:off x="2489309" y="1881636"/>
+            <a:ext cx="6055289" cy="4416095"/>
+          </a:xfrm>
+          <a:prstGeom prst="rect">
+            <a:avLst/>
+          </a:prstGeom>
+        </p:spPr>
+      </p:pic>
+      <p:sp>
+        <p:nvSpPr>
+          <p:cNvPr id="11" name="Ellipse 10">
+            <a:extLst>
+              <a:ext uri="{FF2B5EF4-FFF2-40B4-BE49-F238E27FC236}">
+                <a16:creationId xmlns:a16="http://schemas.microsoft.com/office/drawing/2014/main" id="{71DB3C7A-1BD8-4DAE-97ED-8902AFD3294A}"/>
+              </a:ext>
+            </a:extLst>
+          </p:cNvPr>
+          <p:cNvSpPr/>
           <p:nvPr/>
         </p:nvSpPr>
         <p:spPr>
           <a:xfrm>
-            <a:off x="1693094" y="6442008"/>
-            <a:ext cx="1068371" cy="369332"/>
+            <a:off x="3483429" y="3135086"/>
+            <a:ext cx="1702525" cy="605247"/>
           </a:xfrm>
-          <a:prstGeom prst="rect">
+          <a:prstGeom prst="ellipse">
             <a:avLst/>
           </a:prstGeom>
           <a:noFill/>
+          <a:ln>
+            <a:solidFill>
+              <a:schemeClr val="accent2"/>
+            </a:solidFill>
+          </a:ln>
         </p:spPr>
+        <p:style>
+          <a:lnRef idx="2">
+            <a:schemeClr val="accent1">
+              <a:shade val="50000"/>
+            </a:schemeClr>
+          </a:lnRef>
+          <a:fillRef idx="1">
+            <a:schemeClr val="accent1"/>
+          </a:fillRef>
+          <a:effectRef idx="0">
+            <a:schemeClr val="accent1"/>
+          </a:effectRef>
+          <a:fontRef idx="minor">
+            <a:schemeClr val="lt1"/>
+          </a:fontRef>
+        </p:style>
         <p:txBody>
-          <a:bodyPr wrap="square" rtlCol="0">
-            <a:spAutoFit/>
-          </a:bodyPr>
+          <a:bodyPr rtlCol="0" anchor="ctr"/>
           <a:lstStyle/>
           <a:p>
-            <a:pPr algn="just"/>
-            <a:r>
-              <a:rPr lang="fr-FR" dirty="0">
-                <a:latin typeface="Agency FB" panose="020B0503020202020204" pitchFamily="34" charset="0"/>
-              </a:rPr>
-              <a:t>Introduction</a:t>
-            </a:r>
+            <a:pPr algn="ctr"/>
+            <a:endParaRPr lang="fr-FR"/>
           </a:p>
         </p:txBody>
       </p:sp>
-      <p:sp>
-        <p:nvSpPr>
-          <p:cNvPr id="6" name="ZoneTexte 5">
+      <p:grpSp>
+        <p:nvGrpSpPr>
+          <p:cNvPr id="13" name="Groupe 12">
             <a:extLst>
               <a:ext uri="{FF2B5EF4-FFF2-40B4-BE49-F238E27FC236}">
-                <a16:creationId xmlns:a16="http://schemas.microsoft.com/office/drawing/2014/main" id="{81D86E08-6339-4383-8325-EDAB76A83C54}"/>
+                <a16:creationId xmlns:a16="http://schemas.microsoft.com/office/drawing/2014/main" id="{97F6E63A-4747-4F3C-9A30-EF2DDA09C417}"/>
               </a:ext>
             </a:extLst>
           </p:cNvPr>
-          <p:cNvSpPr txBox="1"/>
+          <p:cNvGrpSpPr/>
           <p:nvPr/>
-        </p:nvSpPr>
-        <p:spPr>
+        </p:nvGrpSpPr>
+        <p:grpSpPr>
           <a:xfrm>
-            <a:off x="3409930" y="6442008"/>
-            <a:ext cx="2107024" cy="369332"/>
+            <a:off x="1693094" y="6442008"/>
+            <a:ext cx="9401626" cy="369332"/>
+            <a:chOff x="1693094" y="6442008"/>
+            <a:chExt cx="9401626" cy="369332"/>
           </a:xfrm>
-          <a:prstGeom prst="rect">
-            <a:avLst/>
-          </a:prstGeom>
-          <a:noFill/>
-        </p:spPr>
-        <p:txBody>
-          <a:bodyPr wrap="square" rtlCol="0">
-            <a:spAutoFit/>
-          </a:bodyPr>
-          <a:lstStyle/>
-          <a:p>
-            <a:pPr algn="just"/>
-            <a:r>
-              <a:rPr lang="fr-FR" dirty="0">
-                <a:latin typeface="Agency FB" panose="020B0503020202020204" pitchFamily="34" charset="0"/>
-              </a:rPr>
-              <a:t>Présentation de PROXIDEJ</a:t>
-            </a:r>
-          </a:p>
-        </p:txBody>
-      </p:sp>
-      <p:sp>
-        <p:nvSpPr>
-          <p:cNvPr id="7" name="ZoneTexte 6">
-            <a:extLst>
-              <a:ext uri="{FF2B5EF4-FFF2-40B4-BE49-F238E27FC236}">
-                <a16:creationId xmlns:a16="http://schemas.microsoft.com/office/drawing/2014/main" id="{C9A37364-4A84-47BF-A57F-321191E60553}"/>
-              </a:ext>
-            </a:extLst>
-          </p:cNvPr>
-          <p:cNvSpPr txBox="1"/>
-          <p:nvPr/>
-        </p:nvSpPr>
-        <p:spPr>
-          <a:xfrm>
-            <a:off x="6089564" y="6442008"/>
-            <a:ext cx="1409469" cy="369332"/>
-          </a:xfrm>
-          <a:prstGeom prst="rect">
-            <a:avLst/>
-          </a:prstGeom>
-          <a:noFill/>
-        </p:spPr>
-        <p:txBody>
-          <a:bodyPr wrap="square" rtlCol="0">
-            <a:spAutoFit/>
-          </a:bodyPr>
-          <a:lstStyle/>
-          <a:p>
-            <a:pPr algn="just"/>
-            <a:r>
-              <a:rPr lang="fr-FR" dirty="0">
-                <a:latin typeface="Agency FB" panose="020B0503020202020204" pitchFamily="34" charset="0"/>
-              </a:rPr>
-              <a:t>Projet en groupe</a:t>
-            </a:r>
-          </a:p>
-        </p:txBody>
-      </p:sp>
-      <p:sp>
-        <p:nvSpPr>
-          <p:cNvPr id="8" name="ZoneTexte 7">
-            <a:extLst>
-              <a:ext uri="{FF2B5EF4-FFF2-40B4-BE49-F238E27FC236}">
-                <a16:creationId xmlns:a16="http://schemas.microsoft.com/office/drawing/2014/main" id="{0122A37C-47EF-4B7C-BC12-8DABA46D1C2D}"/>
-              </a:ext>
-            </a:extLst>
-          </p:cNvPr>
-          <p:cNvSpPr txBox="1"/>
-          <p:nvPr/>
-        </p:nvSpPr>
-        <p:spPr>
-          <a:xfrm>
-            <a:off x="8071644" y="6442008"/>
-            <a:ext cx="1409468" cy="369332"/>
-          </a:xfrm>
-          <a:prstGeom prst="rect">
-            <a:avLst/>
-          </a:prstGeom>
-          <a:noFill/>
-        </p:spPr>
-        <p:txBody>
-          <a:bodyPr wrap="square" rtlCol="0">
-            <a:spAutoFit/>
-          </a:bodyPr>
-          <a:lstStyle/>
-          <a:p>
-            <a:pPr algn="just"/>
-            <a:r>
-              <a:rPr lang="fr-FR" dirty="0">
-                <a:latin typeface="Agency FB" panose="020B0503020202020204" pitchFamily="34" charset="0"/>
-              </a:rPr>
-              <a:t>Projet personnel</a:t>
-            </a:r>
-          </a:p>
-        </p:txBody>
-      </p:sp>
-      <p:sp>
-        <p:nvSpPr>
-          <p:cNvPr id="9" name="ZoneTexte 8">
-            <a:extLst>
-              <a:ext uri="{FF2B5EF4-FFF2-40B4-BE49-F238E27FC236}">
-                <a16:creationId xmlns:a16="http://schemas.microsoft.com/office/drawing/2014/main" id="{775A2C69-534C-4F39-AE40-F365CD14DDA9}"/>
-              </a:ext>
-            </a:extLst>
-          </p:cNvPr>
-          <p:cNvSpPr txBox="1"/>
-          <p:nvPr/>
-        </p:nvSpPr>
-        <p:spPr>
-          <a:xfrm>
-            <a:off x="10053722" y="6442008"/>
-            <a:ext cx="1040998" cy="369332"/>
-          </a:xfrm>
-          <a:prstGeom prst="rect">
-            <a:avLst/>
-          </a:prstGeom>
-          <a:noFill/>
-        </p:spPr>
-        <p:txBody>
-          <a:bodyPr wrap="square" rtlCol="0">
-            <a:spAutoFit/>
-          </a:bodyPr>
-          <a:lstStyle/>
-          <a:p>
-            <a:pPr algn="just"/>
-            <a:r>
-              <a:rPr lang="fr-FR" dirty="0">
-                <a:latin typeface="Agency FB" panose="020B0503020202020204" pitchFamily="34" charset="0"/>
-              </a:rPr>
-              <a:t>Conclusion</a:t>
-            </a:r>
-          </a:p>
-        </p:txBody>
-      </p:sp>
+        </p:grpSpPr>
+        <p:sp>
+          <p:nvSpPr>
+            <p:cNvPr id="14" name="ZoneTexte 13">
+              <a:extLst>
+                <a:ext uri="{FF2B5EF4-FFF2-40B4-BE49-F238E27FC236}">
+                  <a16:creationId xmlns:a16="http://schemas.microsoft.com/office/drawing/2014/main" id="{225F676C-14F5-4134-8010-734C69DA5013}"/>
+                </a:ext>
+              </a:extLst>
+            </p:cNvPr>
+            <p:cNvSpPr txBox="1"/>
+            <p:nvPr/>
+          </p:nvSpPr>
+          <p:spPr>
+            <a:xfrm>
+              <a:off x="1693094" y="6442008"/>
+              <a:ext cx="1068371" cy="369332"/>
+            </a:xfrm>
+            <a:prstGeom prst="rect">
+              <a:avLst/>
+            </a:prstGeom>
+            <a:noFill/>
+          </p:spPr>
+          <p:txBody>
+            <a:bodyPr wrap="square" rtlCol="0">
+              <a:spAutoFit/>
+            </a:bodyPr>
+            <a:lstStyle/>
+            <a:p>
+              <a:pPr algn="just"/>
+              <a:r>
+                <a:rPr lang="fr-FR" dirty="0">
+                  <a:solidFill>
+                    <a:schemeClr val="bg1"/>
+                  </a:solidFill>
+                  <a:latin typeface="Agency FB" panose="020B0503020202020204" pitchFamily="34" charset="0"/>
+                </a:rPr>
+                <a:t>Introduction</a:t>
+              </a:r>
+            </a:p>
+          </p:txBody>
+        </p:sp>
+        <p:sp>
+          <p:nvSpPr>
+            <p:cNvPr id="15" name="ZoneTexte 14">
+              <a:extLst>
+                <a:ext uri="{FF2B5EF4-FFF2-40B4-BE49-F238E27FC236}">
+                  <a16:creationId xmlns:a16="http://schemas.microsoft.com/office/drawing/2014/main" id="{7D607819-7272-4B0B-8EA1-471EE572CA50}"/>
+                </a:ext>
+              </a:extLst>
+            </p:cNvPr>
+            <p:cNvSpPr txBox="1"/>
+            <p:nvPr/>
+          </p:nvSpPr>
+          <p:spPr>
+            <a:xfrm>
+              <a:off x="3409929" y="6442008"/>
+              <a:ext cx="2107025" cy="369332"/>
+            </a:xfrm>
+            <a:prstGeom prst="rect">
+              <a:avLst/>
+            </a:prstGeom>
+            <a:noFill/>
+          </p:spPr>
+          <p:txBody>
+            <a:bodyPr wrap="square" rtlCol="0">
+              <a:spAutoFit/>
+            </a:bodyPr>
+            <a:lstStyle/>
+            <a:p>
+              <a:pPr algn="just"/>
+              <a:r>
+                <a:rPr lang="fr-FR" dirty="0">
+                  <a:solidFill>
+                    <a:schemeClr val="bg1"/>
+                  </a:solidFill>
+                  <a:latin typeface="Agency FB" panose="020B0503020202020204" pitchFamily="34" charset="0"/>
+                </a:rPr>
+                <a:t>Présentation de PROXIDEJ</a:t>
+              </a:r>
+            </a:p>
+          </p:txBody>
+        </p:sp>
+        <p:sp>
+          <p:nvSpPr>
+            <p:cNvPr id="16" name="ZoneTexte 15">
+              <a:extLst>
+                <a:ext uri="{FF2B5EF4-FFF2-40B4-BE49-F238E27FC236}">
+                  <a16:creationId xmlns:a16="http://schemas.microsoft.com/office/drawing/2014/main" id="{FDBB02BC-A43D-4915-AAA6-CA52F041F770}"/>
+                </a:ext>
+              </a:extLst>
+            </p:cNvPr>
+            <p:cNvSpPr txBox="1"/>
+            <p:nvPr/>
+          </p:nvSpPr>
+          <p:spPr>
+            <a:xfrm>
+              <a:off x="6089564" y="6442008"/>
+              <a:ext cx="1409469" cy="369332"/>
+            </a:xfrm>
+            <a:prstGeom prst="rect">
+              <a:avLst/>
+            </a:prstGeom>
+            <a:noFill/>
+          </p:spPr>
+          <p:txBody>
+            <a:bodyPr wrap="square" rtlCol="0">
+              <a:spAutoFit/>
+            </a:bodyPr>
+            <a:lstStyle/>
+            <a:p>
+              <a:pPr algn="just"/>
+              <a:r>
+                <a:rPr lang="fr-FR" dirty="0">
+                  <a:solidFill>
+                    <a:schemeClr val="bg1"/>
+                  </a:solidFill>
+                  <a:latin typeface="Agency FB" panose="020B0503020202020204" pitchFamily="34" charset="0"/>
+                </a:rPr>
+                <a:t>Projet en groupe</a:t>
+              </a:r>
+            </a:p>
+          </p:txBody>
+        </p:sp>
+        <p:sp>
+          <p:nvSpPr>
+            <p:cNvPr id="17" name="ZoneTexte 16">
+              <a:extLst>
+                <a:ext uri="{FF2B5EF4-FFF2-40B4-BE49-F238E27FC236}">
+                  <a16:creationId xmlns:a16="http://schemas.microsoft.com/office/drawing/2014/main" id="{88DF78D5-02B0-494F-AE7D-26102C90C13F}"/>
+                </a:ext>
+              </a:extLst>
+            </p:cNvPr>
+            <p:cNvSpPr txBox="1"/>
+            <p:nvPr/>
+          </p:nvSpPr>
+          <p:spPr>
+            <a:xfrm>
+              <a:off x="8071644" y="6442008"/>
+              <a:ext cx="1409468" cy="369332"/>
+            </a:xfrm>
+            <a:prstGeom prst="rect">
+              <a:avLst/>
+            </a:prstGeom>
+            <a:noFill/>
+          </p:spPr>
+          <p:txBody>
+            <a:bodyPr wrap="square" rtlCol="0">
+              <a:spAutoFit/>
+            </a:bodyPr>
+            <a:lstStyle/>
+            <a:p>
+              <a:pPr algn="just"/>
+              <a:r>
+                <a:rPr lang="fr-FR" dirty="0">
+                  <a:solidFill>
+                    <a:schemeClr val="bg1"/>
+                  </a:solidFill>
+                  <a:latin typeface="Agency FB" panose="020B0503020202020204" pitchFamily="34" charset="0"/>
+                </a:rPr>
+                <a:t>Projet personnel</a:t>
+              </a:r>
+            </a:p>
+          </p:txBody>
+        </p:sp>
+        <p:sp>
+          <p:nvSpPr>
+            <p:cNvPr id="18" name="ZoneTexte 17">
+              <a:extLst>
+                <a:ext uri="{FF2B5EF4-FFF2-40B4-BE49-F238E27FC236}">
+                  <a16:creationId xmlns:a16="http://schemas.microsoft.com/office/drawing/2014/main" id="{BE818295-6F81-442D-A9C6-B5E4EAE17594}"/>
+                </a:ext>
+              </a:extLst>
+            </p:cNvPr>
+            <p:cNvSpPr txBox="1"/>
+            <p:nvPr/>
+          </p:nvSpPr>
+          <p:spPr>
+            <a:xfrm>
+              <a:off x="10053722" y="6442008"/>
+              <a:ext cx="1040998" cy="369332"/>
+            </a:xfrm>
+            <a:prstGeom prst="rect">
+              <a:avLst/>
+            </a:prstGeom>
+            <a:noFill/>
+          </p:spPr>
+          <p:txBody>
+            <a:bodyPr wrap="square" rtlCol="0">
+              <a:spAutoFit/>
+            </a:bodyPr>
+            <a:lstStyle/>
+            <a:p>
+              <a:pPr algn="just"/>
+              <a:r>
+                <a:rPr lang="fr-FR" dirty="0">
+                  <a:solidFill>
+                    <a:schemeClr val="bg1"/>
+                  </a:solidFill>
+                  <a:latin typeface="Agency FB" panose="020B0503020202020204" pitchFamily="34" charset="0"/>
+                </a:rPr>
+                <a:t>Conclusion</a:t>
+              </a:r>
+            </a:p>
+          </p:txBody>
+        </p:sp>
+      </p:grpSp>
     </p:spTree>
     <p:extLst>
       <p:ext uri="{BB962C8B-B14F-4D97-AF65-F5344CB8AC3E}">
@@ -8060,6 +8154,51 @@
                       </p:childTnLst>
                     </p:cTn>
                   </p:par>
+                  <p:par>
+                    <p:cTn id="7" fill="hold">
+                      <p:stCondLst>
+                        <p:cond delay="indefinite"/>
+                      </p:stCondLst>
+                      <p:childTnLst>
+                        <p:par>
+                          <p:cTn id="8" fill="hold">
+                            <p:stCondLst>
+                              <p:cond delay="0"/>
+                            </p:stCondLst>
+                            <p:childTnLst>
+                              <p:par>
+                                <p:cTn id="9" presetID="1" presetClass="entr" presetSubtype="0" fill="hold" grpId="0" nodeType="clickEffect">
+                                  <p:stCondLst>
+                                    <p:cond delay="0"/>
+                                  </p:stCondLst>
+                                  <p:childTnLst>
+                                    <p:set>
+                                      <p:cBhvr>
+                                        <p:cTn id="10" dur="1" fill="hold">
+                                          <p:stCondLst>
+                                            <p:cond delay="0"/>
+                                          </p:stCondLst>
+                                        </p:cTn>
+                                        <p:tgtEl>
+                                          <p:spTgt spid="11"/>
+                                        </p:tgtEl>
+                                        <p:attrNameLst>
+                                          <p:attrName>style.visibility</p:attrName>
+                                        </p:attrNameLst>
+                                      </p:cBhvr>
+                                      <p:to>
+                                        <p:strVal val="visible"/>
+                                      </p:to>
+                                    </p:set>
+                                  </p:childTnLst>
+                                </p:cTn>
+                              </p:par>
+                            </p:childTnLst>
+                          </p:cTn>
+                        </p:par>
+                      </p:childTnLst>
+                    </p:cTn>
+                  </p:par>
                 </p:childTnLst>
               </p:cTn>
               <p:prevCondLst>
@@ -8081,11 +8220,1130 @@
         </p:cTn>
       </p:par>
     </p:tnLst>
+    <p:bldLst>
+      <p:bldP spid="11" grpId="0" animBg="1"/>
+    </p:bldLst>
   </p:timing>
 </p:sld>
 </file>
 
 <file path=ppt/slides/slide11.xml><?xml version="1.0" encoding="utf-8"?>
+<p:sld xmlns:a="http://schemas.openxmlformats.org/drawingml/2006/main" xmlns:r="http://schemas.openxmlformats.org/officeDocument/2006/relationships" xmlns:p="http://schemas.openxmlformats.org/presentationml/2006/main">
+  <p:cSld>
+    <p:spTree>
+      <p:nvGrpSpPr>
+        <p:cNvPr id="1" name=""/>
+        <p:cNvGrpSpPr/>
+        <p:nvPr/>
+      </p:nvGrpSpPr>
+      <p:grpSpPr>
+        <a:xfrm>
+          <a:off x="0" y="0"/>
+          <a:ext cx="0" cy="0"/>
+          <a:chOff x="0" y="0"/>
+          <a:chExt cx="0" cy="0"/>
+        </a:xfrm>
+      </p:grpSpPr>
+      <p:sp>
+        <p:nvSpPr>
+          <p:cNvPr id="2" name="Titre 1">
+            <a:extLst>
+              <a:ext uri="{FF2B5EF4-FFF2-40B4-BE49-F238E27FC236}">
+                <a16:creationId xmlns:a16="http://schemas.microsoft.com/office/drawing/2014/main" id="{FB3D87DC-1F1D-44F6-BF92-FACAE24261D3}"/>
+              </a:ext>
+            </a:extLst>
+          </p:cNvPr>
+          <p:cNvSpPr>
+            <a:spLocks noGrp="1"/>
+          </p:cNvSpPr>
+          <p:nvPr>
+            <p:ph type="title"/>
+          </p:nvPr>
+        </p:nvSpPr>
+        <p:spPr/>
+        <p:txBody>
+          <a:bodyPr/>
+          <a:lstStyle/>
+          <a:p>
+            <a:r>
+              <a:rPr lang="fr-FR" dirty="0"/>
+              <a:t>Présentation personnelle</a:t>
+            </a:r>
+          </a:p>
+        </p:txBody>
+      </p:sp>
+      <p:pic>
+        <p:nvPicPr>
+          <p:cNvPr id="4" name="Espace réservé du contenu 4">
+            <a:extLst>
+              <a:ext uri="{FF2B5EF4-FFF2-40B4-BE49-F238E27FC236}">
+                <a16:creationId xmlns:a16="http://schemas.microsoft.com/office/drawing/2014/main" id="{EFBED685-8B33-4694-861C-325FB3929A2D}"/>
+              </a:ext>
+            </a:extLst>
+          </p:cNvPr>
+          <p:cNvPicPr>
+            <a:picLocks noChangeAspect="1"/>
+          </p:cNvPicPr>
+          <p:nvPr/>
+        </p:nvPicPr>
+        <p:blipFill>
+          <a:blip r:embed="rId2" cstate="print">
+            <a:duotone>
+              <a:schemeClr val="bg2">
+                <a:shade val="45000"/>
+                <a:satMod val="135000"/>
+              </a:schemeClr>
+              <a:prstClr val="white"/>
+            </a:duotone>
+            <a:extLst>
+              <a:ext uri="{28A0092B-C50C-407E-A947-70E740481C1C}">
+                <a14:useLocalDpi xmlns:a14="http://schemas.microsoft.com/office/drawing/2010/main" val="0"/>
+              </a:ext>
+            </a:extLst>
+          </a:blip>
+          <a:stretch>
+            <a:fillRect/>
+          </a:stretch>
+        </p:blipFill>
+        <p:spPr>
+          <a:xfrm>
+            <a:off x="7477329" y="6318665"/>
+            <a:ext cx="616018" cy="616018"/>
+          </a:xfrm>
+          <a:prstGeom prst="rect">
+            <a:avLst/>
+          </a:prstGeom>
+        </p:spPr>
+      </p:pic>
+      <p:pic>
+        <p:nvPicPr>
+          <p:cNvPr id="10" name="Image 9">
+            <a:extLst>
+              <a:ext uri="{FF2B5EF4-FFF2-40B4-BE49-F238E27FC236}">
+                <a16:creationId xmlns:a16="http://schemas.microsoft.com/office/drawing/2014/main" id="{073FCE00-D29E-44C7-A2BC-43A23401BF94}"/>
+              </a:ext>
+            </a:extLst>
+          </p:cNvPr>
+          <p:cNvPicPr>
+            <a:picLocks noChangeAspect="1"/>
+          </p:cNvPicPr>
+          <p:nvPr/>
+        </p:nvPicPr>
+        <p:blipFill>
+          <a:blip r:embed="rId3"/>
+          <a:stretch>
+            <a:fillRect/>
+          </a:stretch>
+        </p:blipFill>
+        <p:spPr>
+          <a:xfrm>
+            <a:off x="2489309" y="1881636"/>
+            <a:ext cx="6055289" cy="4416095"/>
+          </a:xfrm>
+          <a:prstGeom prst="rect">
+            <a:avLst/>
+          </a:prstGeom>
+        </p:spPr>
+      </p:pic>
+      <p:sp>
+        <p:nvSpPr>
+          <p:cNvPr id="11" name="Ellipse 10">
+            <a:extLst>
+              <a:ext uri="{FF2B5EF4-FFF2-40B4-BE49-F238E27FC236}">
+                <a16:creationId xmlns:a16="http://schemas.microsoft.com/office/drawing/2014/main" id="{71DB3C7A-1BD8-4DAE-97ED-8902AFD3294A}"/>
+              </a:ext>
+            </a:extLst>
+          </p:cNvPr>
+          <p:cNvSpPr/>
+          <p:nvPr/>
+        </p:nvSpPr>
+        <p:spPr>
+          <a:xfrm>
+            <a:off x="3483429" y="2778034"/>
+            <a:ext cx="4015604" cy="1410789"/>
+          </a:xfrm>
+          <a:prstGeom prst="ellipse">
+            <a:avLst/>
+          </a:prstGeom>
+          <a:noFill/>
+          <a:ln>
+            <a:solidFill>
+              <a:schemeClr val="accent2"/>
+            </a:solidFill>
+          </a:ln>
+        </p:spPr>
+        <p:style>
+          <a:lnRef idx="2">
+            <a:schemeClr val="accent1">
+              <a:shade val="50000"/>
+            </a:schemeClr>
+          </a:lnRef>
+          <a:fillRef idx="1">
+            <a:schemeClr val="accent1"/>
+          </a:fillRef>
+          <a:effectRef idx="0">
+            <a:schemeClr val="accent1"/>
+          </a:effectRef>
+          <a:fontRef idx="minor">
+            <a:schemeClr val="lt1"/>
+          </a:fontRef>
+        </p:style>
+        <p:txBody>
+          <a:bodyPr rtlCol="0" anchor="ctr"/>
+          <a:lstStyle/>
+          <a:p>
+            <a:pPr algn="ctr"/>
+            <a:endParaRPr lang="fr-FR"/>
+          </a:p>
+        </p:txBody>
+      </p:sp>
+      <p:sp>
+        <p:nvSpPr>
+          <p:cNvPr id="13" name="Ellipse 12">
+            <a:extLst>
+              <a:ext uri="{FF2B5EF4-FFF2-40B4-BE49-F238E27FC236}">
+                <a16:creationId xmlns:a16="http://schemas.microsoft.com/office/drawing/2014/main" id="{D8CB70B3-4428-4353-B856-D90EBA6060E8}"/>
+              </a:ext>
+            </a:extLst>
+          </p:cNvPr>
+          <p:cNvSpPr/>
+          <p:nvPr/>
+        </p:nvSpPr>
+        <p:spPr>
+          <a:xfrm>
+            <a:off x="5257325" y="4359226"/>
+            <a:ext cx="1807982" cy="635192"/>
+          </a:xfrm>
+          <a:prstGeom prst="ellipse">
+            <a:avLst/>
+          </a:prstGeom>
+          <a:noFill/>
+          <a:ln>
+            <a:solidFill>
+              <a:schemeClr val="accent2"/>
+            </a:solidFill>
+          </a:ln>
+        </p:spPr>
+        <p:style>
+          <a:lnRef idx="2">
+            <a:schemeClr val="accent1">
+              <a:shade val="50000"/>
+            </a:schemeClr>
+          </a:lnRef>
+          <a:fillRef idx="1">
+            <a:schemeClr val="accent1"/>
+          </a:fillRef>
+          <a:effectRef idx="0">
+            <a:schemeClr val="accent1"/>
+          </a:effectRef>
+          <a:fontRef idx="minor">
+            <a:schemeClr val="lt1"/>
+          </a:fontRef>
+        </p:style>
+        <p:txBody>
+          <a:bodyPr rtlCol="0" anchor="ctr"/>
+          <a:lstStyle/>
+          <a:p>
+            <a:pPr algn="ctr"/>
+            <a:endParaRPr lang="fr-FR"/>
+          </a:p>
+        </p:txBody>
+      </p:sp>
+      <p:grpSp>
+        <p:nvGrpSpPr>
+          <p:cNvPr id="14" name="Groupe 13">
+            <a:extLst>
+              <a:ext uri="{FF2B5EF4-FFF2-40B4-BE49-F238E27FC236}">
+                <a16:creationId xmlns:a16="http://schemas.microsoft.com/office/drawing/2014/main" id="{2C3C1A0C-7107-40A1-9228-833C74F66F11}"/>
+              </a:ext>
+            </a:extLst>
+          </p:cNvPr>
+          <p:cNvGrpSpPr/>
+          <p:nvPr/>
+        </p:nvGrpSpPr>
+        <p:grpSpPr>
+          <a:xfrm>
+            <a:off x="1693094" y="6442008"/>
+            <a:ext cx="9401626" cy="369332"/>
+            <a:chOff x="1693094" y="6442008"/>
+            <a:chExt cx="9401626" cy="369332"/>
+          </a:xfrm>
+        </p:grpSpPr>
+        <p:sp>
+          <p:nvSpPr>
+            <p:cNvPr id="15" name="ZoneTexte 14">
+              <a:extLst>
+                <a:ext uri="{FF2B5EF4-FFF2-40B4-BE49-F238E27FC236}">
+                  <a16:creationId xmlns:a16="http://schemas.microsoft.com/office/drawing/2014/main" id="{1B02C80B-EC59-4FB0-A4C5-3749F879B098}"/>
+                </a:ext>
+              </a:extLst>
+            </p:cNvPr>
+            <p:cNvSpPr txBox="1"/>
+            <p:nvPr/>
+          </p:nvSpPr>
+          <p:spPr>
+            <a:xfrm>
+              <a:off x="1693094" y="6442008"/>
+              <a:ext cx="1068371" cy="369332"/>
+            </a:xfrm>
+            <a:prstGeom prst="rect">
+              <a:avLst/>
+            </a:prstGeom>
+            <a:noFill/>
+          </p:spPr>
+          <p:txBody>
+            <a:bodyPr wrap="square" rtlCol="0">
+              <a:spAutoFit/>
+            </a:bodyPr>
+            <a:lstStyle/>
+            <a:p>
+              <a:pPr algn="just"/>
+              <a:r>
+                <a:rPr lang="fr-FR" dirty="0">
+                  <a:solidFill>
+                    <a:schemeClr val="bg1"/>
+                  </a:solidFill>
+                  <a:latin typeface="Agency FB" panose="020B0503020202020204" pitchFamily="34" charset="0"/>
+                </a:rPr>
+                <a:t>Introduction</a:t>
+              </a:r>
+            </a:p>
+          </p:txBody>
+        </p:sp>
+        <p:sp>
+          <p:nvSpPr>
+            <p:cNvPr id="16" name="ZoneTexte 15">
+              <a:extLst>
+                <a:ext uri="{FF2B5EF4-FFF2-40B4-BE49-F238E27FC236}">
+                  <a16:creationId xmlns:a16="http://schemas.microsoft.com/office/drawing/2014/main" id="{84FCAF0F-592F-47FA-9ECF-36B7BDF9C495}"/>
+                </a:ext>
+              </a:extLst>
+            </p:cNvPr>
+            <p:cNvSpPr txBox="1"/>
+            <p:nvPr/>
+          </p:nvSpPr>
+          <p:spPr>
+            <a:xfrm>
+              <a:off x="3409929" y="6442008"/>
+              <a:ext cx="2107025" cy="369332"/>
+            </a:xfrm>
+            <a:prstGeom prst="rect">
+              <a:avLst/>
+            </a:prstGeom>
+            <a:noFill/>
+          </p:spPr>
+          <p:txBody>
+            <a:bodyPr wrap="square" rtlCol="0">
+              <a:spAutoFit/>
+            </a:bodyPr>
+            <a:lstStyle/>
+            <a:p>
+              <a:pPr algn="just"/>
+              <a:r>
+                <a:rPr lang="fr-FR" dirty="0">
+                  <a:solidFill>
+                    <a:schemeClr val="bg1"/>
+                  </a:solidFill>
+                  <a:latin typeface="Agency FB" panose="020B0503020202020204" pitchFamily="34" charset="0"/>
+                </a:rPr>
+                <a:t>Présentation de PROXIDEJ</a:t>
+              </a:r>
+            </a:p>
+          </p:txBody>
+        </p:sp>
+        <p:sp>
+          <p:nvSpPr>
+            <p:cNvPr id="17" name="ZoneTexte 16">
+              <a:extLst>
+                <a:ext uri="{FF2B5EF4-FFF2-40B4-BE49-F238E27FC236}">
+                  <a16:creationId xmlns:a16="http://schemas.microsoft.com/office/drawing/2014/main" id="{3E98EEAE-53EC-4C9A-A7CF-5DBBF164BCF5}"/>
+                </a:ext>
+              </a:extLst>
+            </p:cNvPr>
+            <p:cNvSpPr txBox="1"/>
+            <p:nvPr/>
+          </p:nvSpPr>
+          <p:spPr>
+            <a:xfrm>
+              <a:off x="6089564" y="6442008"/>
+              <a:ext cx="1409469" cy="369332"/>
+            </a:xfrm>
+            <a:prstGeom prst="rect">
+              <a:avLst/>
+            </a:prstGeom>
+            <a:noFill/>
+          </p:spPr>
+          <p:txBody>
+            <a:bodyPr wrap="square" rtlCol="0">
+              <a:spAutoFit/>
+            </a:bodyPr>
+            <a:lstStyle/>
+            <a:p>
+              <a:pPr algn="just"/>
+              <a:r>
+                <a:rPr lang="fr-FR" dirty="0">
+                  <a:solidFill>
+                    <a:schemeClr val="bg1"/>
+                  </a:solidFill>
+                  <a:latin typeface="Agency FB" panose="020B0503020202020204" pitchFamily="34" charset="0"/>
+                </a:rPr>
+                <a:t>Projet en groupe</a:t>
+              </a:r>
+            </a:p>
+          </p:txBody>
+        </p:sp>
+        <p:sp>
+          <p:nvSpPr>
+            <p:cNvPr id="18" name="ZoneTexte 17">
+              <a:extLst>
+                <a:ext uri="{FF2B5EF4-FFF2-40B4-BE49-F238E27FC236}">
+                  <a16:creationId xmlns:a16="http://schemas.microsoft.com/office/drawing/2014/main" id="{7B01E6E7-47DE-4931-98C7-407D14C5DE09}"/>
+                </a:ext>
+              </a:extLst>
+            </p:cNvPr>
+            <p:cNvSpPr txBox="1"/>
+            <p:nvPr/>
+          </p:nvSpPr>
+          <p:spPr>
+            <a:xfrm>
+              <a:off x="8071644" y="6442008"/>
+              <a:ext cx="1409468" cy="369332"/>
+            </a:xfrm>
+            <a:prstGeom prst="rect">
+              <a:avLst/>
+            </a:prstGeom>
+            <a:noFill/>
+          </p:spPr>
+          <p:txBody>
+            <a:bodyPr wrap="square" rtlCol="0">
+              <a:spAutoFit/>
+            </a:bodyPr>
+            <a:lstStyle/>
+            <a:p>
+              <a:pPr algn="just"/>
+              <a:r>
+                <a:rPr lang="fr-FR" dirty="0">
+                  <a:solidFill>
+                    <a:schemeClr val="bg1"/>
+                  </a:solidFill>
+                  <a:latin typeface="Agency FB" panose="020B0503020202020204" pitchFamily="34" charset="0"/>
+                </a:rPr>
+                <a:t>Projet personnel</a:t>
+              </a:r>
+            </a:p>
+          </p:txBody>
+        </p:sp>
+        <p:sp>
+          <p:nvSpPr>
+            <p:cNvPr id="19" name="ZoneTexte 18">
+              <a:extLst>
+                <a:ext uri="{FF2B5EF4-FFF2-40B4-BE49-F238E27FC236}">
+                  <a16:creationId xmlns:a16="http://schemas.microsoft.com/office/drawing/2014/main" id="{35D86D39-BAC1-43F7-BCA8-D00C5A327209}"/>
+                </a:ext>
+              </a:extLst>
+            </p:cNvPr>
+            <p:cNvSpPr txBox="1"/>
+            <p:nvPr/>
+          </p:nvSpPr>
+          <p:spPr>
+            <a:xfrm>
+              <a:off x="10053722" y="6442008"/>
+              <a:ext cx="1040998" cy="369332"/>
+            </a:xfrm>
+            <a:prstGeom prst="rect">
+              <a:avLst/>
+            </a:prstGeom>
+            <a:noFill/>
+          </p:spPr>
+          <p:txBody>
+            <a:bodyPr wrap="square" rtlCol="0">
+              <a:spAutoFit/>
+            </a:bodyPr>
+            <a:lstStyle/>
+            <a:p>
+              <a:pPr algn="just"/>
+              <a:r>
+                <a:rPr lang="fr-FR" dirty="0">
+                  <a:solidFill>
+                    <a:schemeClr val="bg1"/>
+                  </a:solidFill>
+                  <a:latin typeface="Agency FB" panose="020B0503020202020204" pitchFamily="34" charset="0"/>
+                </a:rPr>
+                <a:t>Conclusion</a:t>
+              </a:r>
+            </a:p>
+          </p:txBody>
+        </p:sp>
+      </p:grpSp>
+    </p:spTree>
+    <p:extLst>
+      <p:ext uri="{BB962C8B-B14F-4D97-AF65-F5344CB8AC3E}">
+        <p14:creationId xmlns:p14="http://schemas.microsoft.com/office/powerpoint/2010/main" val="1944655677"/>
+      </p:ext>
+    </p:extLst>
+  </p:cSld>
+  <p:clrMapOvr>
+    <a:masterClrMapping/>
+  </p:clrMapOvr>
+  <mc:AlternateContent xmlns:mc="http://schemas.openxmlformats.org/markup-compatibility/2006">
+    <mc:Choice xmlns:p159="http://schemas.microsoft.com/office/powerpoint/2015/09/main" Requires="p159">
+      <p:transition xmlns:p14="http://schemas.microsoft.com/office/powerpoint/2010/main" spd="slow" p14:dur="2000">
+        <p159:morph option="byObject"/>
+      </p:transition>
+    </mc:Choice>
+    <mc:Fallback>
+      <p:transition spd="slow">
+        <p:fade/>
+      </p:transition>
+    </mc:Fallback>
+  </mc:AlternateContent>
+</p:sld>
+</file>
+
+<file path=ppt/slides/slide12.xml><?xml version="1.0" encoding="utf-8"?>
+<p:sld xmlns:a="http://schemas.openxmlformats.org/drawingml/2006/main" xmlns:r="http://schemas.openxmlformats.org/officeDocument/2006/relationships" xmlns:p="http://schemas.openxmlformats.org/presentationml/2006/main">
+  <p:cSld>
+    <p:spTree>
+      <p:nvGrpSpPr>
+        <p:cNvPr id="1" name=""/>
+        <p:cNvGrpSpPr/>
+        <p:nvPr/>
+      </p:nvGrpSpPr>
+      <p:grpSpPr>
+        <a:xfrm>
+          <a:off x="0" y="0"/>
+          <a:ext cx="0" cy="0"/>
+          <a:chOff x="0" y="0"/>
+          <a:chExt cx="0" cy="0"/>
+        </a:xfrm>
+      </p:grpSpPr>
+      <p:sp>
+        <p:nvSpPr>
+          <p:cNvPr id="2" name="Titre 1">
+            <a:extLst>
+              <a:ext uri="{FF2B5EF4-FFF2-40B4-BE49-F238E27FC236}">
+                <a16:creationId xmlns:a16="http://schemas.microsoft.com/office/drawing/2014/main" id="{FB3D87DC-1F1D-44F6-BF92-FACAE24261D3}"/>
+              </a:ext>
+            </a:extLst>
+          </p:cNvPr>
+          <p:cNvSpPr>
+            <a:spLocks noGrp="1"/>
+          </p:cNvSpPr>
+          <p:nvPr>
+            <p:ph type="title"/>
+          </p:nvPr>
+        </p:nvSpPr>
+        <p:spPr/>
+        <p:txBody>
+          <a:bodyPr/>
+          <a:lstStyle/>
+          <a:p>
+            <a:r>
+              <a:rPr lang="fr-FR" dirty="0"/>
+              <a:t>Présentation personnelle</a:t>
+            </a:r>
+          </a:p>
+        </p:txBody>
+      </p:sp>
+      <p:pic>
+        <p:nvPicPr>
+          <p:cNvPr id="4" name="Espace réservé du contenu 4">
+            <a:extLst>
+              <a:ext uri="{FF2B5EF4-FFF2-40B4-BE49-F238E27FC236}">
+                <a16:creationId xmlns:a16="http://schemas.microsoft.com/office/drawing/2014/main" id="{EFBED685-8B33-4694-861C-325FB3929A2D}"/>
+              </a:ext>
+            </a:extLst>
+          </p:cNvPr>
+          <p:cNvPicPr>
+            <a:picLocks noChangeAspect="1"/>
+          </p:cNvPicPr>
+          <p:nvPr/>
+        </p:nvPicPr>
+        <p:blipFill>
+          <a:blip r:embed="rId2" cstate="print">
+            <a:duotone>
+              <a:schemeClr val="bg2">
+                <a:shade val="45000"/>
+                <a:satMod val="135000"/>
+              </a:schemeClr>
+              <a:prstClr val="white"/>
+            </a:duotone>
+            <a:extLst>
+              <a:ext uri="{28A0092B-C50C-407E-A947-70E740481C1C}">
+                <a14:useLocalDpi xmlns:a14="http://schemas.microsoft.com/office/drawing/2010/main" val="0"/>
+              </a:ext>
+            </a:extLst>
+          </a:blip>
+          <a:stretch>
+            <a:fillRect/>
+          </a:stretch>
+        </p:blipFill>
+        <p:spPr>
+          <a:xfrm>
+            <a:off x="7477329" y="6318665"/>
+            <a:ext cx="616018" cy="616018"/>
+          </a:xfrm>
+          <a:prstGeom prst="rect">
+            <a:avLst/>
+          </a:prstGeom>
+        </p:spPr>
+      </p:pic>
+      <p:pic>
+        <p:nvPicPr>
+          <p:cNvPr id="12" name="Image 11" descr="Une image contenant signe, blanc, assis, noir&#10;&#10;Description générée automatiquement">
+            <a:extLst>
+              <a:ext uri="{FF2B5EF4-FFF2-40B4-BE49-F238E27FC236}">
+                <a16:creationId xmlns:a16="http://schemas.microsoft.com/office/drawing/2014/main" id="{C4279ADE-DAC7-4CD5-8884-1E414938E3BC}"/>
+              </a:ext>
+            </a:extLst>
+          </p:cNvPr>
+          <p:cNvPicPr>
+            <a:picLocks noChangeAspect="1"/>
+          </p:cNvPicPr>
+          <p:nvPr/>
+        </p:nvPicPr>
+        <p:blipFill rotWithShape="1">
+          <a:blip r:embed="rId3" cstate="print">
+            <a:extLst>
+              <a:ext uri="{28A0092B-C50C-407E-A947-70E740481C1C}">
+                <a14:useLocalDpi xmlns:a14="http://schemas.microsoft.com/office/drawing/2010/main" val="0"/>
+              </a:ext>
+            </a:extLst>
+          </a:blip>
+          <a:srcRect t="9184" b="11361"/>
+          <a:stretch/>
+        </p:blipFill>
+        <p:spPr>
+          <a:xfrm>
+            <a:off x="445912" y="2087965"/>
+            <a:ext cx="2088513" cy="1659439"/>
+          </a:xfrm>
+          <a:prstGeom prst="rect">
+            <a:avLst/>
+          </a:prstGeom>
+        </p:spPr>
+      </p:pic>
+      <p:sp>
+        <p:nvSpPr>
+          <p:cNvPr id="13" name="ZoneTexte 12">
+            <a:extLst>
+              <a:ext uri="{FF2B5EF4-FFF2-40B4-BE49-F238E27FC236}">
+                <a16:creationId xmlns:a16="http://schemas.microsoft.com/office/drawing/2014/main" id="{E3DF6FA4-3F77-4A80-A207-687A7DC0EFE7}"/>
+              </a:ext>
+            </a:extLst>
+          </p:cNvPr>
+          <p:cNvSpPr txBox="1"/>
+          <p:nvPr/>
+        </p:nvSpPr>
+        <p:spPr>
+          <a:xfrm>
+            <a:off x="540619" y="4085855"/>
+            <a:ext cx="1899098" cy="369332"/>
+          </a:xfrm>
+          <a:prstGeom prst="rect">
+            <a:avLst/>
+          </a:prstGeom>
+          <a:noFill/>
+        </p:spPr>
+        <p:txBody>
+          <a:bodyPr wrap="square" rtlCol="0">
+            <a:spAutoFit/>
+          </a:bodyPr>
+          <a:lstStyle/>
+          <a:p>
+            <a:r>
+              <a:rPr lang="fr-FR" dirty="0"/>
+              <a:t>Interface site web</a:t>
+            </a:r>
+          </a:p>
+        </p:txBody>
+      </p:sp>
+      <p:pic>
+        <p:nvPicPr>
+          <p:cNvPr id="16" name="Image 15" descr="Une image contenant dessin&#10;&#10;Description générée automatiquement">
+            <a:extLst>
+              <a:ext uri="{FF2B5EF4-FFF2-40B4-BE49-F238E27FC236}">
+                <a16:creationId xmlns:a16="http://schemas.microsoft.com/office/drawing/2014/main" id="{9B7C1AAD-1ABA-4A2D-BB5A-6BA6A45D3010}"/>
+              </a:ext>
+            </a:extLst>
+          </p:cNvPr>
+          <p:cNvPicPr>
+            <a:picLocks noChangeAspect="1"/>
+          </p:cNvPicPr>
+          <p:nvPr/>
+        </p:nvPicPr>
+        <p:blipFill rotWithShape="1">
+          <a:blip r:embed="rId4" cstate="print">
+            <a:extLst>
+              <a:ext uri="{28A0092B-C50C-407E-A947-70E740481C1C}">
+                <a14:useLocalDpi xmlns:a14="http://schemas.microsoft.com/office/drawing/2010/main" val="0"/>
+              </a:ext>
+            </a:extLst>
+          </a:blip>
+          <a:srcRect l="21849" r="22990"/>
+          <a:stretch/>
+        </p:blipFill>
+        <p:spPr>
+          <a:xfrm>
+            <a:off x="3990430" y="2196139"/>
+            <a:ext cx="915349" cy="1659438"/>
+          </a:xfrm>
+          <a:prstGeom prst="rect">
+            <a:avLst/>
+          </a:prstGeom>
+        </p:spPr>
+      </p:pic>
+      <p:sp>
+        <p:nvSpPr>
+          <p:cNvPr id="17" name="ZoneTexte 16">
+            <a:extLst>
+              <a:ext uri="{FF2B5EF4-FFF2-40B4-BE49-F238E27FC236}">
+                <a16:creationId xmlns:a16="http://schemas.microsoft.com/office/drawing/2014/main" id="{D9694B80-81E0-4D96-B70B-B222B7F62332}"/>
+              </a:ext>
+            </a:extLst>
+          </p:cNvPr>
+          <p:cNvSpPr txBox="1"/>
+          <p:nvPr/>
+        </p:nvSpPr>
+        <p:spPr>
+          <a:xfrm>
+            <a:off x="3298529" y="4088522"/>
+            <a:ext cx="2299151" cy="369332"/>
+          </a:xfrm>
+          <a:prstGeom prst="rect">
+            <a:avLst/>
+          </a:prstGeom>
+          <a:noFill/>
+        </p:spPr>
+        <p:txBody>
+          <a:bodyPr wrap="square" rtlCol="0">
+            <a:spAutoFit/>
+          </a:bodyPr>
+          <a:lstStyle/>
+          <a:p>
+            <a:r>
+              <a:rPr lang="fr-FR" dirty="0"/>
+              <a:t>Relevés températures</a:t>
+            </a:r>
+          </a:p>
+        </p:txBody>
+      </p:sp>
+      <p:pic>
+        <p:nvPicPr>
+          <p:cNvPr id="22" name="Image 21">
+            <a:extLst>
+              <a:ext uri="{FF2B5EF4-FFF2-40B4-BE49-F238E27FC236}">
+                <a16:creationId xmlns:a16="http://schemas.microsoft.com/office/drawing/2014/main" id="{605BBE75-0987-4E8A-8DD1-90E471E40DB3}"/>
+              </a:ext>
+            </a:extLst>
+          </p:cNvPr>
+          <p:cNvPicPr>
+            <a:picLocks noChangeAspect="1"/>
+          </p:cNvPicPr>
+          <p:nvPr/>
+        </p:nvPicPr>
+        <p:blipFill rotWithShape="1">
+          <a:blip r:embed="rId5">
+            <a:extLst>
+              <a:ext uri="{28A0092B-C50C-407E-A947-70E740481C1C}">
+                <a14:useLocalDpi xmlns:a14="http://schemas.microsoft.com/office/drawing/2010/main" val="0"/>
+              </a:ext>
+            </a:extLst>
+          </a:blip>
+          <a:srcRect t="14257" b="13519"/>
+          <a:stretch/>
+        </p:blipFill>
+        <p:spPr>
+          <a:xfrm>
+            <a:off x="6396094" y="2213885"/>
+            <a:ext cx="2299151" cy="1660538"/>
+          </a:xfrm>
+          <a:prstGeom prst="rect">
+            <a:avLst/>
+          </a:prstGeom>
+        </p:spPr>
+      </p:pic>
+      <p:sp>
+        <p:nvSpPr>
+          <p:cNvPr id="23" name="Rectangle 22">
+            <a:extLst>
+              <a:ext uri="{FF2B5EF4-FFF2-40B4-BE49-F238E27FC236}">
+                <a16:creationId xmlns:a16="http://schemas.microsoft.com/office/drawing/2014/main" id="{32D2CC0F-1CEB-4819-81AF-EAA70FAD75E4}"/>
+              </a:ext>
+            </a:extLst>
+          </p:cNvPr>
+          <p:cNvSpPr/>
+          <p:nvPr/>
+        </p:nvSpPr>
+        <p:spPr>
+          <a:xfrm>
+            <a:off x="6396094" y="4085855"/>
+            <a:ext cx="2299151" cy="369332"/>
+          </a:xfrm>
+          <a:prstGeom prst="rect">
+            <a:avLst/>
+          </a:prstGeom>
+        </p:spPr>
+        <p:txBody>
+          <a:bodyPr wrap="square">
+            <a:spAutoFit/>
+          </a:bodyPr>
+          <a:lstStyle/>
+          <a:p>
+            <a:r>
+              <a:rPr lang="fr-FR" dirty="0">
+                <a:solidFill>
+                  <a:srgbClr val="000000"/>
+                </a:solidFill>
+              </a:rPr>
+              <a:t>Gestion d’utilisateurs </a:t>
+            </a:r>
+          </a:p>
+        </p:txBody>
+      </p:sp>
+      <p:pic>
+        <p:nvPicPr>
+          <p:cNvPr id="27" name="Image 26" descr="Une image contenant chope, tasse, dessin, table&#10;&#10;Description générée automatiquement">
+            <a:extLst>
+              <a:ext uri="{FF2B5EF4-FFF2-40B4-BE49-F238E27FC236}">
+                <a16:creationId xmlns:a16="http://schemas.microsoft.com/office/drawing/2014/main" id="{55D03A7C-6627-48AD-A949-0D8395E44C6C}"/>
+              </a:ext>
+            </a:extLst>
+          </p:cNvPr>
+          <p:cNvPicPr>
+            <a:picLocks noChangeAspect="1"/>
+          </p:cNvPicPr>
+          <p:nvPr/>
+        </p:nvPicPr>
+        <p:blipFill rotWithShape="1">
+          <a:blip r:embed="rId6" cstate="print">
+            <a:extLst>
+              <a:ext uri="{BEBA8EAE-BF5A-486C-A8C5-ECC9F3942E4B}">
+                <a14:imgProps xmlns:a14="http://schemas.microsoft.com/office/drawing/2010/main">
+                  <a14:imgLayer r:embed="rId7">
+                    <a14:imgEffect>
+                      <a14:backgroundRemoval t="2396" b="79553" l="9871" r="89968">
+                        <a14:foregroundMark x1="41909" y1="10383" x2="59061" y2="9585"/>
+                        <a14:foregroundMark x1="59061" y1="9585" x2="60194" y2="9585"/>
+                        <a14:foregroundMark x1="37379" y1="33227" x2="75405" y2="30831"/>
+                        <a14:foregroundMark x1="32362" y1="67572" x2="45307" y2="67732"/>
+                        <a14:foregroundMark x1="45307" y1="67732" x2="63430" y2="67252"/>
+                        <a14:foregroundMark x1="63430" y1="67252" x2="63754" y2="67252"/>
+                        <a14:foregroundMark x1="37379" y1="75719" x2="55340" y2="77157"/>
+                        <a14:foregroundMark x1="55340" y1="77157" x2="63754" y2="76837"/>
+                        <a14:foregroundMark x1="63754" y1="76837" x2="64239" y2="76837"/>
+                        <a14:foregroundMark x1="40291" y1="78275" x2="48382" y2="79553"/>
+                        <a14:foregroundMark x1="48382" y1="79553" x2="54207" y2="79233"/>
+                        <a14:foregroundMark x1="36084" y1="4792" x2="46278" y2="3674"/>
+                        <a14:foregroundMark x1="46278" y1="3674" x2="56958" y2="3674"/>
+                        <a14:foregroundMark x1="35922" y1="3674" x2="44822" y2="2396"/>
+                        <a14:foregroundMark x1="44822" y1="2396" x2="55016" y2="3674"/>
+                        <a14:foregroundMark x1="55016" y1="3674" x2="63107" y2="7987"/>
+                        <a14:foregroundMark x1="63107" y1="7987" x2="56149" y2="13259"/>
+                        <a14:foregroundMark x1="56149" y1="13259" x2="47735" y2="13099"/>
+                        <a14:foregroundMark x1="47735" y1="13099" x2="41586" y2="9585"/>
+                      </a14:backgroundRemoval>
+                    </a14:imgEffect>
+                  </a14:imgLayer>
+                </a14:imgProps>
+              </a:ext>
+              <a:ext uri="{28A0092B-C50C-407E-A947-70E740481C1C}">
+                <a14:useLocalDpi xmlns:a14="http://schemas.microsoft.com/office/drawing/2010/main" val="0"/>
+              </a:ext>
+            </a:extLst>
+          </a:blip>
+          <a:srcRect b="17747"/>
+          <a:stretch/>
+        </p:blipFill>
+        <p:spPr>
+          <a:xfrm>
+            <a:off x="9470405" y="2069387"/>
+            <a:ext cx="2207632" cy="1839365"/>
+          </a:xfrm>
+          <a:prstGeom prst="rect">
+            <a:avLst/>
+          </a:prstGeom>
+        </p:spPr>
+      </p:pic>
+      <p:sp>
+        <p:nvSpPr>
+          <p:cNvPr id="28" name="Rectangle 27">
+            <a:extLst>
+              <a:ext uri="{FF2B5EF4-FFF2-40B4-BE49-F238E27FC236}">
+                <a16:creationId xmlns:a16="http://schemas.microsoft.com/office/drawing/2014/main" id="{B66B932B-7EE6-48C4-A497-3558C4EE79B7}"/>
+              </a:ext>
+            </a:extLst>
+          </p:cNvPr>
+          <p:cNvSpPr/>
+          <p:nvPr/>
+        </p:nvSpPr>
+        <p:spPr>
+          <a:xfrm>
+            <a:off x="9412782" y="4043932"/>
+            <a:ext cx="2322877" cy="646331"/>
+          </a:xfrm>
+          <a:prstGeom prst="rect">
+            <a:avLst/>
+          </a:prstGeom>
+        </p:spPr>
+        <p:txBody>
+          <a:bodyPr wrap="square">
+            <a:spAutoFit/>
+          </a:bodyPr>
+          <a:lstStyle/>
+          <a:p>
+            <a:pPr algn="ctr"/>
+            <a:r>
+              <a:rPr lang="fr-FR" dirty="0">
+                <a:solidFill>
+                  <a:srgbClr val="000000"/>
+                </a:solidFill>
+              </a:rPr>
+              <a:t>Création de la base de données</a:t>
+            </a:r>
+          </a:p>
+        </p:txBody>
+      </p:sp>
+      <p:grpSp>
+        <p:nvGrpSpPr>
+          <p:cNvPr id="21" name="Groupe 20">
+            <a:extLst>
+              <a:ext uri="{FF2B5EF4-FFF2-40B4-BE49-F238E27FC236}">
+                <a16:creationId xmlns:a16="http://schemas.microsoft.com/office/drawing/2014/main" id="{0CFCABC2-A249-4153-89B5-5D6C22C31C4E}"/>
+              </a:ext>
+            </a:extLst>
+          </p:cNvPr>
+          <p:cNvGrpSpPr/>
+          <p:nvPr/>
+        </p:nvGrpSpPr>
+        <p:grpSpPr>
+          <a:xfrm>
+            <a:off x="1693094" y="6442008"/>
+            <a:ext cx="9401626" cy="369332"/>
+            <a:chOff x="1693094" y="6442008"/>
+            <a:chExt cx="9401626" cy="369332"/>
+          </a:xfrm>
+        </p:grpSpPr>
+        <p:sp>
+          <p:nvSpPr>
+            <p:cNvPr id="24" name="ZoneTexte 23">
+              <a:extLst>
+                <a:ext uri="{FF2B5EF4-FFF2-40B4-BE49-F238E27FC236}">
+                  <a16:creationId xmlns:a16="http://schemas.microsoft.com/office/drawing/2014/main" id="{12F61A74-8D05-491F-BAC3-F06DC40B9AB6}"/>
+                </a:ext>
+              </a:extLst>
+            </p:cNvPr>
+            <p:cNvSpPr txBox="1"/>
+            <p:nvPr/>
+          </p:nvSpPr>
+          <p:spPr>
+            <a:xfrm>
+              <a:off x="1693094" y="6442008"/>
+              <a:ext cx="1068371" cy="369332"/>
+            </a:xfrm>
+            <a:prstGeom prst="rect">
+              <a:avLst/>
+            </a:prstGeom>
+            <a:noFill/>
+          </p:spPr>
+          <p:txBody>
+            <a:bodyPr wrap="square" rtlCol="0">
+              <a:spAutoFit/>
+            </a:bodyPr>
+            <a:lstStyle/>
+            <a:p>
+              <a:pPr algn="just"/>
+              <a:r>
+                <a:rPr lang="fr-FR" dirty="0">
+                  <a:solidFill>
+                    <a:schemeClr val="bg1"/>
+                  </a:solidFill>
+                  <a:latin typeface="Agency FB" panose="020B0503020202020204" pitchFamily="34" charset="0"/>
+                </a:rPr>
+                <a:t>Introduction</a:t>
+              </a:r>
+            </a:p>
+          </p:txBody>
+        </p:sp>
+        <p:sp>
+          <p:nvSpPr>
+            <p:cNvPr id="25" name="ZoneTexte 24">
+              <a:extLst>
+                <a:ext uri="{FF2B5EF4-FFF2-40B4-BE49-F238E27FC236}">
+                  <a16:creationId xmlns:a16="http://schemas.microsoft.com/office/drawing/2014/main" id="{D510A942-9A3E-492A-BB44-B9DB060CCAA9}"/>
+                </a:ext>
+              </a:extLst>
+            </p:cNvPr>
+            <p:cNvSpPr txBox="1"/>
+            <p:nvPr/>
+          </p:nvSpPr>
+          <p:spPr>
+            <a:xfrm>
+              <a:off x="3409929" y="6442008"/>
+              <a:ext cx="2107025" cy="369332"/>
+            </a:xfrm>
+            <a:prstGeom prst="rect">
+              <a:avLst/>
+            </a:prstGeom>
+            <a:noFill/>
+          </p:spPr>
+          <p:txBody>
+            <a:bodyPr wrap="square" rtlCol="0">
+              <a:spAutoFit/>
+            </a:bodyPr>
+            <a:lstStyle/>
+            <a:p>
+              <a:pPr algn="just"/>
+              <a:r>
+                <a:rPr lang="fr-FR" dirty="0">
+                  <a:solidFill>
+                    <a:schemeClr val="bg1"/>
+                  </a:solidFill>
+                  <a:latin typeface="Agency FB" panose="020B0503020202020204" pitchFamily="34" charset="0"/>
+                </a:rPr>
+                <a:t>Présentation de PROXIDEJ</a:t>
+              </a:r>
+            </a:p>
+          </p:txBody>
+        </p:sp>
+        <p:sp>
+          <p:nvSpPr>
+            <p:cNvPr id="26" name="ZoneTexte 25">
+              <a:extLst>
+                <a:ext uri="{FF2B5EF4-FFF2-40B4-BE49-F238E27FC236}">
+                  <a16:creationId xmlns:a16="http://schemas.microsoft.com/office/drawing/2014/main" id="{12D10E0E-D5B8-45D0-A5F5-FEF422E11F90}"/>
+                </a:ext>
+              </a:extLst>
+            </p:cNvPr>
+            <p:cNvSpPr txBox="1"/>
+            <p:nvPr/>
+          </p:nvSpPr>
+          <p:spPr>
+            <a:xfrm>
+              <a:off x="6089564" y="6442008"/>
+              <a:ext cx="1409469" cy="369332"/>
+            </a:xfrm>
+            <a:prstGeom prst="rect">
+              <a:avLst/>
+            </a:prstGeom>
+            <a:noFill/>
+          </p:spPr>
+          <p:txBody>
+            <a:bodyPr wrap="square" rtlCol="0">
+              <a:spAutoFit/>
+            </a:bodyPr>
+            <a:lstStyle/>
+            <a:p>
+              <a:pPr algn="just"/>
+              <a:r>
+                <a:rPr lang="fr-FR" dirty="0">
+                  <a:solidFill>
+                    <a:schemeClr val="bg1"/>
+                  </a:solidFill>
+                  <a:latin typeface="Agency FB" panose="020B0503020202020204" pitchFamily="34" charset="0"/>
+                </a:rPr>
+                <a:t>Projet en groupe</a:t>
+              </a:r>
+            </a:p>
+          </p:txBody>
+        </p:sp>
+        <p:sp>
+          <p:nvSpPr>
+            <p:cNvPr id="29" name="ZoneTexte 28">
+              <a:extLst>
+                <a:ext uri="{FF2B5EF4-FFF2-40B4-BE49-F238E27FC236}">
+                  <a16:creationId xmlns:a16="http://schemas.microsoft.com/office/drawing/2014/main" id="{173595CB-D1BC-4A63-AC35-73A0F75D8460}"/>
+                </a:ext>
+              </a:extLst>
+            </p:cNvPr>
+            <p:cNvSpPr txBox="1"/>
+            <p:nvPr/>
+          </p:nvSpPr>
+          <p:spPr>
+            <a:xfrm>
+              <a:off x="8071644" y="6442008"/>
+              <a:ext cx="1409468" cy="369332"/>
+            </a:xfrm>
+            <a:prstGeom prst="rect">
+              <a:avLst/>
+            </a:prstGeom>
+            <a:noFill/>
+          </p:spPr>
+          <p:txBody>
+            <a:bodyPr wrap="square" rtlCol="0">
+              <a:spAutoFit/>
+            </a:bodyPr>
+            <a:lstStyle/>
+            <a:p>
+              <a:pPr algn="just"/>
+              <a:r>
+                <a:rPr lang="fr-FR" dirty="0">
+                  <a:solidFill>
+                    <a:schemeClr val="bg1"/>
+                  </a:solidFill>
+                  <a:latin typeface="Agency FB" panose="020B0503020202020204" pitchFamily="34" charset="0"/>
+                </a:rPr>
+                <a:t>Projet personnel</a:t>
+              </a:r>
+            </a:p>
+          </p:txBody>
+        </p:sp>
+        <p:sp>
+          <p:nvSpPr>
+            <p:cNvPr id="30" name="ZoneTexte 29">
+              <a:extLst>
+                <a:ext uri="{FF2B5EF4-FFF2-40B4-BE49-F238E27FC236}">
+                  <a16:creationId xmlns:a16="http://schemas.microsoft.com/office/drawing/2014/main" id="{B1B5D3DD-3E94-4ED0-ABE2-5D63CB2EC851}"/>
+                </a:ext>
+              </a:extLst>
+            </p:cNvPr>
+            <p:cNvSpPr txBox="1"/>
+            <p:nvPr/>
+          </p:nvSpPr>
+          <p:spPr>
+            <a:xfrm>
+              <a:off x="10053722" y="6442008"/>
+              <a:ext cx="1040998" cy="369332"/>
+            </a:xfrm>
+            <a:prstGeom prst="rect">
+              <a:avLst/>
+            </a:prstGeom>
+            <a:noFill/>
+          </p:spPr>
+          <p:txBody>
+            <a:bodyPr wrap="square" rtlCol="0">
+              <a:spAutoFit/>
+            </a:bodyPr>
+            <a:lstStyle/>
+            <a:p>
+              <a:pPr algn="just"/>
+              <a:r>
+                <a:rPr lang="fr-FR" dirty="0">
+                  <a:solidFill>
+                    <a:schemeClr val="bg1"/>
+                  </a:solidFill>
+                  <a:latin typeface="Agency FB" panose="020B0503020202020204" pitchFamily="34" charset="0"/>
+                </a:rPr>
+                <a:t>Conclusion</a:t>
+              </a:r>
+            </a:p>
+          </p:txBody>
+        </p:sp>
+      </p:grpSp>
+    </p:spTree>
+    <p:extLst>
+      <p:ext uri="{BB962C8B-B14F-4D97-AF65-F5344CB8AC3E}">
+        <p14:creationId xmlns:p14="http://schemas.microsoft.com/office/powerpoint/2010/main" val="1000964466"/>
+      </p:ext>
+    </p:extLst>
+  </p:cSld>
+  <p:clrMapOvr>
+    <a:masterClrMapping/>
+  </p:clrMapOvr>
+</p:sld>
+</file>
+
+<file path=ppt/slides/slide13.xml><?xml version="1.0" encoding="utf-8"?>
 <p:sld xmlns:a="http://schemas.openxmlformats.org/drawingml/2006/main" xmlns:r="http://schemas.openxmlformats.org/officeDocument/2006/relationships" xmlns:p="http://schemas.openxmlformats.org/presentationml/2006/main">
   <p:cSld>
     <p:spTree>
@@ -8146,6 +9404,13 @@
         </p:nvPicPr>
         <p:blipFill>
           <a:blip r:embed="rId2" cstate="print">
+            <a:duotone>
+              <a:schemeClr val="bg2">
+                <a:shade val="45000"/>
+                <a:satMod val="135000"/>
+              </a:schemeClr>
+              <a:prstClr val="white"/>
+            </a:duotone>
             <a:extLst>
               <a:ext uri="{28A0092B-C50C-407E-A947-70E740481C1C}">
                 <a14:useLocalDpi xmlns:a14="http://schemas.microsoft.com/office/drawing/2010/main" val="0"/>
@@ -8166,12 +9431,89 @@
           </a:prstGeom>
         </p:spPr>
       </p:pic>
+      <p:pic>
+        <p:nvPicPr>
+          <p:cNvPr id="10" name="Image 9" descr="Une image contenant dessin&#10;&#10;Description générée automatiquement">
+            <a:extLst>
+              <a:ext uri="{FF2B5EF4-FFF2-40B4-BE49-F238E27FC236}">
+                <a16:creationId xmlns:a16="http://schemas.microsoft.com/office/drawing/2014/main" id="{1113F3DC-12C8-4C36-8F6F-1346A732861D}"/>
+              </a:ext>
+            </a:extLst>
+          </p:cNvPr>
+          <p:cNvPicPr>
+            <a:picLocks noChangeAspect="1"/>
+          </p:cNvPicPr>
+          <p:nvPr/>
+        </p:nvPicPr>
+        <p:blipFill>
+          <a:blip r:embed="rId3" cstate="print">
+            <a:extLst>
+              <a:ext uri="{BEBA8EAE-BF5A-486C-A8C5-ECC9F3942E4B}">
+                <a14:imgProps xmlns:a14="http://schemas.microsoft.com/office/drawing/2010/main">
+                  <a14:imgLayer r:embed="rId4">
+                    <a14:imgEffect>
+                      <a14:backgroundRemoval t="4571" b="92622" l="3837" r="92442">
+                        <a14:foregroundMark x1="44070" y1="14114" x2="51860" y2="4972"/>
+                        <a14:foregroundMark x1="51860" y1="4972" x2="61512" y2="4731"/>
+                        <a14:foregroundMark x1="30000" y1="17161" x2="38953" y2="8019"/>
+                        <a14:foregroundMark x1="38953" y1="8019" x2="71047" y2="6255"/>
+                        <a14:foregroundMark x1="71047" y1="6255" x2="84186" y2="11307"/>
+                        <a14:foregroundMark x1="84186" y1="11307" x2="90233" y2="21010"/>
+                        <a14:foregroundMark x1="90233" y1="21010" x2="91279" y2="40497"/>
+                        <a14:foregroundMark x1="94302" y1="14114" x2="92558" y2="35605"/>
+                        <a14:foregroundMark x1="92558" y1="35605" x2="88837" y2="44186"/>
+                        <a14:foregroundMark x1="43023" y1="75140" x2="31860" y2="67201"/>
+                        <a14:foregroundMark x1="31860" y1="67201" x2="31744" y2="66800"/>
+                        <a14:foregroundMark x1="28605" y1="60706" x2="25116" y2="62229"/>
+                        <a14:foregroundMark x1="21163" y1="68083" x2="25581" y2="67362"/>
+                        <a14:foregroundMark x1="27326" y1="70249" x2="21279" y2="60305"/>
+                        <a14:foregroundMark x1="21279" y1="60305" x2="28953" y2="70088"/>
+                        <a14:foregroundMark x1="28953" y1="70088" x2="27558" y2="72093"/>
+                        <a14:foregroundMark x1="28372" y1="68083" x2="25930" y2="57418"/>
+                        <a14:foregroundMark x1="25930" y1="57418" x2="29767" y2="67602"/>
+                        <a14:foregroundMark x1="29767" y1="67602" x2="25581" y2="71532"/>
+                        <a14:foregroundMark x1="33372" y1="64876" x2="28372" y2="56295"/>
+                        <a14:foregroundMark x1="31395" y1="69046" x2="39070" y2="78188"/>
+                        <a14:foregroundMark x1="39070" y1="78188" x2="41860" y2="88613"/>
+                        <a14:foregroundMark x1="41860" y1="88613" x2="25581" y2="89655"/>
+                        <a14:foregroundMark x1="25581" y1="89655" x2="16512" y2="81075"/>
+                        <a14:foregroundMark x1="16512" y1="81075" x2="22907" y2="70249"/>
+                        <a14:foregroundMark x1="14302" y1="86768" x2="10116" y2="85245"/>
+                        <a14:foregroundMark x1="7442" y1="88292" x2="4419" y2="83881"/>
+                        <a14:foregroundMark x1="41047" y1="90537" x2="40465" y2="91901"/>
+                        <a14:foregroundMark x1="17326" y1="92302" x2="18488" y2="92462"/>
+                        <a14:foregroundMark x1="38837" y1="92702" x2="38837" y2="92702"/>
+                        <a14:foregroundMark x1="3837" y1="89816" x2="3837" y2="89816"/>
+                      </a14:backgroundRemoval>
+                    </a14:imgEffect>
+                  </a14:imgLayer>
+                </a14:imgProps>
+              </a:ext>
+              <a:ext uri="{28A0092B-C50C-407E-A947-70E740481C1C}">
+                <a14:useLocalDpi xmlns:a14="http://schemas.microsoft.com/office/drawing/2010/main" val="0"/>
+              </a:ext>
+            </a:extLst>
+          </a:blip>
+          <a:stretch>
+            <a:fillRect/>
+          </a:stretch>
+        </p:blipFill>
+        <p:spPr>
+          <a:xfrm>
+            <a:off x="843743" y="2067771"/>
+            <a:ext cx="2316804" cy="3359366"/>
+          </a:xfrm>
+          <a:prstGeom prst="rect">
+            <a:avLst/>
+          </a:prstGeom>
+        </p:spPr>
+      </p:pic>
       <p:sp>
         <p:nvSpPr>
-          <p:cNvPr id="5" name="ZoneTexte 4">
+          <p:cNvPr id="12" name="ZoneTexte 11">
             <a:extLst>
               <a:ext uri="{FF2B5EF4-FFF2-40B4-BE49-F238E27FC236}">
-                <a16:creationId xmlns:a16="http://schemas.microsoft.com/office/drawing/2014/main" id="{ED9B02B8-4008-4EC6-A7A1-0DC6A64F1AB2}"/>
+                <a16:creationId xmlns:a16="http://schemas.microsoft.com/office/drawing/2014/main" id="{314DED1D-C155-4FB6-AB36-83B5E5904374}"/>
               </a:ext>
             </a:extLst>
           </p:cNvPr>
@@ -8180,8 +9522,8 @@
         </p:nvSpPr>
         <p:spPr>
           <a:xfrm>
-            <a:off x="1693094" y="6442008"/>
-            <a:ext cx="1068371" cy="369332"/>
+            <a:off x="669733" y="5427137"/>
+            <a:ext cx="2664823" cy="369332"/>
           </a:xfrm>
           <a:prstGeom prst="rect">
             <a:avLst/>
@@ -8194,172 +9536,379 @@
           </a:bodyPr>
           <a:lstStyle/>
           <a:p>
-            <a:pPr algn="just"/>
-            <a:r>
-              <a:rPr lang="fr-FR" dirty="0">
-                <a:latin typeface="Agency FB" panose="020B0503020202020204" pitchFamily="34" charset="0"/>
-              </a:rPr>
-              <a:t>Introduction</a:t>
+            <a:r>
+              <a:rPr lang="fr-FR" dirty="0"/>
+              <a:t>Installation Linux serveur</a:t>
             </a:r>
           </a:p>
         </p:txBody>
       </p:sp>
-      <p:sp>
-        <p:nvSpPr>
-          <p:cNvPr id="6" name="ZoneTexte 5">
+      <p:pic>
+        <p:nvPicPr>
+          <p:cNvPr id="15" name="Image 14" descr="Une image contenant dessin&#10;&#10;Description générée automatiquement">
             <a:extLst>
               <a:ext uri="{FF2B5EF4-FFF2-40B4-BE49-F238E27FC236}">
-                <a16:creationId xmlns:a16="http://schemas.microsoft.com/office/drawing/2014/main" id="{56A3C651-D503-4D2D-92D9-D818755649CA}"/>
+                <a16:creationId xmlns:a16="http://schemas.microsoft.com/office/drawing/2014/main" id="{C6E011F9-DAB3-4D68-AACF-EF8C43898BCC}"/>
               </a:ext>
             </a:extLst>
           </p:cNvPr>
-          <p:cNvSpPr txBox="1"/>
+          <p:cNvPicPr>
+            <a:picLocks noChangeAspect="1"/>
+          </p:cNvPicPr>
           <p:nvPr/>
-        </p:nvSpPr>
+        </p:nvPicPr>
+        <p:blipFill>
+          <a:blip r:embed="rId5">
+            <a:extLst>
+              <a:ext uri="{28A0092B-C50C-407E-A947-70E740481C1C}">
+                <a14:useLocalDpi xmlns:a14="http://schemas.microsoft.com/office/drawing/2010/main" val="0"/>
+              </a:ext>
+            </a:extLst>
+          </a:blip>
+          <a:stretch>
+            <a:fillRect/>
+          </a:stretch>
+        </p:blipFill>
         <p:spPr>
           <a:xfrm>
-            <a:off x="3409930" y="6442008"/>
-            <a:ext cx="2107024" cy="369332"/>
+            <a:off x="4430319" y="3876448"/>
+            <a:ext cx="3318490" cy="2228129"/>
           </a:xfrm>
           <a:prstGeom prst="rect">
             <a:avLst/>
           </a:prstGeom>
-          <a:noFill/>
         </p:spPr>
-        <p:txBody>
-          <a:bodyPr wrap="square" rtlCol="0">
-            <a:spAutoFit/>
-          </a:bodyPr>
-          <a:lstStyle/>
-          <a:p>
-            <a:pPr algn="just"/>
-            <a:r>
-              <a:rPr lang="fr-FR" dirty="0">
-                <a:latin typeface="Agency FB" panose="020B0503020202020204" pitchFamily="34" charset="0"/>
-              </a:rPr>
-              <a:t>Présentation de PROXIDEJ</a:t>
-            </a:r>
-          </a:p>
-        </p:txBody>
-      </p:sp>
-      <p:sp>
-        <p:nvSpPr>
-          <p:cNvPr id="7" name="ZoneTexte 6">
+      </p:pic>
+      <p:pic>
+        <p:nvPicPr>
+          <p:cNvPr id="18" name="Image 17" descr="Une image contenant dessin&#10;&#10;Description générée automatiquement">
             <a:extLst>
               <a:ext uri="{FF2B5EF4-FFF2-40B4-BE49-F238E27FC236}">
-                <a16:creationId xmlns:a16="http://schemas.microsoft.com/office/drawing/2014/main" id="{2A999787-6AF3-40AD-9F10-809786410FB5}"/>
+                <a16:creationId xmlns:a16="http://schemas.microsoft.com/office/drawing/2014/main" id="{54978C07-2E8F-458D-84D3-3300C9DB5B71}"/>
               </a:ext>
             </a:extLst>
           </p:cNvPr>
-          <p:cNvSpPr txBox="1"/>
+          <p:cNvPicPr>
+            <a:picLocks noChangeAspect="1"/>
+          </p:cNvPicPr>
           <p:nvPr/>
-        </p:nvSpPr>
+        </p:nvPicPr>
+        <p:blipFill>
+          <a:blip r:embed="rId6">
+            <a:extLst>
+              <a:ext uri="{28A0092B-C50C-407E-A947-70E740481C1C}">
+                <a14:useLocalDpi xmlns:a14="http://schemas.microsoft.com/office/drawing/2010/main" val="0"/>
+              </a:ext>
+            </a:extLst>
+          </a:blip>
+          <a:stretch>
+            <a:fillRect/>
+          </a:stretch>
+        </p:blipFill>
         <p:spPr>
           <a:xfrm>
-            <a:off x="6089564" y="6442008"/>
-            <a:ext cx="1409469" cy="369332"/>
+            <a:off x="8046483" y="2385726"/>
+            <a:ext cx="4014477" cy="1642286"/>
           </a:xfrm>
           <a:prstGeom prst="rect">
             <a:avLst/>
           </a:prstGeom>
-          <a:noFill/>
         </p:spPr>
-        <p:txBody>
-          <a:bodyPr wrap="square" rtlCol="0">
-            <a:spAutoFit/>
-          </a:bodyPr>
-          <a:lstStyle/>
-          <a:p>
-            <a:pPr algn="just"/>
-            <a:r>
-              <a:rPr lang="fr-FR" dirty="0">
-                <a:latin typeface="Agency FB" panose="020B0503020202020204" pitchFamily="34" charset="0"/>
-              </a:rPr>
-              <a:t>Projet en groupe</a:t>
-            </a:r>
-          </a:p>
-        </p:txBody>
-      </p:sp>
-      <p:sp>
-        <p:nvSpPr>
-          <p:cNvPr id="8" name="ZoneTexte 7">
+      </p:pic>
+      <p:pic>
+        <p:nvPicPr>
+          <p:cNvPr id="21" name="Image 20" descr="Une image contenant chope, tasse, dessin, table&#10;&#10;Description générée automatiquement">
             <a:extLst>
               <a:ext uri="{FF2B5EF4-FFF2-40B4-BE49-F238E27FC236}">
-                <a16:creationId xmlns:a16="http://schemas.microsoft.com/office/drawing/2014/main" id="{9AF224B5-A9FB-4843-840B-DF7AFA788510}"/>
+                <a16:creationId xmlns:a16="http://schemas.microsoft.com/office/drawing/2014/main" id="{6925F662-A81D-4B05-842D-A1E16900D902}"/>
               </a:ext>
             </a:extLst>
           </p:cNvPr>
-          <p:cNvSpPr txBox="1"/>
+          <p:cNvPicPr>
+            <a:picLocks noChangeAspect="1"/>
+          </p:cNvPicPr>
           <p:nvPr/>
-        </p:nvSpPr>
+        </p:nvPicPr>
+        <p:blipFill rotWithShape="1">
+          <a:blip r:embed="rId7" cstate="print">
+            <a:extLst>
+              <a:ext uri="{BEBA8EAE-BF5A-486C-A8C5-ECC9F3942E4B}">
+                <a14:imgProps xmlns:a14="http://schemas.microsoft.com/office/drawing/2010/main">
+                  <a14:imgLayer r:embed="rId8">
+                    <a14:imgEffect>
+                      <a14:backgroundRemoval t="2396" b="79553" l="9871" r="89968">
+                        <a14:foregroundMark x1="41909" y1="10383" x2="59061" y2="9585"/>
+                        <a14:foregroundMark x1="59061" y1="9585" x2="60194" y2="9585"/>
+                        <a14:foregroundMark x1="37379" y1="33227" x2="75405" y2="30831"/>
+                        <a14:foregroundMark x1="32362" y1="67572" x2="45307" y2="67732"/>
+                        <a14:foregroundMark x1="45307" y1="67732" x2="63430" y2="67252"/>
+                        <a14:foregroundMark x1="63430" y1="67252" x2="63754" y2="67252"/>
+                        <a14:foregroundMark x1="37379" y1="75719" x2="55340" y2="77157"/>
+                        <a14:foregroundMark x1="55340" y1="77157" x2="63754" y2="76837"/>
+                        <a14:foregroundMark x1="63754" y1="76837" x2="64239" y2="76837"/>
+                        <a14:foregroundMark x1="40291" y1="78275" x2="48382" y2="79553"/>
+                        <a14:foregroundMark x1="48382" y1="79553" x2="54207" y2="79233"/>
+                        <a14:foregroundMark x1="36084" y1="4792" x2="46278" y2="3674"/>
+                        <a14:foregroundMark x1="46278" y1="3674" x2="56958" y2="3674"/>
+                        <a14:foregroundMark x1="35922" y1="3674" x2="44822" y2="2396"/>
+                        <a14:foregroundMark x1="44822" y1="2396" x2="55016" y2="3674"/>
+                        <a14:foregroundMark x1="55016" y1="3674" x2="63107" y2="7987"/>
+                        <a14:foregroundMark x1="63107" y1="7987" x2="56149" y2="13259"/>
+                        <a14:foregroundMark x1="56149" y1="13259" x2="47735" y2="13099"/>
+                        <a14:foregroundMark x1="47735" y1="13099" x2="41586" y2="9585"/>
+                      </a14:backgroundRemoval>
+                    </a14:imgEffect>
+                  </a14:imgLayer>
+                </a14:imgProps>
+              </a:ext>
+              <a:ext uri="{28A0092B-C50C-407E-A947-70E740481C1C}">
+                <a14:useLocalDpi xmlns:a14="http://schemas.microsoft.com/office/drawing/2010/main" val="0"/>
+              </a:ext>
+            </a:extLst>
+          </a:blip>
+          <a:srcRect b="17747"/>
+          <a:stretch/>
+        </p:blipFill>
         <p:spPr>
           <a:xfrm>
-            <a:off x="8071644" y="6442008"/>
-            <a:ext cx="1409468" cy="369332"/>
+            <a:off x="4985748" y="1965994"/>
+            <a:ext cx="2207632" cy="1839365"/>
           </a:xfrm>
           <a:prstGeom prst="rect">
             <a:avLst/>
           </a:prstGeom>
-          <a:noFill/>
         </p:spPr>
-        <p:txBody>
-          <a:bodyPr wrap="square" rtlCol="0">
-            <a:spAutoFit/>
-          </a:bodyPr>
-          <a:lstStyle/>
-          <a:p>
-            <a:pPr algn="just"/>
-            <a:r>
-              <a:rPr lang="fr-FR" dirty="0">
-                <a:latin typeface="Agency FB" panose="020B0503020202020204" pitchFamily="34" charset="0"/>
-              </a:rPr>
-              <a:t>Projet personnel</a:t>
-            </a:r>
-          </a:p>
-        </p:txBody>
-      </p:sp>
-      <p:sp>
-        <p:nvSpPr>
-          <p:cNvPr id="9" name="ZoneTexte 8">
+      </p:pic>
+      <p:grpSp>
+        <p:nvGrpSpPr>
+          <p:cNvPr id="14" name="Groupe 13">
             <a:extLst>
               <a:ext uri="{FF2B5EF4-FFF2-40B4-BE49-F238E27FC236}">
-                <a16:creationId xmlns:a16="http://schemas.microsoft.com/office/drawing/2014/main" id="{F47E9ADC-3D8A-4C37-9C8A-7ABA36CA8C24}"/>
+                <a16:creationId xmlns:a16="http://schemas.microsoft.com/office/drawing/2014/main" id="{5F93403A-D04F-4463-AF66-D3552F07A76D}"/>
               </a:ext>
             </a:extLst>
           </p:cNvPr>
-          <p:cNvSpPr txBox="1"/>
+          <p:cNvGrpSpPr/>
           <p:nvPr/>
-        </p:nvSpPr>
-        <p:spPr>
+        </p:nvGrpSpPr>
+        <p:grpSpPr>
           <a:xfrm>
-            <a:off x="10053722" y="6442008"/>
-            <a:ext cx="1040998" cy="369332"/>
+            <a:off x="1693094" y="6442008"/>
+            <a:ext cx="9401626" cy="369332"/>
+            <a:chOff x="1693094" y="6442008"/>
+            <a:chExt cx="9401626" cy="369332"/>
           </a:xfrm>
-          <a:prstGeom prst="rect">
-            <a:avLst/>
-          </a:prstGeom>
-          <a:noFill/>
-        </p:spPr>
-        <p:txBody>
-          <a:bodyPr wrap="square" rtlCol="0">
-            <a:spAutoFit/>
-          </a:bodyPr>
-          <a:lstStyle/>
-          <a:p>
-            <a:pPr algn="just"/>
-            <a:r>
-              <a:rPr lang="fr-FR" dirty="0">
-                <a:latin typeface="Agency FB" panose="020B0503020202020204" pitchFamily="34" charset="0"/>
-              </a:rPr>
-              <a:t>Conclusion</a:t>
-            </a:r>
-          </a:p>
-        </p:txBody>
-      </p:sp>
+        </p:grpSpPr>
+        <p:sp>
+          <p:nvSpPr>
+            <p:cNvPr id="16" name="ZoneTexte 15">
+              <a:extLst>
+                <a:ext uri="{FF2B5EF4-FFF2-40B4-BE49-F238E27FC236}">
+                  <a16:creationId xmlns:a16="http://schemas.microsoft.com/office/drawing/2014/main" id="{25C59AC1-CE65-49F4-8EE6-DFF3A08FCF08}"/>
+                </a:ext>
+              </a:extLst>
+            </p:cNvPr>
+            <p:cNvSpPr txBox="1"/>
+            <p:nvPr/>
+          </p:nvSpPr>
+          <p:spPr>
+            <a:xfrm>
+              <a:off x="1693094" y="6442008"/>
+              <a:ext cx="1068371" cy="369332"/>
+            </a:xfrm>
+            <a:prstGeom prst="rect">
+              <a:avLst/>
+            </a:prstGeom>
+            <a:noFill/>
+          </p:spPr>
+          <p:txBody>
+            <a:bodyPr wrap="square" rtlCol="0">
+              <a:spAutoFit/>
+            </a:bodyPr>
+            <a:lstStyle/>
+            <a:p>
+              <a:pPr algn="just"/>
+              <a:r>
+                <a:rPr lang="fr-FR" dirty="0">
+                  <a:solidFill>
+                    <a:schemeClr val="bg1"/>
+                  </a:solidFill>
+                  <a:latin typeface="Agency FB" panose="020B0503020202020204" pitchFamily="34" charset="0"/>
+                </a:rPr>
+                <a:t>Introduction</a:t>
+              </a:r>
+            </a:p>
+          </p:txBody>
+        </p:sp>
+        <p:sp>
+          <p:nvSpPr>
+            <p:cNvPr id="17" name="ZoneTexte 16">
+              <a:extLst>
+                <a:ext uri="{FF2B5EF4-FFF2-40B4-BE49-F238E27FC236}">
+                  <a16:creationId xmlns:a16="http://schemas.microsoft.com/office/drawing/2014/main" id="{9F6D71A8-EFFA-4B29-B9F7-D09392C096C3}"/>
+                </a:ext>
+              </a:extLst>
+            </p:cNvPr>
+            <p:cNvSpPr txBox="1"/>
+            <p:nvPr/>
+          </p:nvSpPr>
+          <p:spPr>
+            <a:xfrm>
+              <a:off x="3409929" y="6442008"/>
+              <a:ext cx="2107025" cy="369332"/>
+            </a:xfrm>
+            <a:prstGeom prst="rect">
+              <a:avLst/>
+            </a:prstGeom>
+            <a:noFill/>
+          </p:spPr>
+          <p:txBody>
+            <a:bodyPr wrap="square" rtlCol="0">
+              <a:spAutoFit/>
+            </a:bodyPr>
+            <a:lstStyle/>
+            <a:p>
+              <a:pPr algn="just"/>
+              <a:r>
+                <a:rPr lang="fr-FR" dirty="0">
+                  <a:solidFill>
+                    <a:schemeClr val="bg1"/>
+                  </a:solidFill>
+                  <a:latin typeface="Agency FB" panose="020B0503020202020204" pitchFamily="34" charset="0"/>
+                </a:rPr>
+                <a:t>Présentation de PROXIDEJ</a:t>
+              </a:r>
+            </a:p>
+          </p:txBody>
+        </p:sp>
+        <p:sp>
+          <p:nvSpPr>
+            <p:cNvPr id="19" name="ZoneTexte 18">
+              <a:extLst>
+                <a:ext uri="{FF2B5EF4-FFF2-40B4-BE49-F238E27FC236}">
+                  <a16:creationId xmlns:a16="http://schemas.microsoft.com/office/drawing/2014/main" id="{F2E38413-B3BA-444D-8ED0-82B3A0509E8D}"/>
+                </a:ext>
+              </a:extLst>
+            </p:cNvPr>
+            <p:cNvSpPr txBox="1"/>
+            <p:nvPr/>
+          </p:nvSpPr>
+          <p:spPr>
+            <a:xfrm>
+              <a:off x="6089564" y="6442008"/>
+              <a:ext cx="1409469" cy="369332"/>
+            </a:xfrm>
+            <a:prstGeom prst="rect">
+              <a:avLst/>
+            </a:prstGeom>
+            <a:noFill/>
+          </p:spPr>
+          <p:txBody>
+            <a:bodyPr wrap="square" rtlCol="0">
+              <a:spAutoFit/>
+            </a:bodyPr>
+            <a:lstStyle/>
+            <a:p>
+              <a:pPr algn="just"/>
+              <a:r>
+                <a:rPr lang="fr-FR" dirty="0">
+                  <a:solidFill>
+                    <a:schemeClr val="bg1"/>
+                  </a:solidFill>
+                  <a:latin typeface="Agency FB" panose="020B0503020202020204" pitchFamily="34" charset="0"/>
+                </a:rPr>
+                <a:t>Projet en groupe</a:t>
+              </a:r>
+            </a:p>
+          </p:txBody>
+        </p:sp>
+        <p:sp>
+          <p:nvSpPr>
+            <p:cNvPr id="20" name="ZoneTexte 19">
+              <a:extLst>
+                <a:ext uri="{FF2B5EF4-FFF2-40B4-BE49-F238E27FC236}">
+                  <a16:creationId xmlns:a16="http://schemas.microsoft.com/office/drawing/2014/main" id="{9A99E47C-71FF-4E20-BF1A-92391EA27632}"/>
+                </a:ext>
+              </a:extLst>
+            </p:cNvPr>
+            <p:cNvSpPr txBox="1"/>
+            <p:nvPr/>
+          </p:nvSpPr>
+          <p:spPr>
+            <a:xfrm>
+              <a:off x="8071644" y="6442008"/>
+              <a:ext cx="1409468" cy="369332"/>
+            </a:xfrm>
+            <a:prstGeom prst="rect">
+              <a:avLst/>
+            </a:prstGeom>
+            <a:noFill/>
+          </p:spPr>
+          <p:txBody>
+            <a:bodyPr wrap="square" rtlCol="0">
+              <a:spAutoFit/>
+            </a:bodyPr>
+            <a:lstStyle/>
+            <a:p>
+              <a:pPr algn="just"/>
+              <a:r>
+                <a:rPr lang="fr-FR" dirty="0">
+                  <a:solidFill>
+                    <a:schemeClr val="bg1"/>
+                  </a:solidFill>
+                  <a:latin typeface="Agency FB" panose="020B0503020202020204" pitchFamily="34" charset="0"/>
+                </a:rPr>
+                <a:t>Projet personnel</a:t>
+              </a:r>
+            </a:p>
+          </p:txBody>
+        </p:sp>
+        <p:sp>
+          <p:nvSpPr>
+            <p:cNvPr id="22" name="ZoneTexte 21">
+              <a:extLst>
+                <a:ext uri="{FF2B5EF4-FFF2-40B4-BE49-F238E27FC236}">
+                  <a16:creationId xmlns:a16="http://schemas.microsoft.com/office/drawing/2014/main" id="{02B4E75E-AD14-4A67-8E03-34F4F2E621CE}"/>
+                </a:ext>
+              </a:extLst>
+            </p:cNvPr>
+            <p:cNvSpPr txBox="1"/>
+            <p:nvPr/>
+          </p:nvSpPr>
+          <p:spPr>
+            <a:xfrm>
+              <a:off x="10053722" y="6442008"/>
+              <a:ext cx="1040998" cy="369332"/>
+            </a:xfrm>
+            <a:prstGeom prst="rect">
+              <a:avLst/>
+            </a:prstGeom>
+            <a:noFill/>
+          </p:spPr>
+          <p:txBody>
+            <a:bodyPr wrap="square" rtlCol="0">
+              <a:spAutoFit/>
+            </a:bodyPr>
+            <a:lstStyle/>
+            <a:p>
+              <a:pPr algn="just"/>
+              <a:r>
+                <a:rPr lang="fr-FR" dirty="0">
+                  <a:solidFill>
+                    <a:schemeClr val="bg1"/>
+                  </a:solidFill>
+                  <a:latin typeface="Agency FB" panose="020B0503020202020204" pitchFamily="34" charset="0"/>
+                </a:rPr>
+                <a:t>Conclusion</a:t>
+              </a:r>
+            </a:p>
+          </p:txBody>
+        </p:sp>
+      </p:grpSp>
     </p:spTree>
     <p:extLst>
       <p:ext uri="{BB962C8B-B14F-4D97-AF65-F5344CB8AC3E}">
-        <p14:creationId xmlns:p14="http://schemas.microsoft.com/office/powerpoint/2010/main" val="1948630671"/>
+        <p14:creationId xmlns:p14="http://schemas.microsoft.com/office/powerpoint/2010/main" val="1120906634"/>
       </p:ext>
     </p:extLst>
   </p:cSld>
@@ -8369,7 +9918,7 @@
 </p:sld>
 </file>
 
-<file path=ppt/slides/slide12.xml><?xml version="1.0" encoding="utf-8"?>
+<file path=ppt/slides/slide14.xml><?xml version="1.0" encoding="utf-8"?>
 <p:sld xmlns:a="http://schemas.openxmlformats.org/drawingml/2006/main" xmlns:r="http://schemas.openxmlformats.org/officeDocument/2006/relationships" xmlns:p="http://schemas.openxmlformats.org/presentationml/2006/main">
   <p:cSld>
     <p:spTree>
@@ -8430,6 +9979,13 @@
         </p:nvPicPr>
         <p:blipFill>
           <a:blip r:embed="rId2" cstate="print">
+            <a:duotone>
+              <a:schemeClr val="bg2">
+                <a:shade val="45000"/>
+                <a:satMod val="135000"/>
+              </a:schemeClr>
+              <a:prstClr val="white"/>
+            </a:duotone>
             <a:extLst>
               <a:ext uri="{28A0092B-C50C-407E-A947-70E740481C1C}">
                 <a14:useLocalDpi xmlns:a14="http://schemas.microsoft.com/office/drawing/2010/main" val="0"/>
@@ -8450,196 +10006,6 @@
           </a:prstGeom>
         </p:spPr>
       </p:pic>
-      <p:sp>
-        <p:nvSpPr>
-          <p:cNvPr id="5" name="ZoneTexte 4">
-            <a:extLst>
-              <a:ext uri="{FF2B5EF4-FFF2-40B4-BE49-F238E27FC236}">
-                <a16:creationId xmlns:a16="http://schemas.microsoft.com/office/drawing/2014/main" id="{ED9B02B8-4008-4EC6-A7A1-0DC6A64F1AB2}"/>
-              </a:ext>
-            </a:extLst>
-          </p:cNvPr>
-          <p:cNvSpPr txBox="1"/>
-          <p:nvPr/>
-        </p:nvSpPr>
-        <p:spPr>
-          <a:xfrm>
-            <a:off x="1693094" y="6442008"/>
-            <a:ext cx="1068371" cy="369332"/>
-          </a:xfrm>
-          <a:prstGeom prst="rect">
-            <a:avLst/>
-          </a:prstGeom>
-          <a:noFill/>
-        </p:spPr>
-        <p:txBody>
-          <a:bodyPr wrap="square" rtlCol="0">
-            <a:spAutoFit/>
-          </a:bodyPr>
-          <a:lstStyle/>
-          <a:p>
-            <a:pPr algn="just"/>
-            <a:r>
-              <a:rPr lang="fr-FR" dirty="0">
-                <a:latin typeface="Agency FB" panose="020B0503020202020204" pitchFamily="34" charset="0"/>
-              </a:rPr>
-              <a:t>Introduction</a:t>
-            </a:r>
-          </a:p>
-        </p:txBody>
-      </p:sp>
-      <p:sp>
-        <p:nvSpPr>
-          <p:cNvPr id="6" name="ZoneTexte 5">
-            <a:extLst>
-              <a:ext uri="{FF2B5EF4-FFF2-40B4-BE49-F238E27FC236}">
-                <a16:creationId xmlns:a16="http://schemas.microsoft.com/office/drawing/2014/main" id="{56A3C651-D503-4D2D-92D9-D818755649CA}"/>
-              </a:ext>
-            </a:extLst>
-          </p:cNvPr>
-          <p:cNvSpPr txBox="1"/>
-          <p:nvPr/>
-        </p:nvSpPr>
-        <p:spPr>
-          <a:xfrm>
-            <a:off x="3409930" y="6442008"/>
-            <a:ext cx="2107024" cy="369332"/>
-          </a:xfrm>
-          <a:prstGeom prst="rect">
-            <a:avLst/>
-          </a:prstGeom>
-          <a:noFill/>
-        </p:spPr>
-        <p:txBody>
-          <a:bodyPr wrap="square" rtlCol="0">
-            <a:spAutoFit/>
-          </a:bodyPr>
-          <a:lstStyle/>
-          <a:p>
-            <a:pPr algn="just"/>
-            <a:r>
-              <a:rPr lang="fr-FR" dirty="0">
-                <a:latin typeface="Agency FB" panose="020B0503020202020204" pitchFamily="34" charset="0"/>
-              </a:rPr>
-              <a:t>Présentation de PROXIDEJ</a:t>
-            </a:r>
-          </a:p>
-        </p:txBody>
-      </p:sp>
-      <p:sp>
-        <p:nvSpPr>
-          <p:cNvPr id="7" name="ZoneTexte 6">
-            <a:extLst>
-              <a:ext uri="{FF2B5EF4-FFF2-40B4-BE49-F238E27FC236}">
-                <a16:creationId xmlns:a16="http://schemas.microsoft.com/office/drawing/2014/main" id="{2A999787-6AF3-40AD-9F10-809786410FB5}"/>
-              </a:ext>
-            </a:extLst>
-          </p:cNvPr>
-          <p:cNvSpPr txBox="1"/>
-          <p:nvPr/>
-        </p:nvSpPr>
-        <p:spPr>
-          <a:xfrm>
-            <a:off x="6089564" y="6442008"/>
-            <a:ext cx="1409469" cy="369332"/>
-          </a:xfrm>
-          <a:prstGeom prst="rect">
-            <a:avLst/>
-          </a:prstGeom>
-          <a:noFill/>
-        </p:spPr>
-        <p:txBody>
-          <a:bodyPr wrap="square" rtlCol="0">
-            <a:spAutoFit/>
-          </a:bodyPr>
-          <a:lstStyle/>
-          <a:p>
-            <a:pPr algn="just"/>
-            <a:r>
-              <a:rPr lang="fr-FR" dirty="0">
-                <a:latin typeface="Agency FB" panose="020B0503020202020204" pitchFamily="34" charset="0"/>
-              </a:rPr>
-              <a:t>Projet en groupe</a:t>
-            </a:r>
-          </a:p>
-        </p:txBody>
-      </p:sp>
-      <p:sp>
-        <p:nvSpPr>
-          <p:cNvPr id="8" name="ZoneTexte 7">
-            <a:extLst>
-              <a:ext uri="{FF2B5EF4-FFF2-40B4-BE49-F238E27FC236}">
-                <a16:creationId xmlns:a16="http://schemas.microsoft.com/office/drawing/2014/main" id="{9AF224B5-A9FB-4843-840B-DF7AFA788510}"/>
-              </a:ext>
-            </a:extLst>
-          </p:cNvPr>
-          <p:cNvSpPr txBox="1"/>
-          <p:nvPr/>
-        </p:nvSpPr>
-        <p:spPr>
-          <a:xfrm>
-            <a:off x="8071644" y="6442008"/>
-            <a:ext cx="1409468" cy="369332"/>
-          </a:xfrm>
-          <a:prstGeom prst="rect">
-            <a:avLst/>
-          </a:prstGeom>
-          <a:noFill/>
-        </p:spPr>
-        <p:txBody>
-          <a:bodyPr wrap="square" rtlCol="0">
-            <a:spAutoFit/>
-          </a:bodyPr>
-          <a:lstStyle/>
-          <a:p>
-            <a:pPr algn="just"/>
-            <a:r>
-              <a:rPr lang="fr-FR" dirty="0">
-                <a:latin typeface="Agency FB" panose="020B0503020202020204" pitchFamily="34" charset="0"/>
-              </a:rPr>
-              <a:t>Projet personnel</a:t>
-            </a:r>
-          </a:p>
-        </p:txBody>
-      </p:sp>
-      <p:sp>
-        <p:nvSpPr>
-          <p:cNvPr id="9" name="ZoneTexte 8">
-            <a:extLst>
-              <a:ext uri="{FF2B5EF4-FFF2-40B4-BE49-F238E27FC236}">
-                <a16:creationId xmlns:a16="http://schemas.microsoft.com/office/drawing/2014/main" id="{F47E9ADC-3D8A-4C37-9C8A-7ABA36CA8C24}"/>
-              </a:ext>
-            </a:extLst>
-          </p:cNvPr>
-          <p:cNvSpPr txBox="1"/>
-          <p:nvPr/>
-        </p:nvSpPr>
-        <p:spPr>
-          <a:xfrm>
-            <a:off x="10053722" y="6442008"/>
-            <a:ext cx="1040998" cy="369332"/>
-          </a:xfrm>
-          <a:prstGeom prst="rect">
-            <a:avLst/>
-          </a:prstGeom>
-          <a:noFill/>
-        </p:spPr>
-        <p:txBody>
-          <a:bodyPr wrap="square" rtlCol="0">
-            <a:spAutoFit/>
-          </a:bodyPr>
-          <a:lstStyle/>
-          <a:p>
-            <a:pPr algn="just"/>
-            <a:r>
-              <a:rPr lang="fr-FR" dirty="0">
-                <a:latin typeface="Agency FB" panose="020B0503020202020204" pitchFamily="34" charset="0"/>
-              </a:rPr>
-              <a:t>Conclusion</a:t>
-            </a:r>
-          </a:p>
-        </p:txBody>
-      </p:sp>
       <p:pic>
         <p:nvPicPr>
           <p:cNvPr id="11" name="Image 10" descr="Une image contenant orange, assis, jaune, jouet&#10;&#10;Description générée automatiquement">
@@ -8712,6 +10078,232 @@
           </a:prstGeom>
         </p:spPr>
       </p:pic>
+      <p:grpSp>
+        <p:nvGrpSpPr>
+          <p:cNvPr id="12" name="Groupe 11">
+            <a:extLst>
+              <a:ext uri="{FF2B5EF4-FFF2-40B4-BE49-F238E27FC236}">
+                <a16:creationId xmlns:a16="http://schemas.microsoft.com/office/drawing/2014/main" id="{6413174B-B1B7-4830-9BB9-6F810DCC806F}"/>
+              </a:ext>
+            </a:extLst>
+          </p:cNvPr>
+          <p:cNvGrpSpPr/>
+          <p:nvPr/>
+        </p:nvGrpSpPr>
+        <p:grpSpPr>
+          <a:xfrm>
+            <a:off x="1693094" y="6442008"/>
+            <a:ext cx="9401626" cy="369332"/>
+            <a:chOff x="1693094" y="6442008"/>
+            <a:chExt cx="9401626" cy="369332"/>
+          </a:xfrm>
+        </p:grpSpPr>
+        <p:sp>
+          <p:nvSpPr>
+            <p:cNvPr id="14" name="ZoneTexte 13">
+              <a:extLst>
+                <a:ext uri="{FF2B5EF4-FFF2-40B4-BE49-F238E27FC236}">
+                  <a16:creationId xmlns:a16="http://schemas.microsoft.com/office/drawing/2014/main" id="{C1C5FB36-1979-4E55-97A2-70819AD79350}"/>
+                </a:ext>
+              </a:extLst>
+            </p:cNvPr>
+            <p:cNvSpPr txBox="1"/>
+            <p:nvPr/>
+          </p:nvSpPr>
+          <p:spPr>
+            <a:xfrm>
+              <a:off x="1693094" y="6442008"/>
+              <a:ext cx="1068371" cy="369332"/>
+            </a:xfrm>
+            <a:prstGeom prst="rect">
+              <a:avLst/>
+            </a:prstGeom>
+            <a:noFill/>
+          </p:spPr>
+          <p:txBody>
+            <a:bodyPr wrap="square" rtlCol="0">
+              <a:spAutoFit/>
+            </a:bodyPr>
+            <a:lstStyle/>
+            <a:p>
+              <a:pPr algn="just"/>
+              <a:r>
+                <a:rPr lang="fr-FR" dirty="0">
+                  <a:solidFill>
+                    <a:schemeClr val="bg1"/>
+                  </a:solidFill>
+                  <a:latin typeface="Agency FB" panose="020B0503020202020204" pitchFamily="34" charset="0"/>
+                </a:rPr>
+                <a:t>Introduction</a:t>
+              </a:r>
+            </a:p>
+          </p:txBody>
+        </p:sp>
+        <p:sp>
+          <p:nvSpPr>
+            <p:cNvPr id="15" name="ZoneTexte 14">
+              <a:extLst>
+                <a:ext uri="{FF2B5EF4-FFF2-40B4-BE49-F238E27FC236}">
+                  <a16:creationId xmlns:a16="http://schemas.microsoft.com/office/drawing/2014/main" id="{83FFE130-4AF8-4E0F-80DA-2095A4C6BAAD}"/>
+                </a:ext>
+              </a:extLst>
+            </p:cNvPr>
+            <p:cNvSpPr txBox="1"/>
+            <p:nvPr/>
+          </p:nvSpPr>
+          <p:spPr>
+            <a:xfrm>
+              <a:off x="3409929" y="6442008"/>
+              <a:ext cx="2107025" cy="369332"/>
+            </a:xfrm>
+            <a:prstGeom prst="rect">
+              <a:avLst/>
+            </a:prstGeom>
+            <a:noFill/>
+          </p:spPr>
+          <p:txBody>
+            <a:bodyPr wrap="square" rtlCol="0">
+              <a:spAutoFit/>
+            </a:bodyPr>
+            <a:lstStyle/>
+            <a:p>
+              <a:pPr algn="just"/>
+              <a:r>
+                <a:rPr lang="fr-FR" dirty="0">
+                  <a:solidFill>
+                    <a:schemeClr val="bg1"/>
+                  </a:solidFill>
+                  <a:latin typeface="Agency FB" panose="020B0503020202020204" pitchFamily="34" charset="0"/>
+                </a:rPr>
+                <a:t>Présentation de PROXIDEJ</a:t>
+              </a:r>
+            </a:p>
+          </p:txBody>
+        </p:sp>
+        <p:sp>
+          <p:nvSpPr>
+            <p:cNvPr id="16" name="ZoneTexte 15">
+              <a:extLst>
+                <a:ext uri="{FF2B5EF4-FFF2-40B4-BE49-F238E27FC236}">
+                  <a16:creationId xmlns:a16="http://schemas.microsoft.com/office/drawing/2014/main" id="{2C10DE75-0FE1-4D2D-8835-7B7F67AAEEE7}"/>
+                </a:ext>
+              </a:extLst>
+            </p:cNvPr>
+            <p:cNvSpPr txBox="1"/>
+            <p:nvPr/>
+          </p:nvSpPr>
+          <p:spPr>
+            <a:xfrm>
+              <a:off x="6089564" y="6442008"/>
+              <a:ext cx="1409469" cy="369332"/>
+            </a:xfrm>
+            <a:prstGeom prst="rect">
+              <a:avLst/>
+            </a:prstGeom>
+            <a:noFill/>
+          </p:spPr>
+          <p:txBody>
+            <a:bodyPr wrap="square" rtlCol="0">
+              <a:spAutoFit/>
+            </a:bodyPr>
+            <a:lstStyle/>
+            <a:p>
+              <a:pPr algn="just"/>
+              <a:r>
+                <a:rPr lang="fr-FR" dirty="0">
+                  <a:solidFill>
+                    <a:schemeClr val="bg1"/>
+                  </a:solidFill>
+                  <a:latin typeface="Agency FB" panose="020B0503020202020204" pitchFamily="34" charset="0"/>
+                </a:rPr>
+                <a:t>Projet en groupe</a:t>
+              </a:r>
+            </a:p>
+          </p:txBody>
+        </p:sp>
+        <p:sp>
+          <p:nvSpPr>
+            <p:cNvPr id="17" name="ZoneTexte 16">
+              <a:extLst>
+                <a:ext uri="{FF2B5EF4-FFF2-40B4-BE49-F238E27FC236}">
+                  <a16:creationId xmlns:a16="http://schemas.microsoft.com/office/drawing/2014/main" id="{698F5701-E82C-4A4D-9D5A-DB115052E497}"/>
+                </a:ext>
+              </a:extLst>
+            </p:cNvPr>
+            <p:cNvSpPr txBox="1"/>
+            <p:nvPr/>
+          </p:nvSpPr>
+          <p:spPr>
+            <a:xfrm>
+              <a:off x="8071644" y="6442008"/>
+              <a:ext cx="1409468" cy="369332"/>
+            </a:xfrm>
+            <a:prstGeom prst="rect">
+              <a:avLst/>
+            </a:prstGeom>
+            <a:noFill/>
+          </p:spPr>
+          <p:txBody>
+            <a:bodyPr wrap="square" rtlCol="0">
+              <a:spAutoFit/>
+            </a:bodyPr>
+            <a:lstStyle/>
+            <a:p>
+              <a:pPr algn="just"/>
+              <a:r>
+                <a:rPr lang="fr-FR" dirty="0">
+                  <a:solidFill>
+                    <a:schemeClr val="bg1"/>
+                  </a:solidFill>
+                  <a:latin typeface="Agency FB" panose="020B0503020202020204" pitchFamily="34" charset="0"/>
+                </a:rPr>
+                <a:t>Projet personnel</a:t>
+              </a:r>
+            </a:p>
+          </p:txBody>
+        </p:sp>
+        <p:sp>
+          <p:nvSpPr>
+            <p:cNvPr id="18" name="ZoneTexte 17">
+              <a:extLst>
+                <a:ext uri="{FF2B5EF4-FFF2-40B4-BE49-F238E27FC236}">
+                  <a16:creationId xmlns:a16="http://schemas.microsoft.com/office/drawing/2014/main" id="{52E14DC8-A3FC-4B00-84A2-6B50454CD0D2}"/>
+                </a:ext>
+              </a:extLst>
+            </p:cNvPr>
+            <p:cNvSpPr txBox="1"/>
+            <p:nvPr/>
+          </p:nvSpPr>
+          <p:spPr>
+            <a:xfrm>
+              <a:off x="10053722" y="6442008"/>
+              <a:ext cx="1040998" cy="369332"/>
+            </a:xfrm>
+            <a:prstGeom prst="rect">
+              <a:avLst/>
+            </a:prstGeom>
+            <a:noFill/>
+          </p:spPr>
+          <p:txBody>
+            <a:bodyPr wrap="square" rtlCol="0">
+              <a:spAutoFit/>
+            </a:bodyPr>
+            <a:lstStyle/>
+            <a:p>
+              <a:pPr algn="just"/>
+              <a:r>
+                <a:rPr lang="fr-FR" dirty="0">
+                  <a:solidFill>
+                    <a:schemeClr val="bg1"/>
+                  </a:solidFill>
+                  <a:latin typeface="Agency FB" panose="020B0503020202020204" pitchFamily="34" charset="0"/>
+                </a:rPr>
+                <a:t>Conclusion</a:t>
+              </a:r>
+            </a:p>
+          </p:txBody>
+        </p:sp>
+      </p:grpSp>
     </p:spTree>
     <p:extLst>
       <p:ext uri="{BB962C8B-B14F-4D97-AF65-F5344CB8AC3E}">
@@ -9163,6 +10755,13 @@
         </p:nvPicPr>
         <p:blipFill>
           <a:blip r:embed="rId4" cstate="print">
+            <a:duotone>
+              <a:schemeClr val="bg2">
+                <a:shade val="45000"/>
+                <a:satMod val="135000"/>
+              </a:schemeClr>
+              <a:prstClr val="white"/>
+            </a:duotone>
             <a:extLst>
               <a:ext uri="{28A0092B-C50C-407E-A947-70E740481C1C}">
                 <a14:useLocalDpi xmlns:a14="http://schemas.microsoft.com/office/drawing/2010/main" val="0"/>
@@ -9180,196 +10779,232 @@
           </a:xfrm>
         </p:spPr>
       </p:pic>
-      <p:sp>
-        <p:nvSpPr>
-          <p:cNvPr id="14" name="ZoneTexte 13">
+      <p:grpSp>
+        <p:nvGrpSpPr>
+          <p:cNvPr id="3" name="Groupe 2">
             <a:extLst>
               <a:ext uri="{FF2B5EF4-FFF2-40B4-BE49-F238E27FC236}">
-                <a16:creationId xmlns:a16="http://schemas.microsoft.com/office/drawing/2014/main" id="{471E22CC-3A2A-4E27-B85D-E19F0C950E03}"/>
+                <a16:creationId xmlns:a16="http://schemas.microsoft.com/office/drawing/2014/main" id="{3A0F658C-C6BF-43B4-8087-4745ECD110DF}"/>
               </a:ext>
             </a:extLst>
           </p:cNvPr>
-          <p:cNvSpPr txBox="1"/>
+          <p:cNvGrpSpPr/>
           <p:nvPr/>
-        </p:nvSpPr>
-        <p:spPr>
+        </p:nvGrpSpPr>
+        <p:grpSpPr>
           <a:xfrm>
             <a:off x="1693094" y="6442008"/>
-            <a:ext cx="1068371" cy="369332"/>
+            <a:ext cx="9401626" cy="369332"/>
+            <a:chOff x="1693094" y="6442008"/>
+            <a:chExt cx="9401626" cy="369332"/>
           </a:xfrm>
-          <a:prstGeom prst="rect">
-            <a:avLst/>
-          </a:prstGeom>
-          <a:noFill/>
-        </p:spPr>
-        <p:txBody>
-          <a:bodyPr wrap="square" rtlCol="0">
-            <a:spAutoFit/>
-          </a:bodyPr>
-          <a:lstStyle/>
-          <a:p>
-            <a:pPr algn="just"/>
-            <a:r>
-              <a:rPr lang="fr-FR" dirty="0">
-                <a:latin typeface="Agency FB" panose="020B0503020202020204" pitchFamily="34" charset="0"/>
-              </a:rPr>
-              <a:t>Introduction</a:t>
-            </a:r>
-          </a:p>
-        </p:txBody>
-      </p:sp>
-      <p:sp>
-        <p:nvSpPr>
-          <p:cNvPr id="15" name="ZoneTexte 14">
-            <a:extLst>
-              <a:ext uri="{FF2B5EF4-FFF2-40B4-BE49-F238E27FC236}">
-                <a16:creationId xmlns:a16="http://schemas.microsoft.com/office/drawing/2014/main" id="{153FC371-398A-43C4-8B2B-0504F565CAFC}"/>
-              </a:ext>
-            </a:extLst>
-          </p:cNvPr>
-          <p:cNvSpPr txBox="1"/>
-          <p:nvPr/>
-        </p:nvSpPr>
-        <p:spPr>
-          <a:xfrm>
-            <a:off x="3409929" y="6442008"/>
-            <a:ext cx="2107025" cy="369332"/>
-          </a:xfrm>
-          <a:prstGeom prst="rect">
-            <a:avLst/>
-          </a:prstGeom>
-          <a:noFill/>
-        </p:spPr>
-        <p:txBody>
-          <a:bodyPr wrap="square" rtlCol="0">
-            <a:spAutoFit/>
-          </a:bodyPr>
-          <a:lstStyle/>
-          <a:p>
-            <a:pPr algn="just"/>
-            <a:r>
-              <a:rPr lang="fr-FR" dirty="0">
-                <a:latin typeface="Agency FB" panose="020B0503020202020204" pitchFamily="34" charset="0"/>
-              </a:rPr>
-              <a:t>Présentation de PROXIDEJ</a:t>
-            </a:r>
-          </a:p>
-        </p:txBody>
-      </p:sp>
-      <p:sp>
-        <p:nvSpPr>
-          <p:cNvPr id="16" name="ZoneTexte 15">
-            <a:extLst>
-              <a:ext uri="{FF2B5EF4-FFF2-40B4-BE49-F238E27FC236}">
-                <a16:creationId xmlns:a16="http://schemas.microsoft.com/office/drawing/2014/main" id="{77EB3CCB-14F0-480E-A8A3-6962C02FD1E8}"/>
-              </a:ext>
-            </a:extLst>
-          </p:cNvPr>
-          <p:cNvSpPr txBox="1"/>
-          <p:nvPr/>
-        </p:nvSpPr>
-        <p:spPr>
-          <a:xfrm>
-            <a:off x="6089564" y="6442008"/>
-            <a:ext cx="1409469" cy="369332"/>
-          </a:xfrm>
-          <a:prstGeom prst="rect">
-            <a:avLst/>
-          </a:prstGeom>
-          <a:noFill/>
-        </p:spPr>
-        <p:txBody>
-          <a:bodyPr wrap="square" rtlCol="0">
-            <a:spAutoFit/>
-          </a:bodyPr>
-          <a:lstStyle/>
-          <a:p>
-            <a:pPr algn="just"/>
-            <a:r>
-              <a:rPr lang="fr-FR" dirty="0">
-                <a:latin typeface="Agency FB" panose="020B0503020202020204" pitchFamily="34" charset="0"/>
-              </a:rPr>
-              <a:t>Projet en groupe</a:t>
-            </a:r>
-          </a:p>
-        </p:txBody>
-      </p:sp>
-      <p:sp>
-        <p:nvSpPr>
-          <p:cNvPr id="17" name="ZoneTexte 16">
-            <a:extLst>
-              <a:ext uri="{FF2B5EF4-FFF2-40B4-BE49-F238E27FC236}">
-                <a16:creationId xmlns:a16="http://schemas.microsoft.com/office/drawing/2014/main" id="{D1F563A7-E0DC-46D4-97A3-E985313D3029}"/>
-              </a:ext>
-            </a:extLst>
-          </p:cNvPr>
-          <p:cNvSpPr txBox="1"/>
-          <p:nvPr/>
-        </p:nvSpPr>
-        <p:spPr>
-          <a:xfrm>
-            <a:off x="8071644" y="6442008"/>
-            <a:ext cx="1409468" cy="369332"/>
-          </a:xfrm>
-          <a:prstGeom prst="rect">
-            <a:avLst/>
-          </a:prstGeom>
-          <a:noFill/>
-        </p:spPr>
-        <p:txBody>
-          <a:bodyPr wrap="square" rtlCol="0">
-            <a:spAutoFit/>
-          </a:bodyPr>
-          <a:lstStyle/>
-          <a:p>
-            <a:pPr algn="just"/>
-            <a:r>
-              <a:rPr lang="fr-FR" dirty="0">
-                <a:latin typeface="Agency FB" panose="020B0503020202020204" pitchFamily="34" charset="0"/>
-              </a:rPr>
-              <a:t>Projet personnel</a:t>
-            </a:r>
-          </a:p>
-        </p:txBody>
-      </p:sp>
-      <p:sp>
-        <p:nvSpPr>
-          <p:cNvPr id="18" name="ZoneTexte 17">
-            <a:extLst>
-              <a:ext uri="{FF2B5EF4-FFF2-40B4-BE49-F238E27FC236}">
-                <a16:creationId xmlns:a16="http://schemas.microsoft.com/office/drawing/2014/main" id="{0377237B-37B0-4113-A8D5-CC141D5F81D3}"/>
-              </a:ext>
-            </a:extLst>
-          </p:cNvPr>
-          <p:cNvSpPr txBox="1"/>
-          <p:nvPr/>
-        </p:nvSpPr>
-        <p:spPr>
-          <a:xfrm>
-            <a:off x="10053722" y="6442008"/>
-            <a:ext cx="1040998" cy="369332"/>
-          </a:xfrm>
-          <a:prstGeom prst="rect">
-            <a:avLst/>
-          </a:prstGeom>
-          <a:noFill/>
-        </p:spPr>
-        <p:txBody>
-          <a:bodyPr wrap="square" rtlCol="0">
-            <a:spAutoFit/>
-          </a:bodyPr>
-          <a:lstStyle/>
-          <a:p>
-            <a:pPr algn="just"/>
-            <a:r>
-              <a:rPr lang="fr-FR" dirty="0">
-                <a:latin typeface="Agency FB" panose="020B0503020202020204" pitchFamily="34" charset="0"/>
-              </a:rPr>
-              <a:t>Conclusion</a:t>
-            </a:r>
-          </a:p>
-        </p:txBody>
-      </p:sp>
+        </p:grpSpPr>
+        <p:sp>
+          <p:nvSpPr>
+            <p:cNvPr id="14" name="ZoneTexte 13">
+              <a:extLst>
+                <a:ext uri="{FF2B5EF4-FFF2-40B4-BE49-F238E27FC236}">
+                  <a16:creationId xmlns:a16="http://schemas.microsoft.com/office/drawing/2014/main" id="{471E22CC-3A2A-4E27-B85D-E19F0C950E03}"/>
+                </a:ext>
+              </a:extLst>
+            </p:cNvPr>
+            <p:cNvSpPr txBox="1"/>
+            <p:nvPr/>
+          </p:nvSpPr>
+          <p:spPr>
+            <a:xfrm>
+              <a:off x="1693094" y="6442008"/>
+              <a:ext cx="1068371" cy="369332"/>
+            </a:xfrm>
+            <a:prstGeom prst="rect">
+              <a:avLst/>
+            </a:prstGeom>
+            <a:noFill/>
+          </p:spPr>
+          <p:txBody>
+            <a:bodyPr wrap="square" rtlCol="0">
+              <a:spAutoFit/>
+            </a:bodyPr>
+            <a:lstStyle/>
+            <a:p>
+              <a:pPr algn="just"/>
+              <a:r>
+                <a:rPr lang="fr-FR" dirty="0">
+                  <a:solidFill>
+                    <a:schemeClr val="bg1"/>
+                  </a:solidFill>
+                  <a:latin typeface="Agency FB" panose="020B0503020202020204" pitchFamily="34" charset="0"/>
+                </a:rPr>
+                <a:t>Introduction</a:t>
+              </a:r>
+            </a:p>
+          </p:txBody>
+        </p:sp>
+        <p:sp>
+          <p:nvSpPr>
+            <p:cNvPr id="15" name="ZoneTexte 14">
+              <a:extLst>
+                <a:ext uri="{FF2B5EF4-FFF2-40B4-BE49-F238E27FC236}">
+                  <a16:creationId xmlns:a16="http://schemas.microsoft.com/office/drawing/2014/main" id="{153FC371-398A-43C4-8B2B-0504F565CAFC}"/>
+                </a:ext>
+              </a:extLst>
+            </p:cNvPr>
+            <p:cNvSpPr txBox="1"/>
+            <p:nvPr/>
+          </p:nvSpPr>
+          <p:spPr>
+            <a:xfrm>
+              <a:off x="3409929" y="6442008"/>
+              <a:ext cx="2107025" cy="369332"/>
+            </a:xfrm>
+            <a:prstGeom prst="rect">
+              <a:avLst/>
+            </a:prstGeom>
+            <a:noFill/>
+          </p:spPr>
+          <p:txBody>
+            <a:bodyPr wrap="square" rtlCol="0">
+              <a:spAutoFit/>
+            </a:bodyPr>
+            <a:lstStyle/>
+            <a:p>
+              <a:pPr algn="just"/>
+              <a:r>
+                <a:rPr lang="fr-FR" dirty="0">
+                  <a:solidFill>
+                    <a:schemeClr val="bg1"/>
+                  </a:solidFill>
+                  <a:latin typeface="Agency FB" panose="020B0503020202020204" pitchFamily="34" charset="0"/>
+                </a:rPr>
+                <a:t>Présentation de PROXIDEJ</a:t>
+              </a:r>
+            </a:p>
+          </p:txBody>
+        </p:sp>
+        <p:sp>
+          <p:nvSpPr>
+            <p:cNvPr id="16" name="ZoneTexte 15">
+              <a:extLst>
+                <a:ext uri="{FF2B5EF4-FFF2-40B4-BE49-F238E27FC236}">
+                  <a16:creationId xmlns:a16="http://schemas.microsoft.com/office/drawing/2014/main" id="{77EB3CCB-14F0-480E-A8A3-6962C02FD1E8}"/>
+                </a:ext>
+              </a:extLst>
+            </p:cNvPr>
+            <p:cNvSpPr txBox="1"/>
+            <p:nvPr/>
+          </p:nvSpPr>
+          <p:spPr>
+            <a:xfrm>
+              <a:off x="6089564" y="6442008"/>
+              <a:ext cx="1409469" cy="369332"/>
+            </a:xfrm>
+            <a:prstGeom prst="rect">
+              <a:avLst/>
+            </a:prstGeom>
+            <a:noFill/>
+          </p:spPr>
+          <p:txBody>
+            <a:bodyPr wrap="square" rtlCol="0">
+              <a:spAutoFit/>
+            </a:bodyPr>
+            <a:lstStyle/>
+            <a:p>
+              <a:pPr algn="just"/>
+              <a:r>
+                <a:rPr lang="fr-FR" dirty="0">
+                  <a:solidFill>
+                    <a:schemeClr val="bg1"/>
+                  </a:solidFill>
+                  <a:latin typeface="Agency FB" panose="020B0503020202020204" pitchFamily="34" charset="0"/>
+                </a:rPr>
+                <a:t>Projet en groupe</a:t>
+              </a:r>
+            </a:p>
+          </p:txBody>
+        </p:sp>
+        <p:sp>
+          <p:nvSpPr>
+            <p:cNvPr id="17" name="ZoneTexte 16">
+              <a:extLst>
+                <a:ext uri="{FF2B5EF4-FFF2-40B4-BE49-F238E27FC236}">
+                  <a16:creationId xmlns:a16="http://schemas.microsoft.com/office/drawing/2014/main" id="{D1F563A7-E0DC-46D4-97A3-E985313D3029}"/>
+                </a:ext>
+              </a:extLst>
+            </p:cNvPr>
+            <p:cNvSpPr txBox="1"/>
+            <p:nvPr/>
+          </p:nvSpPr>
+          <p:spPr>
+            <a:xfrm>
+              <a:off x="8071644" y="6442008"/>
+              <a:ext cx="1409468" cy="369332"/>
+            </a:xfrm>
+            <a:prstGeom prst="rect">
+              <a:avLst/>
+            </a:prstGeom>
+            <a:noFill/>
+          </p:spPr>
+          <p:txBody>
+            <a:bodyPr wrap="square" rtlCol="0">
+              <a:spAutoFit/>
+            </a:bodyPr>
+            <a:lstStyle/>
+            <a:p>
+              <a:pPr algn="just"/>
+              <a:r>
+                <a:rPr lang="fr-FR" dirty="0">
+                  <a:solidFill>
+                    <a:schemeClr val="bg1"/>
+                  </a:solidFill>
+                  <a:latin typeface="Agency FB" panose="020B0503020202020204" pitchFamily="34" charset="0"/>
+                </a:rPr>
+                <a:t>Projet personnel</a:t>
+              </a:r>
+            </a:p>
+          </p:txBody>
+        </p:sp>
+        <p:sp>
+          <p:nvSpPr>
+            <p:cNvPr id="18" name="ZoneTexte 17">
+              <a:extLst>
+                <a:ext uri="{FF2B5EF4-FFF2-40B4-BE49-F238E27FC236}">
+                  <a16:creationId xmlns:a16="http://schemas.microsoft.com/office/drawing/2014/main" id="{0377237B-37B0-4113-A8D5-CC141D5F81D3}"/>
+                </a:ext>
+              </a:extLst>
+            </p:cNvPr>
+            <p:cNvSpPr txBox="1"/>
+            <p:nvPr/>
+          </p:nvSpPr>
+          <p:spPr>
+            <a:xfrm>
+              <a:off x="10053722" y="6442008"/>
+              <a:ext cx="1040998" cy="369332"/>
+            </a:xfrm>
+            <a:prstGeom prst="rect">
+              <a:avLst/>
+            </a:prstGeom>
+            <a:noFill/>
+          </p:spPr>
+          <p:txBody>
+            <a:bodyPr wrap="square" rtlCol="0">
+              <a:spAutoFit/>
+            </a:bodyPr>
+            <a:lstStyle/>
+            <a:p>
+              <a:pPr algn="just"/>
+              <a:r>
+                <a:rPr lang="fr-FR" dirty="0">
+                  <a:solidFill>
+                    <a:schemeClr val="bg1"/>
+                  </a:solidFill>
+                  <a:latin typeface="Agency FB" panose="020B0503020202020204" pitchFamily="34" charset="0"/>
+                </a:rPr>
+                <a:t>Conclusion</a:t>
+              </a:r>
+            </a:p>
+          </p:txBody>
+        </p:sp>
+      </p:grpSp>
     </p:spTree>
     <p:extLst>
       <p:ext uri="{BB962C8B-B14F-4D97-AF65-F5344CB8AC3E}">
@@ -9778,6 +11413,13 @@
         </p:nvPicPr>
         <p:blipFill>
           <a:blip r:embed="rId5" cstate="print">
+            <a:duotone>
+              <a:schemeClr val="bg2">
+                <a:shade val="45000"/>
+                <a:satMod val="135000"/>
+              </a:schemeClr>
+              <a:prstClr val="white"/>
+            </a:duotone>
             <a:extLst>
               <a:ext uri="{28A0092B-C50C-407E-A947-70E740481C1C}">
                 <a14:useLocalDpi xmlns:a14="http://schemas.microsoft.com/office/drawing/2010/main" val="0"/>
@@ -9795,196 +11437,232 @@
           </a:xfrm>
         </p:spPr>
       </p:pic>
-      <p:sp>
-        <p:nvSpPr>
-          <p:cNvPr id="15" name="ZoneTexte 14">
+      <p:grpSp>
+        <p:nvGrpSpPr>
+          <p:cNvPr id="20" name="Groupe 19">
             <a:extLst>
               <a:ext uri="{FF2B5EF4-FFF2-40B4-BE49-F238E27FC236}">
-                <a16:creationId xmlns:a16="http://schemas.microsoft.com/office/drawing/2014/main" id="{8A5CB48D-E055-48EA-9A03-1B8D7236212F}"/>
+                <a16:creationId xmlns:a16="http://schemas.microsoft.com/office/drawing/2014/main" id="{73F892AD-26CC-4901-8C3F-DABFEB35B9C7}"/>
               </a:ext>
             </a:extLst>
           </p:cNvPr>
-          <p:cNvSpPr txBox="1"/>
+          <p:cNvGrpSpPr/>
           <p:nvPr/>
-        </p:nvSpPr>
-        <p:spPr>
+        </p:nvGrpSpPr>
+        <p:grpSpPr>
           <a:xfrm>
             <a:off x="1693094" y="6442008"/>
-            <a:ext cx="1068371" cy="369332"/>
+            <a:ext cx="9401626" cy="369332"/>
+            <a:chOff x="1693094" y="6442008"/>
+            <a:chExt cx="9401626" cy="369332"/>
           </a:xfrm>
-          <a:prstGeom prst="rect">
-            <a:avLst/>
-          </a:prstGeom>
-          <a:noFill/>
-        </p:spPr>
-        <p:txBody>
-          <a:bodyPr wrap="square" rtlCol="0">
-            <a:spAutoFit/>
-          </a:bodyPr>
-          <a:lstStyle/>
-          <a:p>
-            <a:pPr algn="just"/>
-            <a:r>
-              <a:rPr lang="fr-FR" dirty="0">
-                <a:latin typeface="Agency FB" panose="020B0503020202020204" pitchFamily="34" charset="0"/>
-              </a:rPr>
-              <a:t>Introduction</a:t>
-            </a:r>
-          </a:p>
-        </p:txBody>
-      </p:sp>
-      <p:sp>
-        <p:nvSpPr>
-          <p:cNvPr id="16" name="ZoneTexte 15">
-            <a:extLst>
-              <a:ext uri="{FF2B5EF4-FFF2-40B4-BE49-F238E27FC236}">
-                <a16:creationId xmlns:a16="http://schemas.microsoft.com/office/drawing/2014/main" id="{66081493-C009-4CBE-980A-97A52AB3D575}"/>
-              </a:ext>
-            </a:extLst>
-          </p:cNvPr>
-          <p:cNvSpPr txBox="1"/>
-          <p:nvPr/>
-        </p:nvSpPr>
-        <p:spPr>
-          <a:xfrm>
-            <a:off x="3409929" y="6442008"/>
-            <a:ext cx="2107025" cy="369332"/>
-          </a:xfrm>
-          <a:prstGeom prst="rect">
-            <a:avLst/>
-          </a:prstGeom>
-          <a:noFill/>
-        </p:spPr>
-        <p:txBody>
-          <a:bodyPr wrap="square" rtlCol="0">
-            <a:spAutoFit/>
-          </a:bodyPr>
-          <a:lstStyle/>
-          <a:p>
-            <a:pPr algn="just"/>
-            <a:r>
-              <a:rPr lang="fr-FR" dirty="0">
-                <a:latin typeface="Agency FB" panose="020B0503020202020204" pitchFamily="34" charset="0"/>
-              </a:rPr>
-              <a:t>Présentation de PROXIDEJ</a:t>
-            </a:r>
-          </a:p>
-        </p:txBody>
-      </p:sp>
-      <p:sp>
-        <p:nvSpPr>
-          <p:cNvPr id="17" name="ZoneTexte 16">
-            <a:extLst>
-              <a:ext uri="{FF2B5EF4-FFF2-40B4-BE49-F238E27FC236}">
-                <a16:creationId xmlns:a16="http://schemas.microsoft.com/office/drawing/2014/main" id="{9DC7B766-D431-429A-9C44-131B8443066B}"/>
-              </a:ext>
-            </a:extLst>
-          </p:cNvPr>
-          <p:cNvSpPr txBox="1"/>
-          <p:nvPr/>
-        </p:nvSpPr>
-        <p:spPr>
-          <a:xfrm>
-            <a:off x="6089564" y="6442008"/>
-            <a:ext cx="1409469" cy="369332"/>
-          </a:xfrm>
-          <a:prstGeom prst="rect">
-            <a:avLst/>
-          </a:prstGeom>
-          <a:noFill/>
-        </p:spPr>
-        <p:txBody>
-          <a:bodyPr wrap="square" rtlCol="0">
-            <a:spAutoFit/>
-          </a:bodyPr>
-          <a:lstStyle/>
-          <a:p>
-            <a:pPr algn="just"/>
-            <a:r>
-              <a:rPr lang="fr-FR" dirty="0">
-                <a:latin typeface="Agency FB" panose="020B0503020202020204" pitchFamily="34" charset="0"/>
-              </a:rPr>
-              <a:t>Projet en groupe</a:t>
-            </a:r>
-          </a:p>
-        </p:txBody>
-      </p:sp>
-      <p:sp>
-        <p:nvSpPr>
-          <p:cNvPr id="18" name="ZoneTexte 17">
-            <a:extLst>
-              <a:ext uri="{FF2B5EF4-FFF2-40B4-BE49-F238E27FC236}">
-                <a16:creationId xmlns:a16="http://schemas.microsoft.com/office/drawing/2014/main" id="{ED65F325-4B0A-4F40-B53F-943C243EA84A}"/>
-              </a:ext>
-            </a:extLst>
-          </p:cNvPr>
-          <p:cNvSpPr txBox="1"/>
-          <p:nvPr/>
-        </p:nvSpPr>
-        <p:spPr>
-          <a:xfrm>
-            <a:off x="8071644" y="6442008"/>
-            <a:ext cx="1409468" cy="369332"/>
-          </a:xfrm>
-          <a:prstGeom prst="rect">
-            <a:avLst/>
-          </a:prstGeom>
-          <a:noFill/>
-        </p:spPr>
-        <p:txBody>
-          <a:bodyPr wrap="square" rtlCol="0">
-            <a:spAutoFit/>
-          </a:bodyPr>
-          <a:lstStyle/>
-          <a:p>
-            <a:pPr algn="just"/>
-            <a:r>
-              <a:rPr lang="fr-FR" dirty="0">
-                <a:latin typeface="Agency FB" panose="020B0503020202020204" pitchFamily="34" charset="0"/>
-              </a:rPr>
-              <a:t>Projet personnel</a:t>
-            </a:r>
-          </a:p>
-        </p:txBody>
-      </p:sp>
-      <p:sp>
-        <p:nvSpPr>
-          <p:cNvPr id="19" name="ZoneTexte 18">
-            <a:extLst>
-              <a:ext uri="{FF2B5EF4-FFF2-40B4-BE49-F238E27FC236}">
-                <a16:creationId xmlns:a16="http://schemas.microsoft.com/office/drawing/2014/main" id="{B9836F88-72B5-41C1-98A0-BE1514F0A098}"/>
-              </a:ext>
-            </a:extLst>
-          </p:cNvPr>
-          <p:cNvSpPr txBox="1"/>
-          <p:nvPr/>
-        </p:nvSpPr>
-        <p:spPr>
-          <a:xfrm>
-            <a:off x="10053722" y="6442008"/>
-            <a:ext cx="1040998" cy="369332"/>
-          </a:xfrm>
-          <a:prstGeom prst="rect">
-            <a:avLst/>
-          </a:prstGeom>
-          <a:noFill/>
-        </p:spPr>
-        <p:txBody>
-          <a:bodyPr wrap="square" rtlCol="0">
-            <a:spAutoFit/>
-          </a:bodyPr>
-          <a:lstStyle/>
-          <a:p>
-            <a:pPr algn="just"/>
-            <a:r>
-              <a:rPr lang="fr-FR" dirty="0">
-                <a:latin typeface="Agency FB" panose="020B0503020202020204" pitchFamily="34" charset="0"/>
-              </a:rPr>
-              <a:t>Conclusion</a:t>
-            </a:r>
-          </a:p>
-        </p:txBody>
-      </p:sp>
+        </p:grpSpPr>
+        <p:sp>
+          <p:nvSpPr>
+            <p:cNvPr id="21" name="ZoneTexte 20">
+              <a:extLst>
+                <a:ext uri="{FF2B5EF4-FFF2-40B4-BE49-F238E27FC236}">
+                  <a16:creationId xmlns:a16="http://schemas.microsoft.com/office/drawing/2014/main" id="{434B7829-80C8-4B52-8311-DF408EB9D6B0}"/>
+                </a:ext>
+              </a:extLst>
+            </p:cNvPr>
+            <p:cNvSpPr txBox="1"/>
+            <p:nvPr/>
+          </p:nvSpPr>
+          <p:spPr>
+            <a:xfrm>
+              <a:off x="1693094" y="6442008"/>
+              <a:ext cx="1068371" cy="369332"/>
+            </a:xfrm>
+            <a:prstGeom prst="rect">
+              <a:avLst/>
+            </a:prstGeom>
+            <a:noFill/>
+          </p:spPr>
+          <p:txBody>
+            <a:bodyPr wrap="square" rtlCol="0">
+              <a:spAutoFit/>
+            </a:bodyPr>
+            <a:lstStyle/>
+            <a:p>
+              <a:pPr algn="just"/>
+              <a:r>
+                <a:rPr lang="fr-FR" dirty="0">
+                  <a:solidFill>
+                    <a:schemeClr val="bg1"/>
+                  </a:solidFill>
+                  <a:latin typeface="Agency FB" panose="020B0503020202020204" pitchFamily="34" charset="0"/>
+                </a:rPr>
+                <a:t>Introduction</a:t>
+              </a:r>
+            </a:p>
+          </p:txBody>
+        </p:sp>
+        <p:sp>
+          <p:nvSpPr>
+            <p:cNvPr id="22" name="ZoneTexte 21">
+              <a:extLst>
+                <a:ext uri="{FF2B5EF4-FFF2-40B4-BE49-F238E27FC236}">
+                  <a16:creationId xmlns:a16="http://schemas.microsoft.com/office/drawing/2014/main" id="{BAE45AFD-534D-4C4A-8EFB-BF9C6261987D}"/>
+                </a:ext>
+              </a:extLst>
+            </p:cNvPr>
+            <p:cNvSpPr txBox="1"/>
+            <p:nvPr/>
+          </p:nvSpPr>
+          <p:spPr>
+            <a:xfrm>
+              <a:off x="3409929" y="6442008"/>
+              <a:ext cx="2107025" cy="369332"/>
+            </a:xfrm>
+            <a:prstGeom prst="rect">
+              <a:avLst/>
+            </a:prstGeom>
+            <a:noFill/>
+          </p:spPr>
+          <p:txBody>
+            <a:bodyPr wrap="square" rtlCol="0">
+              <a:spAutoFit/>
+            </a:bodyPr>
+            <a:lstStyle/>
+            <a:p>
+              <a:pPr algn="just"/>
+              <a:r>
+                <a:rPr lang="fr-FR" dirty="0">
+                  <a:solidFill>
+                    <a:schemeClr val="bg1"/>
+                  </a:solidFill>
+                  <a:latin typeface="Agency FB" panose="020B0503020202020204" pitchFamily="34" charset="0"/>
+                </a:rPr>
+                <a:t>Présentation de PROXIDEJ</a:t>
+              </a:r>
+            </a:p>
+          </p:txBody>
+        </p:sp>
+        <p:sp>
+          <p:nvSpPr>
+            <p:cNvPr id="23" name="ZoneTexte 22">
+              <a:extLst>
+                <a:ext uri="{FF2B5EF4-FFF2-40B4-BE49-F238E27FC236}">
+                  <a16:creationId xmlns:a16="http://schemas.microsoft.com/office/drawing/2014/main" id="{F071E24B-3190-4171-8A63-3481977243AF}"/>
+                </a:ext>
+              </a:extLst>
+            </p:cNvPr>
+            <p:cNvSpPr txBox="1"/>
+            <p:nvPr/>
+          </p:nvSpPr>
+          <p:spPr>
+            <a:xfrm>
+              <a:off x="6089564" y="6442008"/>
+              <a:ext cx="1409469" cy="369332"/>
+            </a:xfrm>
+            <a:prstGeom prst="rect">
+              <a:avLst/>
+            </a:prstGeom>
+            <a:noFill/>
+          </p:spPr>
+          <p:txBody>
+            <a:bodyPr wrap="square" rtlCol="0">
+              <a:spAutoFit/>
+            </a:bodyPr>
+            <a:lstStyle/>
+            <a:p>
+              <a:pPr algn="just"/>
+              <a:r>
+                <a:rPr lang="fr-FR" dirty="0">
+                  <a:solidFill>
+                    <a:schemeClr val="bg1"/>
+                  </a:solidFill>
+                  <a:latin typeface="Agency FB" panose="020B0503020202020204" pitchFamily="34" charset="0"/>
+                </a:rPr>
+                <a:t>Projet en groupe</a:t>
+              </a:r>
+            </a:p>
+          </p:txBody>
+        </p:sp>
+        <p:sp>
+          <p:nvSpPr>
+            <p:cNvPr id="24" name="ZoneTexte 23">
+              <a:extLst>
+                <a:ext uri="{FF2B5EF4-FFF2-40B4-BE49-F238E27FC236}">
+                  <a16:creationId xmlns:a16="http://schemas.microsoft.com/office/drawing/2014/main" id="{6B64697F-12BD-47DD-9B0F-4BB5199D955C}"/>
+                </a:ext>
+              </a:extLst>
+            </p:cNvPr>
+            <p:cNvSpPr txBox="1"/>
+            <p:nvPr/>
+          </p:nvSpPr>
+          <p:spPr>
+            <a:xfrm>
+              <a:off x="8071644" y="6442008"/>
+              <a:ext cx="1409468" cy="369332"/>
+            </a:xfrm>
+            <a:prstGeom prst="rect">
+              <a:avLst/>
+            </a:prstGeom>
+            <a:noFill/>
+          </p:spPr>
+          <p:txBody>
+            <a:bodyPr wrap="square" rtlCol="0">
+              <a:spAutoFit/>
+            </a:bodyPr>
+            <a:lstStyle/>
+            <a:p>
+              <a:pPr algn="just"/>
+              <a:r>
+                <a:rPr lang="fr-FR" dirty="0">
+                  <a:solidFill>
+                    <a:schemeClr val="bg1"/>
+                  </a:solidFill>
+                  <a:latin typeface="Agency FB" panose="020B0503020202020204" pitchFamily="34" charset="0"/>
+                </a:rPr>
+                <a:t>Projet personnel</a:t>
+              </a:r>
+            </a:p>
+          </p:txBody>
+        </p:sp>
+        <p:sp>
+          <p:nvSpPr>
+            <p:cNvPr id="25" name="ZoneTexte 24">
+              <a:extLst>
+                <a:ext uri="{FF2B5EF4-FFF2-40B4-BE49-F238E27FC236}">
+                  <a16:creationId xmlns:a16="http://schemas.microsoft.com/office/drawing/2014/main" id="{95E4DDF0-E8E9-48F7-95D4-E1F2EFDC23A2}"/>
+                </a:ext>
+              </a:extLst>
+            </p:cNvPr>
+            <p:cNvSpPr txBox="1"/>
+            <p:nvPr/>
+          </p:nvSpPr>
+          <p:spPr>
+            <a:xfrm>
+              <a:off x="10053722" y="6442008"/>
+              <a:ext cx="1040998" cy="369332"/>
+            </a:xfrm>
+            <a:prstGeom prst="rect">
+              <a:avLst/>
+            </a:prstGeom>
+            <a:noFill/>
+          </p:spPr>
+          <p:txBody>
+            <a:bodyPr wrap="square" rtlCol="0">
+              <a:spAutoFit/>
+            </a:bodyPr>
+            <a:lstStyle/>
+            <a:p>
+              <a:pPr algn="just"/>
+              <a:r>
+                <a:rPr lang="fr-FR" dirty="0">
+                  <a:solidFill>
+                    <a:schemeClr val="bg1"/>
+                  </a:solidFill>
+                  <a:latin typeface="Agency FB" panose="020B0503020202020204" pitchFamily="34" charset="0"/>
+                </a:rPr>
+                <a:t>Conclusion</a:t>
+              </a:r>
+            </a:p>
+          </p:txBody>
+        </p:sp>
+      </p:grpSp>
     </p:spTree>
     <p:extLst>
       <p:ext uri="{BB962C8B-B14F-4D97-AF65-F5344CB8AC3E}">
@@ -10894,6 +12572,13 @@
         </p:nvPicPr>
         <p:blipFill>
           <a:blip r:embed="rId2" cstate="print">
+            <a:duotone>
+              <a:schemeClr val="bg2">
+                <a:shade val="45000"/>
+                <a:satMod val="135000"/>
+              </a:schemeClr>
+              <a:prstClr val="white"/>
+            </a:duotone>
             <a:extLst>
               <a:ext uri="{28A0092B-C50C-407E-A947-70E740481C1C}">
                 <a14:useLocalDpi xmlns:a14="http://schemas.microsoft.com/office/drawing/2010/main" val="0"/>
@@ -10911,196 +12596,232 @@
           </a:xfrm>
         </p:spPr>
       </p:pic>
-      <p:sp>
-        <p:nvSpPr>
-          <p:cNvPr id="13" name="ZoneTexte 12">
+      <p:grpSp>
+        <p:nvGrpSpPr>
+          <p:cNvPr id="18" name="Groupe 17">
             <a:extLst>
               <a:ext uri="{FF2B5EF4-FFF2-40B4-BE49-F238E27FC236}">
-                <a16:creationId xmlns:a16="http://schemas.microsoft.com/office/drawing/2014/main" id="{66A84861-5292-43C8-AEF2-4AE47B1E5F39}"/>
+                <a16:creationId xmlns:a16="http://schemas.microsoft.com/office/drawing/2014/main" id="{5D93C249-A246-4A9C-B18A-3F3B6BEDFC02}"/>
               </a:ext>
             </a:extLst>
           </p:cNvPr>
-          <p:cNvSpPr txBox="1"/>
+          <p:cNvGrpSpPr/>
           <p:nvPr/>
-        </p:nvSpPr>
-        <p:spPr>
+        </p:nvGrpSpPr>
+        <p:grpSpPr>
           <a:xfrm>
             <a:off x="1693094" y="6442008"/>
-            <a:ext cx="1068371" cy="369332"/>
+            <a:ext cx="9401626" cy="369332"/>
+            <a:chOff x="1693094" y="6442008"/>
+            <a:chExt cx="9401626" cy="369332"/>
           </a:xfrm>
-          <a:prstGeom prst="rect">
-            <a:avLst/>
-          </a:prstGeom>
-          <a:noFill/>
-        </p:spPr>
-        <p:txBody>
-          <a:bodyPr wrap="square" rtlCol="0">
-            <a:spAutoFit/>
-          </a:bodyPr>
-          <a:lstStyle/>
-          <a:p>
-            <a:pPr algn="just"/>
-            <a:r>
-              <a:rPr lang="fr-FR" dirty="0">
-                <a:latin typeface="Agency FB" panose="020B0503020202020204" pitchFamily="34" charset="0"/>
-              </a:rPr>
-              <a:t>Introduction</a:t>
-            </a:r>
-          </a:p>
-        </p:txBody>
-      </p:sp>
-      <p:sp>
-        <p:nvSpPr>
-          <p:cNvPr id="14" name="ZoneTexte 13">
-            <a:extLst>
-              <a:ext uri="{FF2B5EF4-FFF2-40B4-BE49-F238E27FC236}">
-                <a16:creationId xmlns:a16="http://schemas.microsoft.com/office/drawing/2014/main" id="{F991C64A-2269-4532-A809-EBF3EEADD7B1}"/>
-              </a:ext>
-            </a:extLst>
-          </p:cNvPr>
-          <p:cNvSpPr txBox="1"/>
-          <p:nvPr/>
-        </p:nvSpPr>
-        <p:spPr>
-          <a:xfrm>
-            <a:off x="3409929" y="6442008"/>
-            <a:ext cx="2107025" cy="369332"/>
-          </a:xfrm>
-          <a:prstGeom prst="rect">
-            <a:avLst/>
-          </a:prstGeom>
-          <a:noFill/>
-        </p:spPr>
-        <p:txBody>
-          <a:bodyPr wrap="square" rtlCol="0">
-            <a:spAutoFit/>
-          </a:bodyPr>
-          <a:lstStyle/>
-          <a:p>
-            <a:pPr algn="just"/>
-            <a:r>
-              <a:rPr lang="fr-FR" dirty="0">
-                <a:latin typeface="Agency FB" panose="020B0503020202020204" pitchFamily="34" charset="0"/>
-              </a:rPr>
-              <a:t>Présentation de PROXIDEJ</a:t>
-            </a:r>
-          </a:p>
-        </p:txBody>
-      </p:sp>
-      <p:sp>
-        <p:nvSpPr>
-          <p:cNvPr id="15" name="ZoneTexte 14">
-            <a:extLst>
-              <a:ext uri="{FF2B5EF4-FFF2-40B4-BE49-F238E27FC236}">
-                <a16:creationId xmlns:a16="http://schemas.microsoft.com/office/drawing/2014/main" id="{72E43E08-6219-499B-91D6-EC39B11225BF}"/>
-              </a:ext>
-            </a:extLst>
-          </p:cNvPr>
-          <p:cNvSpPr txBox="1"/>
-          <p:nvPr/>
-        </p:nvSpPr>
-        <p:spPr>
-          <a:xfrm>
-            <a:off x="6089564" y="6442008"/>
-            <a:ext cx="1409469" cy="369332"/>
-          </a:xfrm>
-          <a:prstGeom prst="rect">
-            <a:avLst/>
-          </a:prstGeom>
-          <a:noFill/>
-        </p:spPr>
-        <p:txBody>
-          <a:bodyPr wrap="square" rtlCol="0">
-            <a:spAutoFit/>
-          </a:bodyPr>
-          <a:lstStyle/>
-          <a:p>
-            <a:pPr algn="just"/>
-            <a:r>
-              <a:rPr lang="fr-FR" dirty="0">
-                <a:latin typeface="Agency FB" panose="020B0503020202020204" pitchFamily="34" charset="0"/>
-              </a:rPr>
-              <a:t>Projet en groupe</a:t>
-            </a:r>
-          </a:p>
-        </p:txBody>
-      </p:sp>
-      <p:sp>
-        <p:nvSpPr>
-          <p:cNvPr id="16" name="ZoneTexte 15">
-            <a:extLst>
-              <a:ext uri="{FF2B5EF4-FFF2-40B4-BE49-F238E27FC236}">
-                <a16:creationId xmlns:a16="http://schemas.microsoft.com/office/drawing/2014/main" id="{7AE77000-C5F8-4F23-BE28-E03B105AB0C2}"/>
-              </a:ext>
-            </a:extLst>
-          </p:cNvPr>
-          <p:cNvSpPr txBox="1"/>
-          <p:nvPr/>
-        </p:nvSpPr>
-        <p:spPr>
-          <a:xfrm>
-            <a:off x="8071644" y="6442008"/>
-            <a:ext cx="1409468" cy="369332"/>
-          </a:xfrm>
-          <a:prstGeom prst="rect">
-            <a:avLst/>
-          </a:prstGeom>
-          <a:noFill/>
-        </p:spPr>
-        <p:txBody>
-          <a:bodyPr wrap="square" rtlCol="0">
-            <a:spAutoFit/>
-          </a:bodyPr>
-          <a:lstStyle/>
-          <a:p>
-            <a:pPr algn="just"/>
-            <a:r>
-              <a:rPr lang="fr-FR" dirty="0">
-                <a:latin typeface="Agency FB" panose="020B0503020202020204" pitchFamily="34" charset="0"/>
-              </a:rPr>
-              <a:t>Projet personnel</a:t>
-            </a:r>
-          </a:p>
-        </p:txBody>
-      </p:sp>
-      <p:sp>
-        <p:nvSpPr>
-          <p:cNvPr id="17" name="ZoneTexte 16">
-            <a:extLst>
-              <a:ext uri="{FF2B5EF4-FFF2-40B4-BE49-F238E27FC236}">
-                <a16:creationId xmlns:a16="http://schemas.microsoft.com/office/drawing/2014/main" id="{EB699732-0172-4002-9B88-1A5621642E23}"/>
-              </a:ext>
-            </a:extLst>
-          </p:cNvPr>
-          <p:cNvSpPr txBox="1"/>
-          <p:nvPr/>
-        </p:nvSpPr>
-        <p:spPr>
-          <a:xfrm>
-            <a:off x="10053722" y="6442008"/>
-            <a:ext cx="1040998" cy="369332"/>
-          </a:xfrm>
-          <a:prstGeom prst="rect">
-            <a:avLst/>
-          </a:prstGeom>
-          <a:noFill/>
-        </p:spPr>
-        <p:txBody>
-          <a:bodyPr wrap="square" rtlCol="0">
-            <a:spAutoFit/>
-          </a:bodyPr>
-          <a:lstStyle/>
-          <a:p>
-            <a:pPr algn="just"/>
-            <a:r>
-              <a:rPr lang="fr-FR" dirty="0">
-                <a:latin typeface="Agency FB" panose="020B0503020202020204" pitchFamily="34" charset="0"/>
-              </a:rPr>
-              <a:t>Conclusion</a:t>
-            </a:r>
-          </a:p>
-        </p:txBody>
-      </p:sp>
+        </p:grpSpPr>
+        <p:sp>
+          <p:nvSpPr>
+            <p:cNvPr id="19" name="ZoneTexte 18">
+              <a:extLst>
+                <a:ext uri="{FF2B5EF4-FFF2-40B4-BE49-F238E27FC236}">
+                  <a16:creationId xmlns:a16="http://schemas.microsoft.com/office/drawing/2014/main" id="{52320AE6-C01F-4EE2-B3A7-57DAE484A2AA}"/>
+                </a:ext>
+              </a:extLst>
+            </p:cNvPr>
+            <p:cNvSpPr txBox="1"/>
+            <p:nvPr/>
+          </p:nvSpPr>
+          <p:spPr>
+            <a:xfrm>
+              <a:off x="1693094" y="6442008"/>
+              <a:ext cx="1068371" cy="369332"/>
+            </a:xfrm>
+            <a:prstGeom prst="rect">
+              <a:avLst/>
+            </a:prstGeom>
+            <a:noFill/>
+          </p:spPr>
+          <p:txBody>
+            <a:bodyPr wrap="square" rtlCol="0">
+              <a:spAutoFit/>
+            </a:bodyPr>
+            <a:lstStyle/>
+            <a:p>
+              <a:pPr algn="just"/>
+              <a:r>
+                <a:rPr lang="fr-FR" dirty="0">
+                  <a:solidFill>
+                    <a:schemeClr val="bg1"/>
+                  </a:solidFill>
+                  <a:latin typeface="Agency FB" panose="020B0503020202020204" pitchFamily="34" charset="0"/>
+                </a:rPr>
+                <a:t>Introduction</a:t>
+              </a:r>
+            </a:p>
+          </p:txBody>
+        </p:sp>
+        <p:sp>
+          <p:nvSpPr>
+            <p:cNvPr id="20" name="ZoneTexte 19">
+              <a:extLst>
+                <a:ext uri="{FF2B5EF4-FFF2-40B4-BE49-F238E27FC236}">
+                  <a16:creationId xmlns:a16="http://schemas.microsoft.com/office/drawing/2014/main" id="{B449B592-BB25-483F-AC8A-A32FEDECAD19}"/>
+                </a:ext>
+              </a:extLst>
+            </p:cNvPr>
+            <p:cNvSpPr txBox="1"/>
+            <p:nvPr/>
+          </p:nvSpPr>
+          <p:spPr>
+            <a:xfrm>
+              <a:off x="3409929" y="6442008"/>
+              <a:ext cx="2107025" cy="369332"/>
+            </a:xfrm>
+            <a:prstGeom prst="rect">
+              <a:avLst/>
+            </a:prstGeom>
+            <a:noFill/>
+          </p:spPr>
+          <p:txBody>
+            <a:bodyPr wrap="square" rtlCol="0">
+              <a:spAutoFit/>
+            </a:bodyPr>
+            <a:lstStyle/>
+            <a:p>
+              <a:pPr algn="just"/>
+              <a:r>
+                <a:rPr lang="fr-FR" dirty="0">
+                  <a:solidFill>
+                    <a:schemeClr val="bg1"/>
+                  </a:solidFill>
+                  <a:latin typeface="Agency FB" panose="020B0503020202020204" pitchFamily="34" charset="0"/>
+                </a:rPr>
+                <a:t>Présentation de PROXIDEJ</a:t>
+              </a:r>
+            </a:p>
+          </p:txBody>
+        </p:sp>
+        <p:sp>
+          <p:nvSpPr>
+            <p:cNvPr id="21" name="ZoneTexte 20">
+              <a:extLst>
+                <a:ext uri="{FF2B5EF4-FFF2-40B4-BE49-F238E27FC236}">
+                  <a16:creationId xmlns:a16="http://schemas.microsoft.com/office/drawing/2014/main" id="{A8B9CCD0-7113-4836-AECF-69169CD3D370}"/>
+                </a:ext>
+              </a:extLst>
+            </p:cNvPr>
+            <p:cNvSpPr txBox="1"/>
+            <p:nvPr/>
+          </p:nvSpPr>
+          <p:spPr>
+            <a:xfrm>
+              <a:off x="6089564" y="6442008"/>
+              <a:ext cx="1409469" cy="369332"/>
+            </a:xfrm>
+            <a:prstGeom prst="rect">
+              <a:avLst/>
+            </a:prstGeom>
+            <a:noFill/>
+          </p:spPr>
+          <p:txBody>
+            <a:bodyPr wrap="square" rtlCol="0">
+              <a:spAutoFit/>
+            </a:bodyPr>
+            <a:lstStyle/>
+            <a:p>
+              <a:pPr algn="just"/>
+              <a:r>
+                <a:rPr lang="fr-FR" dirty="0">
+                  <a:solidFill>
+                    <a:schemeClr val="bg1"/>
+                  </a:solidFill>
+                  <a:latin typeface="Agency FB" panose="020B0503020202020204" pitchFamily="34" charset="0"/>
+                </a:rPr>
+                <a:t>Projet en groupe</a:t>
+              </a:r>
+            </a:p>
+          </p:txBody>
+        </p:sp>
+        <p:sp>
+          <p:nvSpPr>
+            <p:cNvPr id="22" name="ZoneTexte 21">
+              <a:extLst>
+                <a:ext uri="{FF2B5EF4-FFF2-40B4-BE49-F238E27FC236}">
+                  <a16:creationId xmlns:a16="http://schemas.microsoft.com/office/drawing/2014/main" id="{1AD2104B-AD12-43BB-97D3-435F19AAC158}"/>
+                </a:ext>
+              </a:extLst>
+            </p:cNvPr>
+            <p:cNvSpPr txBox="1"/>
+            <p:nvPr/>
+          </p:nvSpPr>
+          <p:spPr>
+            <a:xfrm>
+              <a:off x="8071644" y="6442008"/>
+              <a:ext cx="1409468" cy="369332"/>
+            </a:xfrm>
+            <a:prstGeom prst="rect">
+              <a:avLst/>
+            </a:prstGeom>
+            <a:noFill/>
+          </p:spPr>
+          <p:txBody>
+            <a:bodyPr wrap="square" rtlCol="0">
+              <a:spAutoFit/>
+            </a:bodyPr>
+            <a:lstStyle/>
+            <a:p>
+              <a:pPr algn="just"/>
+              <a:r>
+                <a:rPr lang="fr-FR" dirty="0">
+                  <a:solidFill>
+                    <a:schemeClr val="bg1"/>
+                  </a:solidFill>
+                  <a:latin typeface="Agency FB" panose="020B0503020202020204" pitchFamily="34" charset="0"/>
+                </a:rPr>
+                <a:t>Projet personnel</a:t>
+              </a:r>
+            </a:p>
+          </p:txBody>
+        </p:sp>
+        <p:sp>
+          <p:nvSpPr>
+            <p:cNvPr id="23" name="ZoneTexte 22">
+              <a:extLst>
+                <a:ext uri="{FF2B5EF4-FFF2-40B4-BE49-F238E27FC236}">
+                  <a16:creationId xmlns:a16="http://schemas.microsoft.com/office/drawing/2014/main" id="{C77AE146-12F2-49C9-8E89-0E45ECA642E7}"/>
+                </a:ext>
+              </a:extLst>
+            </p:cNvPr>
+            <p:cNvSpPr txBox="1"/>
+            <p:nvPr/>
+          </p:nvSpPr>
+          <p:spPr>
+            <a:xfrm>
+              <a:off x="10053722" y="6442008"/>
+              <a:ext cx="1040998" cy="369332"/>
+            </a:xfrm>
+            <a:prstGeom prst="rect">
+              <a:avLst/>
+            </a:prstGeom>
+            <a:noFill/>
+          </p:spPr>
+          <p:txBody>
+            <a:bodyPr wrap="square" rtlCol="0">
+              <a:spAutoFit/>
+            </a:bodyPr>
+            <a:lstStyle/>
+            <a:p>
+              <a:pPr algn="just"/>
+              <a:r>
+                <a:rPr lang="fr-FR" dirty="0">
+                  <a:solidFill>
+                    <a:schemeClr val="bg1"/>
+                  </a:solidFill>
+                  <a:latin typeface="Agency FB" panose="020B0503020202020204" pitchFamily="34" charset="0"/>
+                </a:rPr>
+                <a:t>Conclusion</a:t>
+              </a:r>
+            </a:p>
+          </p:txBody>
+        </p:sp>
+      </p:grpSp>
     </p:spTree>
     <p:extLst>
       <p:ext uri="{BB962C8B-B14F-4D97-AF65-F5344CB8AC3E}">
@@ -11810,196 +13531,6 @@
           </a:prstGeom>
         </p:spPr>
       </p:pic>
-      <p:sp>
-        <p:nvSpPr>
-          <p:cNvPr id="7" name="ZoneTexte 6">
-            <a:extLst>
-              <a:ext uri="{FF2B5EF4-FFF2-40B4-BE49-F238E27FC236}">
-                <a16:creationId xmlns:a16="http://schemas.microsoft.com/office/drawing/2014/main" id="{B33501FE-C8F0-4C32-B27F-5D5275CD89B2}"/>
-              </a:ext>
-            </a:extLst>
-          </p:cNvPr>
-          <p:cNvSpPr txBox="1"/>
-          <p:nvPr/>
-        </p:nvSpPr>
-        <p:spPr>
-          <a:xfrm>
-            <a:off x="1693094" y="6442008"/>
-            <a:ext cx="1068371" cy="369332"/>
-          </a:xfrm>
-          <a:prstGeom prst="rect">
-            <a:avLst/>
-          </a:prstGeom>
-          <a:noFill/>
-        </p:spPr>
-        <p:txBody>
-          <a:bodyPr wrap="square" rtlCol="0">
-            <a:spAutoFit/>
-          </a:bodyPr>
-          <a:lstStyle/>
-          <a:p>
-            <a:pPr algn="just"/>
-            <a:r>
-              <a:rPr lang="fr-FR" dirty="0">
-                <a:latin typeface="Agency FB" panose="020B0503020202020204" pitchFamily="34" charset="0"/>
-              </a:rPr>
-              <a:t>Introduction</a:t>
-            </a:r>
-          </a:p>
-        </p:txBody>
-      </p:sp>
-      <p:sp>
-        <p:nvSpPr>
-          <p:cNvPr id="9" name="ZoneTexte 8">
-            <a:extLst>
-              <a:ext uri="{FF2B5EF4-FFF2-40B4-BE49-F238E27FC236}">
-                <a16:creationId xmlns:a16="http://schemas.microsoft.com/office/drawing/2014/main" id="{BD66646D-7377-45D8-8126-D20EE9C07604}"/>
-              </a:ext>
-            </a:extLst>
-          </p:cNvPr>
-          <p:cNvSpPr txBox="1"/>
-          <p:nvPr/>
-        </p:nvSpPr>
-        <p:spPr>
-          <a:xfrm>
-            <a:off x="3409929" y="6442008"/>
-            <a:ext cx="2107025" cy="369332"/>
-          </a:xfrm>
-          <a:prstGeom prst="rect">
-            <a:avLst/>
-          </a:prstGeom>
-          <a:noFill/>
-        </p:spPr>
-        <p:txBody>
-          <a:bodyPr wrap="square" rtlCol="0">
-            <a:spAutoFit/>
-          </a:bodyPr>
-          <a:lstStyle/>
-          <a:p>
-            <a:pPr algn="just"/>
-            <a:r>
-              <a:rPr lang="fr-FR" dirty="0">
-                <a:latin typeface="Agency FB" panose="020B0503020202020204" pitchFamily="34" charset="0"/>
-              </a:rPr>
-              <a:t>Présentation de PROXIDEJ</a:t>
-            </a:r>
-          </a:p>
-        </p:txBody>
-      </p:sp>
-      <p:sp>
-        <p:nvSpPr>
-          <p:cNvPr id="11" name="ZoneTexte 10">
-            <a:extLst>
-              <a:ext uri="{FF2B5EF4-FFF2-40B4-BE49-F238E27FC236}">
-                <a16:creationId xmlns:a16="http://schemas.microsoft.com/office/drawing/2014/main" id="{8718225E-1A4C-407C-B8EB-D8EE18798521}"/>
-              </a:ext>
-            </a:extLst>
-          </p:cNvPr>
-          <p:cNvSpPr txBox="1"/>
-          <p:nvPr/>
-        </p:nvSpPr>
-        <p:spPr>
-          <a:xfrm>
-            <a:off x="6089564" y="6442008"/>
-            <a:ext cx="1409469" cy="369332"/>
-          </a:xfrm>
-          <a:prstGeom prst="rect">
-            <a:avLst/>
-          </a:prstGeom>
-          <a:noFill/>
-        </p:spPr>
-        <p:txBody>
-          <a:bodyPr wrap="square" rtlCol="0">
-            <a:spAutoFit/>
-          </a:bodyPr>
-          <a:lstStyle/>
-          <a:p>
-            <a:pPr algn="just"/>
-            <a:r>
-              <a:rPr lang="fr-FR" dirty="0">
-                <a:latin typeface="Agency FB" panose="020B0503020202020204" pitchFamily="34" charset="0"/>
-              </a:rPr>
-              <a:t>Projet en groupe</a:t>
-            </a:r>
-          </a:p>
-        </p:txBody>
-      </p:sp>
-      <p:sp>
-        <p:nvSpPr>
-          <p:cNvPr id="12" name="ZoneTexte 11">
-            <a:extLst>
-              <a:ext uri="{FF2B5EF4-FFF2-40B4-BE49-F238E27FC236}">
-                <a16:creationId xmlns:a16="http://schemas.microsoft.com/office/drawing/2014/main" id="{DFAC067A-4438-4556-8435-4AE55F596DFC}"/>
-              </a:ext>
-            </a:extLst>
-          </p:cNvPr>
-          <p:cNvSpPr txBox="1"/>
-          <p:nvPr/>
-        </p:nvSpPr>
-        <p:spPr>
-          <a:xfrm>
-            <a:off x="8071644" y="6442008"/>
-            <a:ext cx="1409468" cy="369332"/>
-          </a:xfrm>
-          <a:prstGeom prst="rect">
-            <a:avLst/>
-          </a:prstGeom>
-          <a:noFill/>
-        </p:spPr>
-        <p:txBody>
-          <a:bodyPr wrap="square" rtlCol="0">
-            <a:spAutoFit/>
-          </a:bodyPr>
-          <a:lstStyle/>
-          <a:p>
-            <a:pPr algn="just"/>
-            <a:r>
-              <a:rPr lang="fr-FR" dirty="0">
-                <a:latin typeface="Agency FB" panose="020B0503020202020204" pitchFamily="34" charset="0"/>
-              </a:rPr>
-              <a:t>Projet personnel</a:t>
-            </a:r>
-          </a:p>
-        </p:txBody>
-      </p:sp>
-      <p:sp>
-        <p:nvSpPr>
-          <p:cNvPr id="13" name="ZoneTexte 12">
-            <a:extLst>
-              <a:ext uri="{FF2B5EF4-FFF2-40B4-BE49-F238E27FC236}">
-                <a16:creationId xmlns:a16="http://schemas.microsoft.com/office/drawing/2014/main" id="{6D4A2B55-4B00-42EB-94C6-909878C2B82B}"/>
-              </a:ext>
-            </a:extLst>
-          </p:cNvPr>
-          <p:cNvSpPr txBox="1"/>
-          <p:nvPr/>
-        </p:nvSpPr>
-        <p:spPr>
-          <a:xfrm>
-            <a:off x="10053722" y="6442008"/>
-            <a:ext cx="1040998" cy="369332"/>
-          </a:xfrm>
-          <a:prstGeom prst="rect">
-            <a:avLst/>
-          </a:prstGeom>
-          <a:noFill/>
-        </p:spPr>
-        <p:txBody>
-          <a:bodyPr wrap="square" rtlCol="0">
-            <a:spAutoFit/>
-          </a:bodyPr>
-          <a:lstStyle/>
-          <a:p>
-            <a:pPr algn="just"/>
-            <a:r>
-              <a:rPr lang="fr-FR" dirty="0">
-                <a:latin typeface="Agency FB" panose="020B0503020202020204" pitchFamily="34" charset="0"/>
-              </a:rPr>
-              <a:t>Conclusion</a:t>
-            </a:r>
-          </a:p>
-        </p:txBody>
-      </p:sp>
       <p:pic>
         <p:nvPicPr>
           <p:cNvPr id="14" name="Espace réservé du contenu 4">
@@ -12018,6 +13549,13 @@
         </p:nvPicPr>
         <p:blipFill>
           <a:blip r:embed="rId5" cstate="print">
+            <a:duotone>
+              <a:schemeClr val="bg2">
+                <a:shade val="45000"/>
+                <a:satMod val="135000"/>
+              </a:schemeClr>
+              <a:prstClr val="white"/>
+            </a:duotone>
             <a:extLst>
               <a:ext uri="{28A0092B-C50C-407E-A947-70E740481C1C}">
                 <a14:useLocalDpi xmlns:a14="http://schemas.microsoft.com/office/drawing/2010/main" val="0"/>
@@ -12035,6 +13573,232 @@
           </a:xfrm>
         </p:spPr>
       </p:pic>
+      <p:grpSp>
+        <p:nvGrpSpPr>
+          <p:cNvPr id="15" name="Groupe 14">
+            <a:extLst>
+              <a:ext uri="{FF2B5EF4-FFF2-40B4-BE49-F238E27FC236}">
+                <a16:creationId xmlns:a16="http://schemas.microsoft.com/office/drawing/2014/main" id="{612EB2B2-5F85-454B-9694-D011F131EBD2}"/>
+              </a:ext>
+            </a:extLst>
+          </p:cNvPr>
+          <p:cNvGrpSpPr/>
+          <p:nvPr/>
+        </p:nvGrpSpPr>
+        <p:grpSpPr>
+          <a:xfrm>
+            <a:off x="1693094" y="6442008"/>
+            <a:ext cx="9401626" cy="369332"/>
+            <a:chOff x="1693094" y="6442008"/>
+            <a:chExt cx="9401626" cy="369332"/>
+          </a:xfrm>
+        </p:grpSpPr>
+        <p:sp>
+          <p:nvSpPr>
+            <p:cNvPr id="16" name="ZoneTexte 15">
+              <a:extLst>
+                <a:ext uri="{FF2B5EF4-FFF2-40B4-BE49-F238E27FC236}">
+                  <a16:creationId xmlns:a16="http://schemas.microsoft.com/office/drawing/2014/main" id="{12DC781F-7E91-47A3-9F16-B23C6EDC85B7}"/>
+                </a:ext>
+              </a:extLst>
+            </p:cNvPr>
+            <p:cNvSpPr txBox="1"/>
+            <p:nvPr/>
+          </p:nvSpPr>
+          <p:spPr>
+            <a:xfrm>
+              <a:off x="1693094" y="6442008"/>
+              <a:ext cx="1068371" cy="369332"/>
+            </a:xfrm>
+            <a:prstGeom prst="rect">
+              <a:avLst/>
+            </a:prstGeom>
+            <a:noFill/>
+          </p:spPr>
+          <p:txBody>
+            <a:bodyPr wrap="square" rtlCol="0">
+              <a:spAutoFit/>
+            </a:bodyPr>
+            <a:lstStyle/>
+            <a:p>
+              <a:pPr algn="just"/>
+              <a:r>
+                <a:rPr lang="fr-FR" dirty="0">
+                  <a:solidFill>
+                    <a:schemeClr val="bg1"/>
+                  </a:solidFill>
+                  <a:latin typeface="Agency FB" panose="020B0503020202020204" pitchFamily="34" charset="0"/>
+                </a:rPr>
+                <a:t>Introduction</a:t>
+              </a:r>
+            </a:p>
+          </p:txBody>
+        </p:sp>
+        <p:sp>
+          <p:nvSpPr>
+            <p:cNvPr id="17" name="ZoneTexte 16">
+              <a:extLst>
+                <a:ext uri="{FF2B5EF4-FFF2-40B4-BE49-F238E27FC236}">
+                  <a16:creationId xmlns:a16="http://schemas.microsoft.com/office/drawing/2014/main" id="{AB103E14-E6D9-4482-9C37-8BDE67CD3617}"/>
+                </a:ext>
+              </a:extLst>
+            </p:cNvPr>
+            <p:cNvSpPr txBox="1"/>
+            <p:nvPr/>
+          </p:nvSpPr>
+          <p:spPr>
+            <a:xfrm>
+              <a:off x="3409929" y="6442008"/>
+              <a:ext cx="2107025" cy="369332"/>
+            </a:xfrm>
+            <a:prstGeom prst="rect">
+              <a:avLst/>
+            </a:prstGeom>
+            <a:noFill/>
+          </p:spPr>
+          <p:txBody>
+            <a:bodyPr wrap="square" rtlCol="0">
+              <a:spAutoFit/>
+            </a:bodyPr>
+            <a:lstStyle/>
+            <a:p>
+              <a:pPr algn="just"/>
+              <a:r>
+                <a:rPr lang="fr-FR" dirty="0">
+                  <a:solidFill>
+                    <a:schemeClr val="bg1"/>
+                  </a:solidFill>
+                  <a:latin typeface="Agency FB" panose="020B0503020202020204" pitchFamily="34" charset="0"/>
+                </a:rPr>
+                <a:t>Présentation de PROXIDEJ</a:t>
+              </a:r>
+            </a:p>
+          </p:txBody>
+        </p:sp>
+        <p:sp>
+          <p:nvSpPr>
+            <p:cNvPr id="18" name="ZoneTexte 17">
+              <a:extLst>
+                <a:ext uri="{FF2B5EF4-FFF2-40B4-BE49-F238E27FC236}">
+                  <a16:creationId xmlns:a16="http://schemas.microsoft.com/office/drawing/2014/main" id="{C0D085BF-CEA7-43D2-B05C-AB742DF811D8}"/>
+                </a:ext>
+              </a:extLst>
+            </p:cNvPr>
+            <p:cNvSpPr txBox="1"/>
+            <p:nvPr/>
+          </p:nvSpPr>
+          <p:spPr>
+            <a:xfrm>
+              <a:off x="6089564" y="6442008"/>
+              <a:ext cx="1409469" cy="369332"/>
+            </a:xfrm>
+            <a:prstGeom prst="rect">
+              <a:avLst/>
+            </a:prstGeom>
+            <a:noFill/>
+          </p:spPr>
+          <p:txBody>
+            <a:bodyPr wrap="square" rtlCol="0">
+              <a:spAutoFit/>
+            </a:bodyPr>
+            <a:lstStyle/>
+            <a:p>
+              <a:pPr algn="just"/>
+              <a:r>
+                <a:rPr lang="fr-FR" dirty="0">
+                  <a:solidFill>
+                    <a:schemeClr val="bg1"/>
+                  </a:solidFill>
+                  <a:latin typeface="Agency FB" panose="020B0503020202020204" pitchFamily="34" charset="0"/>
+                </a:rPr>
+                <a:t>Projet en groupe</a:t>
+              </a:r>
+            </a:p>
+          </p:txBody>
+        </p:sp>
+        <p:sp>
+          <p:nvSpPr>
+            <p:cNvPr id="19" name="ZoneTexte 18">
+              <a:extLst>
+                <a:ext uri="{FF2B5EF4-FFF2-40B4-BE49-F238E27FC236}">
+                  <a16:creationId xmlns:a16="http://schemas.microsoft.com/office/drawing/2014/main" id="{E64A32C1-0C61-4A0E-96C2-F2024CCA8335}"/>
+                </a:ext>
+              </a:extLst>
+            </p:cNvPr>
+            <p:cNvSpPr txBox="1"/>
+            <p:nvPr/>
+          </p:nvSpPr>
+          <p:spPr>
+            <a:xfrm>
+              <a:off x="8071644" y="6442008"/>
+              <a:ext cx="1409468" cy="369332"/>
+            </a:xfrm>
+            <a:prstGeom prst="rect">
+              <a:avLst/>
+            </a:prstGeom>
+            <a:noFill/>
+          </p:spPr>
+          <p:txBody>
+            <a:bodyPr wrap="square" rtlCol="0">
+              <a:spAutoFit/>
+            </a:bodyPr>
+            <a:lstStyle/>
+            <a:p>
+              <a:pPr algn="just"/>
+              <a:r>
+                <a:rPr lang="fr-FR" dirty="0">
+                  <a:solidFill>
+                    <a:schemeClr val="bg1"/>
+                  </a:solidFill>
+                  <a:latin typeface="Agency FB" panose="020B0503020202020204" pitchFamily="34" charset="0"/>
+                </a:rPr>
+                <a:t>Projet personnel</a:t>
+              </a:r>
+            </a:p>
+          </p:txBody>
+        </p:sp>
+        <p:sp>
+          <p:nvSpPr>
+            <p:cNvPr id="20" name="ZoneTexte 19">
+              <a:extLst>
+                <a:ext uri="{FF2B5EF4-FFF2-40B4-BE49-F238E27FC236}">
+                  <a16:creationId xmlns:a16="http://schemas.microsoft.com/office/drawing/2014/main" id="{ABCB5E53-D081-4195-B9FD-18EB04752D73}"/>
+                </a:ext>
+              </a:extLst>
+            </p:cNvPr>
+            <p:cNvSpPr txBox="1"/>
+            <p:nvPr/>
+          </p:nvSpPr>
+          <p:spPr>
+            <a:xfrm>
+              <a:off x="10053722" y="6442008"/>
+              <a:ext cx="1040998" cy="369332"/>
+            </a:xfrm>
+            <a:prstGeom prst="rect">
+              <a:avLst/>
+            </a:prstGeom>
+            <a:noFill/>
+          </p:spPr>
+          <p:txBody>
+            <a:bodyPr wrap="square" rtlCol="0">
+              <a:spAutoFit/>
+            </a:bodyPr>
+            <a:lstStyle/>
+            <a:p>
+              <a:pPr algn="just"/>
+              <a:r>
+                <a:rPr lang="fr-FR" dirty="0">
+                  <a:solidFill>
+                    <a:schemeClr val="bg1"/>
+                  </a:solidFill>
+                  <a:latin typeface="Agency FB" panose="020B0503020202020204" pitchFamily="34" charset="0"/>
+                </a:rPr>
+                <a:t>Conclusion</a:t>
+              </a:r>
+            </a:p>
+          </p:txBody>
+        </p:sp>
+      </p:grpSp>
     </p:spTree>
     <p:extLst>
       <p:ext uri="{BB962C8B-B14F-4D97-AF65-F5344CB8AC3E}">
@@ -12618,6 +14382,13 @@
         </p:nvPicPr>
         <p:blipFill>
           <a:blip r:embed="rId2" cstate="print">
+            <a:duotone>
+              <a:schemeClr val="bg2">
+                <a:shade val="45000"/>
+                <a:satMod val="135000"/>
+              </a:schemeClr>
+              <a:prstClr val="white"/>
+            </a:duotone>
             <a:extLst>
               <a:ext uri="{28A0092B-C50C-407E-A947-70E740481C1C}">
                 <a14:useLocalDpi xmlns:a14="http://schemas.microsoft.com/office/drawing/2010/main" val="0"/>
@@ -12635,196 +14406,232 @@
           </a:xfrm>
         </p:spPr>
       </p:pic>
-      <p:sp>
-        <p:nvSpPr>
-          <p:cNvPr id="12" name="ZoneTexte 11">
+      <p:grpSp>
+        <p:nvGrpSpPr>
+          <p:cNvPr id="21" name="Groupe 20">
             <a:extLst>
               <a:ext uri="{FF2B5EF4-FFF2-40B4-BE49-F238E27FC236}">
-                <a16:creationId xmlns:a16="http://schemas.microsoft.com/office/drawing/2014/main" id="{2391DCBF-530B-45E9-868B-B51CBFC7BD42}"/>
+                <a16:creationId xmlns:a16="http://schemas.microsoft.com/office/drawing/2014/main" id="{CB15EC25-9250-4E7E-B472-13A761B3E4CE}"/>
               </a:ext>
             </a:extLst>
           </p:cNvPr>
-          <p:cNvSpPr txBox="1"/>
+          <p:cNvGrpSpPr/>
           <p:nvPr/>
-        </p:nvSpPr>
-        <p:spPr>
+        </p:nvGrpSpPr>
+        <p:grpSpPr>
           <a:xfrm>
             <a:off x="1693094" y="6442008"/>
-            <a:ext cx="1068371" cy="369332"/>
+            <a:ext cx="9401626" cy="369332"/>
+            <a:chOff x="1693094" y="6442008"/>
+            <a:chExt cx="9401626" cy="369332"/>
           </a:xfrm>
-          <a:prstGeom prst="rect">
-            <a:avLst/>
-          </a:prstGeom>
-          <a:noFill/>
-        </p:spPr>
-        <p:txBody>
-          <a:bodyPr wrap="square" rtlCol="0">
-            <a:spAutoFit/>
-          </a:bodyPr>
-          <a:lstStyle/>
-          <a:p>
-            <a:pPr algn="just"/>
-            <a:r>
-              <a:rPr lang="fr-FR" dirty="0">
-                <a:latin typeface="Agency FB" panose="020B0503020202020204" pitchFamily="34" charset="0"/>
-              </a:rPr>
-              <a:t>Introduction</a:t>
-            </a:r>
-          </a:p>
-        </p:txBody>
-      </p:sp>
-      <p:sp>
-        <p:nvSpPr>
-          <p:cNvPr id="14" name="ZoneTexte 13">
-            <a:extLst>
-              <a:ext uri="{FF2B5EF4-FFF2-40B4-BE49-F238E27FC236}">
-                <a16:creationId xmlns:a16="http://schemas.microsoft.com/office/drawing/2014/main" id="{D03FBFB2-C874-4F33-9C21-097FB87E5829}"/>
-              </a:ext>
-            </a:extLst>
-          </p:cNvPr>
-          <p:cNvSpPr txBox="1"/>
-          <p:nvPr/>
-        </p:nvSpPr>
-        <p:spPr>
-          <a:xfrm>
-            <a:off x="3409930" y="6442008"/>
-            <a:ext cx="2107024" cy="369332"/>
-          </a:xfrm>
-          <a:prstGeom prst="rect">
-            <a:avLst/>
-          </a:prstGeom>
-          <a:noFill/>
-        </p:spPr>
-        <p:txBody>
-          <a:bodyPr wrap="square" rtlCol="0">
-            <a:spAutoFit/>
-          </a:bodyPr>
-          <a:lstStyle/>
-          <a:p>
-            <a:pPr algn="just"/>
-            <a:r>
-              <a:rPr lang="fr-FR" dirty="0">
-                <a:latin typeface="Agency FB" panose="020B0503020202020204" pitchFamily="34" charset="0"/>
-              </a:rPr>
-              <a:t>Présentation de PROXIDEJ</a:t>
-            </a:r>
-          </a:p>
-        </p:txBody>
-      </p:sp>
-      <p:sp>
-        <p:nvSpPr>
-          <p:cNvPr id="16" name="ZoneTexte 15">
-            <a:extLst>
-              <a:ext uri="{FF2B5EF4-FFF2-40B4-BE49-F238E27FC236}">
-                <a16:creationId xmlns:a16="http://schemas.microsoft.com/office/drawing/2014/main" id="{0E7655C1-47DE-4B9D-B8A9-D0ACAFE171F1}"/>
-              </a:ext>
-            </a:extLst>
-          </p:cNvPr>
-          <p:cNvSpPr txBox="1"/>
-          <p:nvPr/>
-        </p:nvSpPr>
-        <p:spPr>
-          <a:xfrm>
-            <a:off x="6089564" y="6442008"/>
-            <a:ext cx="1409469" cy="369332"/>
-          </a:xfrm>
-          <a:prstGeom prst="rect">
-            <a:avLst/>
-          </a:prstGeom>
-          <a:noFill/>
-        </p:spPr>
-        <p:txBody>
-          <a:bodyPr wrap="square" rtlCol="0">
-            <a:spAutoFit/>
-          </a:bodyPr>
-          <a:lstStyle/>
-          <a:p>
-            <a:pPr algn="just"/>
-            <a:r>
-              <a:rPr lang="fr-FR" dirty="0">
-                <a:latin typeface="Agency FB" panose="020B0503020202020204" pitchFamily="34" charset="0"/>
-              </a:rPr>
-              <a:t>Projet en groupe</a:t>
-            </a:r>
-          </a:p>
-        </p:txBody>
-      </p:sp>
-      <p:sp>
-        <p:nvSpPr>
-          <p:cNvPr id="18" name="ZoneTexte 17">
-            <a:extLst>
-              <a:ext uri="{FF2B5EF4-FFF2-40B4-BE49-F238E27FC236}">
-                <a16:creationId xmlns:a16="http://schemas.microsoft.com/office/drawing/2014/main" id="{A362FED8-5749-47CE-8F6F-D5A33F002A7B}"/>
-              </a:ext>
-            </a:extLst>
-          </p:cNvPr>
-          <p:cNvSpPr txBox="1"/>
-          <p:nvPr/>
-        </p:nvSpPr>
-        <p:spPr>
-          <a:xfrm>
-            <a:off x="8071644" y="6442008"/>
-            <a:ext cx="1409468" cy="369332"/>
-          </a:xfrm>
-          <a:prstGeom prst="rect">
-            <a:avLst/>
-          </a:prstGeom>
-          <a:noFill/>
-        </p:spPr>
-        <p:txBody>
-          <a:bodyPr wrap="square" rtlCol="0">
-            <a:spAutoFit/>
-          </a:bodyPr>
-          <a:lstStyle/>
-          <a:p>
-            <a:pPr algn="just"/>
-            <a:r>
-              <a:rPr lang="fr-FR" dirty="0">
-                <a:latin typeface="Agency FB" panose="020B0503020202020204" pitchFamily="34" charset="0"/>
-              </a:rPr>
-              <a:t>Projet personnel</a:t>
-            </a:r>
-          </a:p>
-        </p:txBody>
-      </p:sp>
-      <p:sp>
-        <p:nvSpPr>
-          <p:cNvPr id="20" name="ZoneTexte 19">
-            <a:extLst>
-              <a:ext uri="{FF2B5EF4-FFF2-40B4-BE49-F238E27FC236}">
-                <a16:creationId xmlns:a16="http://schemas.microsoft.com/office/drawing/2014/main" id="{C23D51BD-08D5-46E4-B7EA-5F25BDE8DC94}"/>
-              </a:ext>
-            </a:extLst>
-          </p:cNvPr>
-          <p:cNvSpPr txBox="1"/>
-          <p:nvPr/>
-        </p:nvSpPr>
-        <p:spPr>
-          <a:xfrm>
-            <a:off x="10053722" y="6442008"/>
-            <a:ext cx="1040998" cy="369332"/>
-          </a:xfrm>
-          <a:prstGeom prst="rect">
-            <a:avLst/>
-          </a:prstGeom>
-          <a:noFill/>
-        </p:spPr>
-        <p:txBody>
-          <a:bodyPr wrap="square" rtlCol="0">
-            <a:spAutoFit/>
-          </a:bodyPr>
-          <a:lstStyle/>
-          <a:p>
-            <a:pPr algn="just"/>
-            <a:r>
-              <a:rPr lang="fr-FR" dirty="0">
-                <a:latin typeface="Agency FB" panose="020B0503020202020204" pitchFamily="34" charset="0"/>
-              </a:rPr>
-              <a:t>Conclusion</a:t>
-            </a:r>
-          </a:p>
-        </p:txBody>
-      </p:sp>
+        </p:grpSpPr>
+        <p:sp>
+          <p:nvSpPr>
+            <p:cNvPr id="22" name="ZoneTexte 21">
+              <a:extLst>
+                <a:ext uri="{FF2B5EF4-FFF2-40B4-BE49-F238E27FC236}">
+                  <a16:creationId xmlns:a16="http://schemas.microsoft.com/office/drawing/2014/main" id="{F36E24E0-559B-41A2-A74D-8D414C54D81A}"/>
+                </a:ext>
+              </a:extLst>
+            </p:cNvPr>
+            <p:cNvSpPr txBox="1"/>
+            <p:nvPr/>
+          </p:nvSpPr>
+          <p:spPr>
+            <a:xfrm>
+              <a:off x="1693094" y="6442008"/>
+              <a:ext cx="1068371" cy="369332"/>
+            </a:xfrm>
+            <a:prstGeom prst="rect">
+              <a:avLst/>
+            </a:prstGeom>
+            <a:noFill/>
+          </p:spPr>
+          <p:txBody>
+            <a:bodyPr wrap="square" rtlCol="0">
+              <a:spAutoFit/>
+            </a:bodyPr>
+            <a:lstStyle/>
+            <a:p>
+              <a:pPr algn="just"/>
+              <a:r>
+                <a:rPr lang="fr-FR" dirty="0">
+                  <a:solidFill>
+                    <a:schemeClr val="bg1"/>
+                  </a:solidFill>
+                  <a:latin typeface="Agency FB" panose="020B0503020202020204" pitchFamily="34" charset="0"/>
+                </a:rPr>
+                <a:t>Introduction</a:t>
+              </a:r>
+            </a:p>
+          </p:txBody>
+        </p:sp>
+        <p:sp>
+          <p:nvSpPr>
+            <p:cNvPr id="23" name="ZoneTexte 22">
+              <a:extLst>
+                <a:ext uri="{FF2B5EF4-FFF2-40B4-BE49-F238E27FC236}">
+                  <a16:creationId xmlns:a16="http://schemas.microsoft.com/office/drawing/2014/main" id="{5EDBDEB4-3260-4C75-AF9F-310858A9A047}"/>
+                </a:ext>
+              </a:extLst>
+            </p:cNvPr>
+            <p:cNvSpPr txBox="1"/>
+            <p:nvPr/>
+          </p:nvSpPr>
+          <p:spPr>
+            <a:xfrm>
+              <a:off x="3409929" y="6442008"/>
+              <a:ext cx="2107025" cy="369332"/>
+            </a:xfrm>
+            <a:prstGeom prst="rect">
+              <a:avLst/>
+            </a:prstGeom>
+            <a:noFill/>
+          </p:spPr>
+          <p:txBody>
+            <a:bodyPr wrap="square" rtlCol="0">
+              <a:spAutoFit/>
+            </a:bodyPr>
+            <a:lstStyle/>
+            <a:p>
+              <a:pPr algn="just"/>
+              <a:r>
+                <a:rPr lang="fr-FR" dirty="0">
+                  <a:solidFill>
+                    <a:schemeClr val="bg1"/>
+                  </a:solidFill>
+                  <a:latin typeface="Agency FB" panose="020B0503020202020204" pitchFamily="34" charset="0"/>
+                </a:rPr>
+                <a:t>Présentation de PROXIDEJ</a:t>
+              </a:r>
+            </a:p>
+          </p:txBody>
+        </p:sp>
+        <p:sp>
+          <p:nvSpPr>
+            <p:cNvPr id="24" name="ZoneTexte 23">
+              <a:extLst>
+                <a:ext uri="{FF2B5EF4-FFF2-40B4-BE49-F238E27FC236}">
+                  <a16:creationId xmlns:a16="http://schemas.microsoft.com/office/drawing/2014/main" id="{4D1F4FBD-211D-427F-904C-4EA5832D5DA7}"/>
+                </a:ext>
+              </a:extLst>
+            </p:cNvPr>
+            <p:cNvSpPr txBox="1"/>
+            <p:nvPr/>
+          </p:nvSpPr>
+          <p:spPr>
+            <a:xfrm>
+              <a:off x="6089564" y="6442008"/>
+              <a:ext cx="1409469" cy="369332"/>
+            </a:xfrm>
+            <a:prstGeom prst="rect">
+              <a:avLst/>
+            </a:prstGeom>
+            <a:noFill/>
+          </p:spPr>
+          <p:txBody>
+            <a:bodyPr wrap="square" rtlCol="0">
+              <a:spAutoFit/>
+            </a:bodyPr>
+            <a:lstStyle/>
+            <a:p>
+              <a:pPr algn="just"/>
+              <a:r>
+                <a:rPr lang="fr-FR" dirty="0">
+                  <a:solidFill>
+                    <a:schemeClr val="bg1"/>
+                  </a:solidFill>
+                  <a:latin typeface="Agency FB" panose="020B0503020202020204" pitchFamily="34" charset="0"/>
+                </a:rPr>
+                <a:t>Projet en groupe</a:t>
+              </a:r>
+            </a:p>
+          </p:txBody>
+        </p:sp>
+        <p:sp>
+          <p:nvSpPr>
+            <p:cNvPr id="25" name="ZoneTexte 24">
+              <a:extLst>
+                <a:ext uri="{FF2B5EF4-FFF2-40B4-BE49-F238E27FC236}">
+                  <a16:creationId xmlns:a16="http://schemas.microsoft.com/office/drawing/2014/main" id="{D3A4F898-977F-48B7-919B-7214DAFE2803}"/>
+                </a:ext>
+              </a:extLst>
+            </p:cNvPr>
+            <p:cNvSpPr txBox="1"/>
+            <p:nvPr/>
+          </p:nvSpPr>
+          <p:spPr>
+            <a:xfrm>
+              <a:off x="8071644" y="6442008"/>
+              <a:ext cx="1409468" cy="369332"/>
+            </a:xfrm>
+            <a:prstGeom prst="rect">
+              <a:avLst/>
+            </a:prstGeom>
+            <a:noFill/>
+          </p:spPr>
+          <p:txBody>
+            <a:bodyPr wrap="square" rtlCol="0">
+              <a:spAutoFit/>
+            </a:bodyPr>
+            <a:lstStyle/>
+            <a:p>
+              <a:pPr algn="just"/>
+              <a:r>
+                <a:rPr lang="fr-FR" dirty="0">
+                  <a:solidFill>
+                    <a:schemeClr val="bg1"/>
+                  </a:solidFill>
+                  <a:latin typeface="Agency FB" panose="020B0503020202020204" pitchFamily="34" charset="0"/>
+                </a:rPr>
+                <a:t>Projet personnel</a:t>
+              </a:r>
+            </a:p>
+          </p:txBody>
+        </p:sp>
+        <p:sp>
+          <p:nvSpPr>
+            <p:cNvPr id="26" name="ZoneTexte 25">
+              <a:extLst>
+                <a:ext uri="{FF2B5EF4-FFF2-40B4-BE49-F238E27FC236}">
+                  <a16:creationId xmlns:a16="http://schemas.microsoft.com/office/drawing/2014/main" id="{89FCDCD8-52F2-40AF-BB7C-08E5C9254D0A}"/>
+                </a:ext>
+              </a:extLst>
+            </p:cNvPr>
+            <p:cNvSpPr txBox="1"/>
+            <p:nvPr/>
+          </p:nvSpPr>
+          <p:spPr>
+            <a:xfrm>
+              <a:off x="10053722" y="6442008"/>
+              <a:ext cx="1040998" cy="369332"/>
+            </a:xfrm>
+            <a:prstGeom prst="rect">
+              <a:avLst/>
+            </a:prstGeom>
+            <a:noFill/>
+          </p:spPr>
+          <p:txBody>
+            <a:bodyPr wrap="square" rtlCol="0">
+              <a:spAutoFit/>
+            </a:bodyPr>
+            <a:lstStyle/>
+            <a:p>
+              <a:pPr algn="just"/>
+              <a:r>
+                <a:rPr lang="fr-FR" dirty="0">
+                  <a:solidFill>
+                    <a:schemeClr val="bg1"/>
+                  </a:solidFill>
+                  <a:latin typeface="Agency FB" panose="020B0503020202020204" pitchFamily="34" charset="0"/>
+                </a:rPr>
+                <a:t>Conclusion</a:t>
+              </a:r>
+            </a:p>
+          </p:txBody>
+        </p:sp>
+      </p:grpSp>
     </p:spTree>
     <p:extLst>
       <p:ext uri="{BB962C8B-B14F-4D97-AF65-F5344CB8AC3E}">
@@ -12972,6 +14779,13 @@
         </p:nvPicPr>
         <p:blipFill>
           <a:blip r:embed="rId2" cstate="print">
+            <a:duotone>
+              <a:schemeClr val="bg2">
+                <a:shade val="45000"/>
+                <a:satMod val="135000"/>
+              </a:schemeClr>
+              <a:prstClr val="white"/>
+            </a:duotone>
             <a:extLst>
               <a:ext uri="{28A0092B-C50C-407E-A947-70E740481C1C}">
                 <a14:useLocalDpi xmlns:a14="http://schemas.microsoft.com/office/drawing/2010/main" val="0"/>
@@ -12990,198 +14804,9 @@
           <a:prstGeom prst="rect">
             <a:avLst/>
           </a:prstGeom>
+          <a:noFill/>
         </p:spPr>
       </p:pic>
-      <p:sp>
-        <p:nvSpPr>
-          <p:cNvPr id="5" name="ZoneTexte 4">
-            <a:extLst>
-              <a:ext uri="{FF2B5EF4-FFF2-40B4-BE49-F238E27FC236}">
-                <a16:creationId xmlns:a16="http://schemas.microsoft.com/office/drawing/2014/main" id="{D352F6DE-74E1-483E-B67D-F979EBF3A6E5}"/>
-              </a:ext>
-            </a:extLst>
-          </p:cNvPr>
-          <p:cNvSpPr txBox="1"/>
-          <p:nvPr/>
-        </p:nvSpPr>
-        <p:spPr>
-          <a:xfrm>
-            <a:off x="1693094" y="6442008"/>
-            <a:ext cx="1068371" cy="369332"/>
-          </a:xfrm>
-          <a:prstGeom prst="rect">
-            <a:avLst/>
-          </a:prstGeom>
-          <a:noFill/>
-        </p:spPr>
-        <p:txBody>
-          <a:bodyPr wrap="square" rtlCol="0">
-            <a:spAutoFit/>
-          </a:bodyPr>
-          <a:lstStyle/>
-          <a:p>
-            <a:pPr algn="just"/>
-            <a:r>
-              <a:rPr lang="fr-FR" dirty="0">
-                <a:latin typeface="Agency FB" panose="020B0503020202020204" pitchFamily="34" charset="0"/>
-              </a:rPr>
-              <a:t>Introduction</a:t>
-            </a:r>
-          </a:p>
-        </p:txBody>
-      </p:sp>
-      <p:sp>
-        <p:nvSpPr>
-          <p:cNvPr id="6" name="ZoneTexte 5">
-            <a:extLst>
-              <a:ext uri="{FF2B5EF4-FFF2-40B4-BE49-F238E27FC236}">
-                <a16:creationId xmlns:a16="http://schemas.microsoft.com/office/drawing/2014/main" id="{81D86E08-6339-4383-8325-EDAB76A83C54}"/>
-              </a:ext>
-            </a:extLst>
-          </p:cNvPr>
-          <p:cNvSpPr txBox="1"/>
-          <p:nvPr/>
-        </p:nvSpPr>
-        <p:spPr>
-          <a:xfrm>
-            <a:off x="3409930" y="6442008"/>
-            <a:ext cx="2107024" cy="369332"/>
-          </a:xfrm>
-          <a:prstGeom prst="rect">
-            <a:avLst/>
-          </a:prstGeom>
-          <a:noFill/>
-        </p:spPr>
-        <p:txBody>
-          <a:bodyPr wrap="square" rtlCol="0">
-            <a:spAutoFit/>
-          </a:bodyPr>
-          <a:lstStyle/>
-          <a:p>
-            <a:pPr algn="just"/>
-            <a:r>
-              <a:rPr lang="fr-FR" dirty="0">
-                <a:latin typeface="Agency FB" panose="020B0503020202020204" pitchFamily="34" charset="0"/>
-              </a:rPr>
-              <a:t>Présentation de PROXIDEJ</a:t>
-            </a:r>
-          </a:p>
-        </p:txBody>
-      </p:sp>
-      <p:sp>
-        <p:nvSpPr>
-          <p:cNvPr id="7" name="ZoneTexte 6">
-            <a:extLst>
-              <a:ext uri="{FF2B5EF4-FFF2-40B4-BE49-F238E27FC236}">
-                <a16:creationId xmlns:a16="http://schemas.microsoft.com/office/drawing/2014/main" id="{C9A37364-4A84-47BF-A57F-321191E60553}"/>
-              </a:ext>
-            </a:extLst>
-          </p:cNvPr>
-          <p:cNvSpPr txBox="1"/>
-          <p:nvPr/>
-        </p:nvSpPr>
-        <p:spPr>
-          <a:xfrm>
-            <a:off x="6089564" y="6442008"/>
-            <a:ext cx="1409469" cy="369332"/>
-          </a:xfrm>
-          <a:prstGeom prst="rect">
-            <a:avLst/>
-          </a:prstGeom>
-          <a:noFill/>
-        </p:spPr>
-        <p:txBody>
-          <a:bodyPr wrap="square" rtlCol="0">
-            <a:spAutoFit/>
-          </a:bodyPr>
-          <a:lstStyle/>
-          <a:p>
-            <a:pPr algn="just"/>
-            <a:r>
-              <a:rPr lang="fr-FR" dirty="0">
-                <a:latin typeface="Agency FB" panose="020B0503020202020204" pitchFamily="34" charset="0"/>
-              </a:rPr>
-              <a:t>Projet en groupe</a:t>
-            </a:r>
-          </a:p>
-        </p:txBody>
-      </p:sp>
-      <p:sp>
-        <p:nvSpPr>
-          <p:cNvPr id="8" name="ZoneTexte 7">
-            <a:extLst>
-              <a:ext uri="{FF2B5EF4-FFF2-40B4-BE49-F238E27FC236}">
-                <a16:creationId xmlns:a16="http://schemas.microsoft.com/office/drawing/2014/main" id="{0122A37C-47EF-4B7C-BC12-8DABA46D1C2D}"/>
-              </a:ext>
-            </a:extLst>
-          </p:cNvPr>
-          <p:cNvSpPr txBox="1"/>
-          <p:nvPr/>
-        </p:nvSpPr>
-        <p:spPr>
-          <a:xfrm>
-            <a:off x="8071644" y="6442008"/>
-            <a:ext cx="1409468" cy="369332"/>
-          </a:xfrm>
-          <a:prstGeom prst="rect">
-            <a:avLst/>
-          </a:prstGeom>
-          <a:noFill/>
-        </p:spPr>
-        <p:txBody>
-          <a:bodyPr wrap="square" rtlCol="0">
-            <a:spAutoFit/>
-          </a:bodyPr>
-          <a:lstStyle/>
-          <a:p>
-            <a:pPr algn="just"/>
-            <a:r>
-              <a:rPr lang="fr-FR" dirty="0">
-                <a:latin typeface="Agency FB" panose="020B0503020202020204" pitchFamily="34" charset="0"/>
-              </a:rPr>
-              <a:t>Projet personnel</a:t>
-            </a:r>
-          </a:p>
-        </p:txBody>
-      </p:sp>
-      <p:sp>
-        <p:nvSpPr>
-          <p:cNvPr id="9" name="ZoneTexte 8">
-            <a:extLst>
-              <a:ext uri="{FF2B5EF4-FFF2-40B4-BE49-F238E27FC236}">
-                <a16:creationId xmlns:a16="http://schemas.microsoft.com/office/drawing/2014/main" id="{775A2C69-534C-4F39-AE40-F365CD14DDA9}"/>
-              </a:ext>
-            </a:extLst>
-          </p:cNvPr>
-          <p:cNvSpPr txBox="1"/>
-          <p:nvPr/>
-        </p:nvSpPr>
-        <p:spPr>
-          <a:xfrm>
-            <a:off x="10053722" y="6442008"/>
-            <a:ext cx="1040998" cy="369332"/>
-          </a:xfrm>
-          <a:prstGeom prst="rect">
-            <a:avLst/>
-          </a:prstGeom>
-          <a:noFill/>
-        </p:spPr>
-        <p:txBody>
-          <a:bodyPr wrap="square" rtlCol="0">
-            <a:spAutoFit/>
-          </a:bodyPr>
-          <a:lstStyle/>
-          <a:p>
-            <a:pPr algn="just"/>
-            <a:r>
-              <a:rPr lang="fr-FR" dirty="0">
-                <a:latin typeface="Agency FB" panose="020B0503020202020204" pitchFamily="34" charset="0"/>
-              </a:rPr>
-              <a:t>Conclusion</a:t>
-            </a:r>
-          </a:p>
-        </p:txBody>
-      </p:sp>
       <p:pic>
         <p:nvPicPr>
           <p:cNvPr id="11" name="Image 10" descr="Une image contenant capture d’écran&#10;&#10;Description générée automatiquement">
@@ -14368,63 +15993,234 @@
               <a:t> carte</a:t>
             </a:r>
           </a:p>
-          <a:p>
-            <a:pPr marL="0" indent="0">
-              <a:buNone/>
-            </a:pPr>
-            <a:endParaRPr lang="en-US" dirty="0">
-              <a:ln>
-                <a:solidFill>
-                  <a:srgbClr val="000000">
-                    <a:lumMod val="75000"/>
-                    <a:lumOff val="25000"/>
-                    <a:alpha val="10000"/>
-                  </a:srgbClr>
-                </a:solidFill>
-              </a:ln>
-              <a:solidFill>
-                <a:schemeClr val="tx1"/>
-              </a:solidFill>
-            </a:endParaRPr>
-          </a:p>
-          <a:p>
-            <a:endParaRPr lang="en-US" dirty="0">
-              <a:ln>
-                <a:solidFill>
-                  <a:srgbClr val="000000">
-                    <a:lumMod val="75000"/>
-                    <a:lumOff val="25000"/>
-                    <a:alpha val="10000"/>
-                  </a:srgbClr>
-                </a:solidFill>
-              </a:ln>
-              <a:solidFill>
-                <a:schemeClr val="tx1"/>
-              </a:solidFill>
-            </a:endParaRPr>
-          </a:p>
-          <a:p>
-            <a:pPr indent="-228600">
-              <a:buFont typeface="Wingdings 3" charset="2"/>
-              <a:buChar char=""/>
-            </a:pPr>
-            <a:endParaRPr lang="en-US" dirty="0">
-              <a:ln>
-                <a:solidFill>
-                  <a:srgbClr val="000000">
-                    <a:lumMod val="75000"/>
-                    <a:lumOff val="25000"/>
-                    <a:alpha val="10000"/>
-                  </a:srgbClr>
-                </a:solidFill>
-              </a:ln>
-              <a:solidFill>
-                <a:schemeClr val="tx1"/>
-              </a:solidFill>
-            </a:endParaRPr>
-          </a:p>
         </p:txBody>
       </p:sp>
+      <p:grpSp>
+        <p:nvGrpSpPr>
+          <p:cNvPr id="19" name="Groupe 18">
+            <a:extLst>
+              <a:ext uri="{FF2B5EF4-FFF2-40B4-BE49-F238E27FC236}">
+                <a16:creationId xmlns:a16="http://schemas.microsoft.com/office/drawing/2014/main" id="{C21D362F-83B9-4F4C-9588-5B12639CD41F}"/>
+              </a:ext>
+            </a:extLst>
+          </p:cNvPr>
+          <p:cNvGrpSpPr/>
+          <p:nvPr/>
+        </p:nvGrpSpPr>
+        <p:grpSpPr>
+          <a:xfrm>
+            <a:off x="1693094" y="6442008"/>
+            <a:ext cx="9401626" cy="369332"/>
+            <a:chOff x="1693094" y="6442008"/>
+            <a:chExt cx="9401626" cy="369332"/>
+          </a:xfrm>
+        </p:grpSpPr>
+        <p:sp>
+          <p:nvSpPr>
+            <p:cNvPr id="20" name="ZoneTexte 19">
+              <a:extLst>
+                <a:ext uri="{FF2B5EF4-FFF2-40B4-BE49-F238E27FC236}">
+                  <a16:creationId xmlns:a16="http://schemas.microsoft.com/office/drawing/2014/main" id="{DEC12642-CF4B-489F-8EEC-7EF726B12B5C}"/>
+                </a:ext>
+              </a:extLst>
+            </p:cNvPr>
+            <p:cNvSpPr txBox="1"/>
+            <p:nvPr/>
+          </p:nvSpPr>
+          <p:spPr>
+            <a:xfrm>
+              <a:off x="1693094" y="6442008"/>
+              <a:ext cx="1068371" cy="369332"/>
+            </a:xfrm>
+            <a:prstGeom prst="rect">
+              <a:avLst/>
+            </a:prstGeom>
+            <a:noFill/>
+          </p:spPr>
+          <p:txBody>
+            <a:bodyPr wrap="square" rtlCol="0">
+              <a:spAutoFit/>
+            </a:bodyPr>
+            <a:lstStyle/>
+            <a:p>
+              <a:pPr algn="just"/>
+              <a:r>
+                <a:rPr lang="fr-FR" dirty="0">
+                  <a:solidFill>
+                    <a:schemeClr val="bg1"/>
+                  </a:solidFill>
+                  <a:latin typeface="Agency FB" panose="020B0503020202020204" pitchFamily="34" charset="0"/>
+                </a:rPr>
+                <a:t>Introduction</a:t>
+              </a:r>
+            </a:p>
+          </p:txBody>
+        </p:sp>
+        <p:sp>
+          <p:nvSpPr>
+            <p:cNvPr id="21" name="ZoneTexte 20">
+              <a:extLst>
+                <a:ext uri="{FF2B5EF4-FFF2-40B4-BE49-F238E27FC236}">
+                  <a16:creationId xmlns:a16="http://schemas.microsoft.com/office/drawing/2014/main" id="{0EC0FF2C-8548-400F-AF1F-28719B95534D}"/>
+                </a:ext>
+              </a:extLst>
+            </p:cNvPr>
+            <p:cNvSpPr txBox="1"/>
+            <p:nvPr/>
+          </p:nvSpPr>
+          <p:spPr>
+            <a:xfrm>
+              <a:off x="3409929" y="6442008"/>
+              <a:ext cx="2107025" cy="369332"/>
+            </a:xfrm>
+            <a:prstGeom prst="rect">
+              <a:avLst/>
+            </a:prstGeom>
+            <a:noFill/>
+          </p:spPr>
+          <p:txBody>
+            <a:bodyPr wrap="square" rtlCol="0">
+              <a:spAutoFit/>
+            </a:bodyPr>
+            <a:lstStyle/>
+            <a:p>
+              <a:pPr algn="just"/>
+              <a:r>
+                <a:rPr lang="fr-FR" dirty="0">
+                  <a:solidFill>
+                    <a:schemeClr val="bg1"/>
+                  </a:solidFill>
+                  <a:latin typeface="Agency FB" panose="020B0503020202020204" pitchFamily="34" charset="0"/>
+                </a:rPr>
+                <a:t>Présentation de PROXIDEJ</a:t>
+              </a:r>
+            </a:p>
+          </p:txBody>
+        </p:sp>
+        <p:sp>
+          <p:nvSpPr>
+            <p:cNvPr id="22" name="ZoneTexte 21">
+              <a:extLst>
+                <a:ext uri="{FF2B5EF4-FFF2-40B4-BE49-F238E27FC236}">
+                  <a16:creationId xmlns:a16="http://schemas.microsoft.com/office/drawing/2014/main" id="{6B6FBD8E-BA6D-41AF-A429-CDBAF156A258}"/>
+                </a:ext>
+              </a:extLst>
+            </p:cNvPr>
+            <p:cNvSpPr txBox="1"/>
+            <p:nvPr/>
+          </p:nvSpPr>
+          <p:spPr>
+            <a:xfrm>
+              <a:off x="6089564" y="6442008"/>
+              <a:ext cx="1409469" cy="369332"/>
+            </a:xfrm>
+            <a:prstGeom prst="rect">
+              <a:avLst/>
+            </a:prstGeom>
+            <a:noFill/>
+          </p:spPr>
+          <p:txBody>
+            <a:bodyPr wrap="square" rtlCol="0">
+              <a:spAutoFit/>
+            </a:bodyPr>
+            <a:lstStyle/>
+            <a:p>
+              <a:pPr algn="just"/>
+              <a:r>
+                <a:rPr lang="fr-FR" dirty="0">
+                  <a:solidFill>
+                    <a:schemeClr val="bg1"/>
+                  </a:solidFill>
+                  <a:latin typeface="Agency FB" panose="020B0503020202020204" pitchFamily="34" charset="0"/>
+                </a:rPr>
+                <a:t>Projet en groupe</a:t>
+              </a:r>
+            </a:p>
+          </p:txBody>
+        </p:sp>
+        <p:sp>
+          <p:nvSpPr>
+            <p:cNvPr id="23" name="ZoneTexte 22">
+              <a:extLst>
+                <a:ext uri="{FF2B5EF4-FFF2-40B4-BE49-F238E27FC236}">
+                  <a16:creationId xmlns:a16="http://schemas.microsoft.com/office/drawing/2014/main" id="{80767595-E36F-4D5D-9BC6-E78FBEDCD09C}"/>
+                </a:ext>
+              </a:extLst>
+            </p:cNvPr>
+            <p:cNvSpPr txBox="1"/>
+            <p:nvPr/>
+          </p:nvSpPr>
+          <p:spPr>
+            <a:xfrm>
+              <a:off x="8071644" y="6442008"/>
+              <a:ext cx="1409468" cy="369332"/>
+            </a:xfrm>
+            <a:prstGeom prst="rect">
+              <a:avLst/>
+            </a:prstGeom>
+            <a:noFill/>
+          </p:spPr>
+          <p:txBody>
+            <a:bodyPr wrap="square" rtlCol="0">
+              <a:spAutoFit/>
+            </a:bodyPr>
+            <a:lstStyle/>
+            <a:p>
+              <a:pPr algn="just"/>
+              <a:r>
+                <a:rPr lang="fr-FR" dirty="0">
+                  <a:solidFill>
+                    <a:schemeClr val="bg1"/>
+                  </a:solidFill>
+                  <a:latin typeface="Agency FB" panose="020B0503020202020204" pitchFamily="34" charset="0"/>
+                </a:rPr>
+                <a:t>Projet personnel</a:t>
+              </a:r>
+            </a:p>
+          </p:txBody>
+        </p:sp>
+        <p:sp>
+          <p:nvSpPr>
+            <p:cNvPr id="24" name="ZoneTexte 23">
+              <a:extLst>
+                <a:ext uri="{FF2B5EF4-FFF2-40B4-BE49-F238E27FC236}">
+                  <a16:creationId xmlns:a16="http://schemas.microsoft.com/office/drawing/2014/main" id="{FF6246A9-62E6-4AA7-B4FC-37F90394F6A6}"/>
+                </a:ext>
+              </a:extLst>
+            </p:cNvPr>
+            <p:cNvSpPr txBox="1"/>
+            <p:nvPr/>
+          </p:nvSpPr>
+          <p:spPr>
+            <a:xfrm>
+              <a:off x="10053722" y="6442008"/>
+              <a:ext cx="1040998" cy="369332"/>
+            </a:xfrm>
+            <a:prstGeom prst="rect">
+              <a:avLst/>
+            </a:prstGeom>
+            <a:noFill/>
+          </p:spPr>
+          <p:txBody>
+            <a:bodyPr wrap="square" rtlCol="0">
+              <a:spAutoFit/>
+            </a:bodyPr>
+            <a:lstStyle/>
+            <a:p>
+              <a:pPr algn="just"/>
+              <a:r>
+                <a:rPr lang="fr-FR" dirty="0">
+                  <a:solidFill>
+                    <a:schemeClr val="bg1"/>
+                  </a:solidFill>
+                  <a:latin typeface="Agency FB" panose="020B0503020202020204" pitchFamily="34" charset="0"/>
+                </a:rPr>
+                <a:t>Conclusion</a:t>
+              </a:r>
+            </a:p>
+          </p:txBody>
+        </p:sp>
+      </p:grpSp>
     </p:spTree>
     <p:extLst>
       <p:ext uri="{BB962C8B-B14F-4D97-AF65-F5344CB8AC3E}">
@@ -14478,13 +16274,8 @@
           <a:p>
             <a:r>
               <a:rPr lang="fr-FR" dirty="0"/>
-              <a:t>Diagramme de </a:t>
-            </a:r>
-            <a:r>
-              <a:rPr lang="fr-FR"/>
-              <a:t>cas d’utilisation</a:t>
-            </a:r>
-            <a:endParaRPr lang="fr-FR" dirty="0"/>
+              <a:t>Diagramme de cas d’utilisation</a:t>
+            </a:r>
           </a:p>
         </p:txBody>
       </p:sp>
@@ -14504,6 +16295,13 @@
         </p:nvPicPr>
         <p:blipFill>
           <a:blip r:embed="rId2" cstate="print">
+            <a:duotone>
+              <a:schemeClr val="bg2">
+                <a:shade val="45000"/>
+                <a:satMod val="135000"/>
+              </a:schemeClr>
+              <a:prstClr val="white"/>
+            </a:duotone>
             <a:extLst>
               <a:ext uri="{28A0092B-C50C-407E-A947-70E740481C1C}">
                 <a14:useLocalDpi xmlns:a14="http://schemas.microsoft.com/office/drawing/2010/main" val="0"/>
@@ -14524,202 +16322,12 @@
           </a:prstGeom>
         </p:spPr>
       </p:pic>
-      <p:sp>
-        <p:nvSpPr>
-          <p:cNvPr id="5" name="ZoneTexte 4">
+      <p:pic>
+        <p:nvPicPr>
+          <p:cNvPr id="12" name="Image 11">
             <a:extLst>
               <a:ext uri="{FF2B5EF4-FFF2-40B4-BE49-F238E27FC236}">
-                <a16:creationId xmlns:a16="http://schemas.microsoft.com/office/drawing/2014/main" id="{D352F6DE-74E1-483E-B67D-F979EBF3A6E5}"/>
-              </a:ext>
-            </a:extLst>
-          </p:cNvPr>
-          <p:cNvSpPr txBox="1"/>
-          <p:nvPr/>
-        </p:nvSpPr>
-        <p:spPr>
-          <a:xfrm>
-            <a:off x="1693094" y="6442008"/>
-            <a:ext cx="1068371" cy="369332"/>
-          </a:xfrm>
-          <a:prstGeom prst="rect">
-            <a:avLst/>
-          </a:prstGeom>
-          <a:noFill/>
-        </p:spPr>
-        <p:txBody>
-          <a:bodyPr wrap="square" rtlCol="0">
-            <a:spAutoFit/>
-          </a:bodyPr>
-          <a:lstStyle/>
-          <a:p>
-            <a:pPr algn="just"/>
-            <a:r>
-              <a:rPr lang="fr-FR" dirty="0">
-                <a:latin typeface="Agency FB" panose="020B0503020202020204" pitchFamily="34" charset="0"/>
-              </a:rPr>
-              <a:t>Introduction</a:t>
-            </a:r>
-          </a:p>
-        </p:txBody>
-      </p:sp>
-      <p:sp>
-        <p:nvSpPr>
-          <p:cNvPr id="6" name="ZoneTexte 5">
-            <a:extLst>
-              <a:ext uri="{FF2B5EF4-FFF2-40B4-BE49-F238E27FC236}">
-                <a16:creationId xmlns:a16="http://schemas.microsoft.com/office/drawing/2014/main" id="{81D86E08-6339-4383-8325-EDAB76A83C54}"/>
-              </a:ext>
-            </a:extLst>
-          </p:cNvPr>
-          <p:cNvSpPr txBox="1"/>
-          <p:nvPr/>
-        </p:nvSpPr>
-        <p:spPr>
-          <a:xfrm>
-            <a:off x="3409930" y="6442008"/>
-            <a:ext cx="2107024" cy="369332"/>
-          </a:xfrm>
-          <a:prstGeom prst="rect">
-            <a:avLst/>
-          </a:prstGeom>
-          <a:noFill/>
-        </p:spPr>
-        <p:txBody>
-          <a:bodyPr wrap="square" rtlCol="0">
-            <a:spAutoFit/>
-          </a:bodyPr>
-          <a:lstStyle/>
-          <a:p>
-            <a:pPr algn="just"/>
-            <a:r>
-              <a:rPr lang="fr-FR" dirty="0">
-                <a:latin typeface="Agency FB" panose="020B0503020202020204" pitchFamily="34" charset="0"/>
-              </a:rPr>
-              <a:t>Présentation de PROXIDEJ</a:t>
-            </a:r>
-          </a:p>
-        </p:txBody>
-      </p:sp>
-      <p:sp>
-        <p:nvSpPr>
-          <p:cNvPr id="7" name="ZoneTexte 6">
-            <a:extLst>
-              <a:ext uri="{FF2B5EF4-FFF2-40B4-BE49-F238E27FC236}">
-                <a16:creationId xmlns:a16="http://schemas.microsoft.com/office/drawing/2014/main" id="{C9A37364-4A84-47BF-A57F-321191E60553}"/>
-              </a:ext>
-            </a:extLst>
-          </p:cNvPr>
-          <p:cNvSpPr txBox="1"/>
-          <p:nvPr/>
-        </p:nvSpPr>
-        <p:spPr>
-          <a:xfrm>
-            <a:off x="6089564" y="6442008"/>
-            <a:ext cx="1409469" cy="369332"/>
-          </a:xfrm>
-          <a:prstGeom prst="rect">
-            <a:avLst/>
-          </a:prstGeom>
-          <a:noFill/>
-        </p:spPr>
-        <p:txBody>
-          <a:bodyPr wrap="square" rtlCol="0">
-            <a:spAutoFit/>
-          </a:bodyPr>
-          <a:lstStyle/>
-          <a:p>
-            <a:pPr algn="just"/>
-            <a:r>
-              <a:rPr lang="fr-FR" dirty="0">
-                <a:latin typeface="Agency FB" panose="020B0503020202020204" pitchFamily="34" charset="0"/>
-              </a:rPr>
-              <a:t>Projet en groupe</a:t>
-            </a:r>
-          </a:p>
-        </p:txBody>
-      </p:sp>
-      <p:sp>
-        <p:nvSpPr>
-          <p:cNvPr id="8" name="ZoneTexte 7">
-            <a:extLst>
-              <a:ext uri="{FF2B5EF4-FFF2-40B4-BE49-F238E27FC236}">
-                <a16:creationId xmlns:a16="http://schemas.microsoft.com/office/drawing/2014/main" id="{0122A37C-47EF-4B7C-BC12-8DABA46D1C2D}"/>
-              </a:ext>
-            </a:extLst>
-          </p:cNvPr>
-          <p:cNvSpPr txBox="1"/>
-          <p:nvPr/>
-        </p:nvSpPr>
-        <p:spPr>
-          <a:xfrm>
-            <a:off x="8071644" y="6442008"/>
-            <a:ext cx="1409468" cy="369332"/>
-          </a:xfrm>
-          <a:prstGeom prst="rect">
-            <a:avLst/>
-          </a:prstGeom>
-          <a:noFill/>
-        </p:spPr>
-        <p:txBody>
-          <a:bodyPr wrap="square" rtlCol="0">
-            <a:spAutoFit/>
-          </a:bodyPr>
-          <a:lstStyle/>
-          <a:p>
-            <a:pPr algn="just"/>
-            <a:r>
-              <a:rPr lang="fr-FR" dirty="0">
-                <a:latin typeface="Agency FB" panose="020B0503020202020204" pitchFamily="34" charset="0"/>
-              </a:rPr>
-              <a:t>Projet personnel</a:t>
-            </a:r>
-          </a:p>
-        </p:txBody>
-      </p:sp>
-      <p:sp>
-        <p:nvSpPr>
-          <p:cNvPr id="9" name="ZoneTexte 8">
-            <a:extLst>
-              <a:ext uri="{FF2B5EF4-FFF2-40B4-BE49-F238E27FC236}">
-                <a16:creationId xmlns:a16="http://schemas.microsoft.com/office/drawing/2014/main" id="{775A2C69-534C-4F39-AE40-F365CD14DDA9}"/>
-              </a:ext>
-            </a:extLst>
-          </p:cNvPr>
-          <p:cNvSpPr txBox="1"/>
-          <p:nvPr/>
-        </p:nvSpPr>
-        <p:spPr>
-          <a:xfrm>
-            <a:off x="10053722" y="6442008"/>
-            <a:ext cx="1040998" cy="369332"/>
-          </a:xfrm>
-          <a:prstGeom prst="rect">
-            <a:avLst/>
-          </a:prstGeom>
-          <a:noFill/>
-        </p:spPr>
-        <p:txBody>
-          <a:bodyPr wrap="square" rtlCol="0">
-            <a:spAutoFit/>
-          </a:bodyPr>
-          <a:lstStyle/>
-          <a:p>
-            <a:pPr algn="just"/>
-            <a:r>
-              <a:rPr lang="fr-FR" dirty="0">
-                <a:latin typeface="Agency FB" panose="020B0503020202020204" pitchFamily="34" charset="0"/>
-              </a:rPr>
-              <a:t>Conclusion</a:t>
-            </a:r>
-          </a:p>
-        </p:txBody>
-      </p:sp>
-      <p:pic>
-        <p:nvPicPr>
-          <p:cNvPr id="10" name="Image 9" descr="Une image contenant carte, texte&#10;&#10;Description générée automatiquement">
-            <a:extLst>
-              <a:ext uri="{FF2B5EF4-FFF2-40B4-BE49-F238E27FC236}">
-                <a16:creationId xmlns:a16="http://schemas.microsoft.com/office/drawing/2014/main" id="{F210B82A-9318-47B4-A960-31C19B17EBB8}"/>
+                <a16:creationId xmlns:a16="http://schemas.microsoft.com/office/drawing/2014/main" id="{4AD395AB-A6D5-46E9-BE82-434A0C631BAB}"/>
               </a:ext>
             </a:extLst>
           </p:cNvPr>
@@ -14729,27 +16337,247 @@
           <p:nvPr/>
         </p:nvPicPr>
         <p:blipFill>
-          <a:blip r:embed="rId3">
-            <a:extLst>
-              <a:ext uri="{28A0092B-C50C-407E-A947-70E740481C1C}">
-                <a14:useLocalDpi xmlns:a14="http://schemas.microsoft.com/office/drawing/2010/main" val="0"/>
-              </a:ext>
-            </a:extLst>
-          </a:blip>
+          <a:blip r:embed="rId3"/>
           <a:stretch>
             <a:fillRect/>
           </a:stretch>
         </p:blipFill>
         <p:spPr>
           <a:xfrm>
-            <a:off x="0" y="1775830"/>
-            <a:ext cx="12158975" cy="4171964"/>
+            <a:off x="2489309" y="1881636"/>
+            <a:ext cx="6055289" cy="4416095"/>
           </a:xfrm>
           <a:prstGeom prst="rect">
             <a:avLst/>
           </a:prstGeom>
         </p:spPr>
       </p:pic>
+      <p:grpSp>
+        <p:nvGrpSpPr>
+          <p:cNvPr id="10" name="Groupe 9">
+            <a:extLst>
+              <a:ext uri="{FF2B5EF4-FFF2-40B4-BE49-F238E27FC236}">
+                <a16:creationId xmlns:a16="http://schemas.microsoft.com/office/drawing/2014/main" id="{5F29FB02-21EA-4159-8078-A80906D0BE55}"/>
+              </a:ext>
+            </a:extLst>
+          </p:cNvPr>
+          <p:cNvGrpSpPr/>
+          <p:nvPr/>
+        </p:nvGrpSpPr>
+        <p:grpSpPr>
+          <a:xfrm>
+            <a:off x="1693094" y="6442008"/>
+            <a:ext cx="9401626" cy="369332"/>
+            <a:chOff x="1693094" y="6442008"/>
+            <a:chExt cx="9401626" cy="369332"/>
+          </a:xfrm>
+        </p:grpSpPr>
+        <p:sp>
+          <p:nvSpPr>
+            <p:cNvPr id="11" name="ZoneTexte 10">
+              <a:extLst>
+                <a:ext uri="{FF2B5EF4-FFF2-40B4-BE49-F238E27FC236}">
+                  <a16:creationId xmlns:a16="http://schemas.microsoft.com/office/drawing/2014/main" id="{6C041F32-715B-4B0B-8734-B95FA797C0AB}"/>
+                </a:ext>
+              </a:extLst>
+            </p:cNvPr>
+            <p:cNvSpPr txBox="1"/>
+            <p:nvPr/>
+          </p:nvSpPr>
+          <p:spPr>
+            <a:xfrm>
+              <a:off x="1693094" y="6442008"/>
+              <a:ext cx="1068371" cy="369332"/>
+            </a:xfrm>
+            <a:prstGeom prst="rect">
+              <a:avLst/>
+            </a:prstGeom>
+            <a:noFill/>
+          </p:spPr>
+          <p:txBody>
+            <a:bodyPr wrap="square" rtlCol="0">
+              <a:spAutoFit/>
+            </a:bodyPr>
+            <a:lstStyle/>
+            <a:p>
+              <a:pPr algn="just"/>
+              <a:r>
+                <a:rPr lang="fr-FR" dirty="0">
+                  <a:solidFill>
+                    <a:schemeClr val="bg1"/>
+                  </a:solidFill>
+                  <a:latin typeface="Agency FB" panose="020B0503020202020204" pitchFamily="34" charset="0"/>
+                </a:rPr>
+                <a:t>Introduction</a:t>
+              </a:r>
+            </a:p>
+          </p:txBody>
+        </p:sp>
+        <p:sp>
+          <p:nvSpPr>
+            <p:cNvPr id="13" name="ZoneTexte 12">
+              <a:extLst>
+                <a:ext uri="{FF2B5EF4-FFF2-40B4-BE49-F238E27FC236}">
+                  <a16:creationId xmlns:a16="http://schemas.microsoft.com/office/drawing/2014/main" id="{F2209C3F-1799-41D1-A732-FDC5498C3749}"/>
+                </a:ext>
+              </a:extLst>
+            </p:cNvPr>
+            <p:cNvSpPr txBox="1"/>
+            <p:nvPr/>
+          </p:nvSpPr>
+          <p:spPr>
+            <a:xfrm>
+              <a:off x="3409929" y="6442008"/>
+              <a:ext cx="2107025" cy="369332"/>
+            </a:xfrm>
+            <a:prstGeom prst="rect">
+              <a:avLst/>
+            </a:prstGeom>
+            <a:noFill/>
+          </p:spPr>
+          <p:txBody>
+            <a:bodyPr wrap="square" rtlCol="0">
+              <a:spAutoFit/>
+            </a:bodyPr>
+            <a:lstStyle/>
+            <a:p>
+              <a:pPr algn="just"/>
+              <a:r>
+                <a:rPr lang="fr-FR" dirty="0">
+                  <a:solidFill>
+                    <a:schemeClr val="bg1"/>
+                  </a:solidFill>
+                  <a:latin typeface="Agency FB" panose="020B0503020202020204" pitchFamily="34" charset="0"/>
+                </a:rPr>
+                <a:t>Présentation de PROXIDEJ</a:t>
+              </a:r>
+            </a:p>
+          </p:txBody>
+        </p:sp>
+        <p:sp>
+          <p:nvSpPr>
+            <p:cNvPr id="14" name="ZoneTexte 13">
+              <a:extLst>
+                <a:ext uri="{FF2B5EF4-FFF2-40B4-BE49-F238E27FC236}">
+                  <a16:creationId xmlns:a16="http://schemas.microsoft.com/office/drawing/2014/main" id="{D59FD94B-DE2A-4D12-A518-7180F2B26D00}"/>
+                </a:ext>
+              </a:extLst>
+            </p:cNvPr>
+            <p:cNvSpPr txBox="1"/>
+            <p:nvPr/>
+          </p:nvSpPr>
+          <p:spPr>
+            <a:xfrm>
+              <a:off x="6089564" y="6442008"/>
+              <a:ext cx="1409469" cy="369332"/>
+            </a:xfrm>
+            <a:prstGeom prst="rect">
+              <a:avLst/>
+            </a:prstGeom>
+            <a:noFill/>
+          </p:spPr>
+          <p:txBody>
+            <a:bodyPr wrap="square" rtlCol="0">
+              <a:spAutoFit/>
+            </a:bodyPr>
+            <a:lstStyle/>
+            <a:p>
+              <a:pPr algn="just"/>
+              <a:r>
+                <a:rPr lang="fr-FR" dirty="0">
+                  <a:solidFill>
+                    <a:schemeClr val="bg1"/>
+                  </a:solidFill>
+                  <a:latin typeface="Agency FB" panose="020B0503020202020204" pitchFamily="34" charset="0"/>
+                </a:rPr>
+                <a:t>Projet en groupe</a:t>
+              </a:r>
+            </a:p>
+          </p:txBody>
+        </p:sp>
+        <p:sp>
+          <p:nvSpPr>
+            <p:cNvPr id="15" name="ZoneTexte 14">
+              <a:extLst>
+                <a:ext uri="{FF2B5EF4-FFF2-40B4-BE49-F238E27FC236}">
+                  <a16:creationId xmlns:a16="http://schemas.microsoft.com/office/drawing/2014/main" id="{6A7E7484-FBFB-42E5-862D-B48902CACA33}"/>
+                </a:ext>
+              </a:extLst>
+            </p:cNvPr>
+            <p:cNvSpPr txBox="1"/>
+            <p:nvPr/>
+          </p:nvSpPr>
+          <p:spPr>
+            <a:xfrm>
+              <a:off x="8071644" y="6442008"/>
+              <a:ext cx="1409468" cy="369332"/>
+            </a:xfrm>
+            <a:prstGeom prst="rect">
+              <a:avLst/>
+            </a:prstGeom>
+            <a:noFill/>
+          </p:spPr>
+          <p:txBody>
+            <a:bodyPr wrap="square" rtlCol="0">
+              <a:spAutoFit/>
+            </a:bodyPr>
+            <a:lstStyle/>
+            <a:p>
+              <a:pPr algn="just"/>
+              <a:r>
+                <a:rPr lang="fr-FR" dirty="0">
+                  <a:solidFill>
+                    <a:schemeClr val="bg1"/>
+                  </a:solidFill>
+                  <a:latin typeface="Agency FB" panose="020B0503020202020204" pitchFamily="34" charset="0"/>
+                </a:rPr>
+                <a:t>Projet personnel</a:t>
+              </a:r>
+            </a:p>
+          </p:txBody>
+        </p:sp>
+        <p:sp>
+          <p:nvSpPr>
+            <p:cNvPr id="16" name="ZoneTexte 15">
+              <a:extLst>
+                <a:ext uri="{FF2B5EF4-FFF2-40B4-BE49-F238E27FC236}">
+                  <a16:creationId xmlns:a16="http://schemas.microsoft.com/office/drawing/2014/main" id="{2ADE7ECC-4BC2-4657-9571-FB458C56D5FF}"/>
+                </a:ext>
+              </a:extLst>
+            </p:cNvPr>
+            <p:cNvSpPr txBox="1"/>
+            <p:nvPr/>
+          </p:nvSpPr>
+          <p:spPr>
+            <a:xfrm>
+              <a:off x="10053722" y="6442008"/>
+              <a:ext cx="1040998" cy="369332"/>
+            </a:xfrm>
+            <a:prstGeom prst="rect">
+              <a:avLst/>
+            </a:prstGeom>
+            <a:noFill/>
+          </p:spPr>
+          <p:txBody>
+            <a:bodyPr wrap="square" rtlCol="0">
+              <a:spAutoFit/>
+            </a:bodyPr>
+            <a:lstStyle/>
+            <a:p>
+              <a:pPr algn="just"/>
+              <a:r>
+                <a:rPr lang="fr-FR" dirty="0">
+                  <a:solidFill>
+                    <a:schemeClr val="bg1"/>
+                  </a:solidFill>
+                  <a:latin typeface="Agency FB" panose="020B0503020202020204" pitchFamily="34" charset="0"/>
+                </a:rPr>
+                <a:t>Conclusion</a:t>
+              </a:r>
+            </a:p>
+          </p:txBody>
+        </p:sp>
+      </p:grpSp>
     </p:spTree>
     <p:extLst>
       <p:ext uri="{BB962C8B-B14F-4D97-AF65-F5344CB8AC3E}">

--- a/Diaporama/DIAPO_Florian.pptx
+++ b/Diaporama/DIAPO_Florian.pptx
@@ -3565,7 +3565,7 @@
           <a:p>
             <a:fld id="{2BE451C3-0FF4-47C4-B829-773ADF60F88C}" type="datetimeFigureOut">
               <a:rPr lang="en-US" smtClean="0"/>
-              <a:t>1/29/2020</a:t>
+              <a:t>2/4/2020</a:t>
             </a:fld>
             <a:endParaRPr lang="en-US" dirty="0"/>
           </a:p>
@@ -3780,7 +3780,7 @@
           <a:p>
             <a:fld id="{2BE451C3-0FF4-47C4-B829-773ADF60F88C}" type="datetimeFigureOut">
               <a:rPr lang="en-US" smtClean="0"/>
-              <a:t>1/29/2020</a:t>
+              <a:t>2/4/2020</a:t>
             </a:fld>
             <a:endParaRPr lang="en-US" dirty="0"/>
           </a:p>
@@ -4043,7 +4043,7 @@
           <a:p>
             <a:fld id="{2BE451C3-0FF4-47C4-B829-773ADF60F88C}" type="datetimeFigureOut">
               <a:rPr lang="en-US" smtClean="0"/>
-              <a:t>1/29/2020</a:t>
+              <a:t>2/4/2020</a:t>
             </a:fld>
             <a:endParaRPr lang="en-US" dirty="0"/>
           </a:p>
@@ -4224,7 +4224,7 @@
           <a:p>
             <a:fld id="{2BE451C3-0FF4-47C4-B829-773ADF60F88C}" type="datetimeFigureOut">
               <a:rPr lang="en-US" smtClean="0"/>
-              <a:t>1/29/2020</a:t>
+              <a:t>2/4/2020</a:t>
             </a:fld>
             <a:endParaRPr lang="en-US" dirty="0"/>
           </a:p>
@@ -4574,7 +4574,7 @@
           <a:p>
             <a:fld id="{2BE451C3-0FF4-47C4-B829-773ADF60F88C}" type="datetimeFigureOut">
               <a:rPr lang="en-US" smtClean="0"/>
-              <a:t>1/29/2020</a:t>
+              <a:t>2/4/2020</a:t>
             </a:fld>
             <a:endParaRPr lang="en-US" dirty="0"/>
           </a:p>
@@ -4856,7 +4856,7 @@
           <a:p>
             <a:fld id="{2BE451C3-0FF4-47C4-B829-773ADF60F88C}" type="datetimeFigureOut">
               <a:rPr lang="en-US" smtClean="0"/>
-              <a:t>1/29/2020</a:t>
+              <a:t>2/4/2020</a:t>
             </a:fld>
             <a:endParaRPr lang="en-US" dirty="0"/>
           </a:p>
@@ -5242,7 +5242,7 @@
           <a:p>
             <a:fld id="{2BE451C3-0FF4-47C4-B829-773ADF60F88C}" type="datetimeFigureOut">
               <a:rPr lang="en-US" smtClean="0"/>
-              <a:t>1/29/2020</a:t>
+              <a:t>2/4/2020</a:t>
             </a:fld>
             <a:endParaRPr lang="en-US" dirty="0"/>
           </a:p>
@@ -5367,7 +5367,7 @@
           <a:p>
             <a:fld id="{2BE451C3-0FF4-47C4-B829-773ADF60F88C}" type="datetimeFigureOut">
               <a:rPr lang="en-US" smtClean="0"/>
-              <a:t>1/29/2020</a:t>
+              <a:t>2/4/2020</a:t>
             </a:fld>
             <a:endParaRPr lang="en-US" dirty="0"/>
           </a:p>
@@ -5545,7 +5545,7 @@
           <a:p>
             <a:fld id="{2BE451C3-0FF4-47C4-B829-773ADF60F88C}" type="datetimeFigureOut">
               <a:rPr lang="en-US" smtClean="0"/>
-              <a:t>1/29/2020</a:t>
+              <a:t>2/4/2020</a:t>
             </a:fld>
             <a:endParaRPr lang="en-US" dirty="0"/>
           </a:p>
@@ -5906,7 +5906,7 @@
           <a:p>
             <a:fld id="{2BE451C3-0FF4-47C4-B829-773ADF60F88C}" type="datetimeFigureOut">
               <a:rPr lang="en-US" smtClean="0"/>
-              <a:t>1/29/2020</a:t>
+              <a:t>2/4/2020</a:t>
             </a:fld>
             <a:endParaRPr lang="en-US" dirty="0"/>
           </a:p>
@@ -6295,7 +6295,7 @@
           <a:p>
             <a:fld id="{2BE451C3-0FF4-47C4-B829-773ADF60F88C}" type="datetimeFigureOut">
               <a:rPr lang="en-US" smtClean="0"/>
-              <a:t>1/29/2020</a:t>
+              <a:t>2/4/2020</a:t>
             </a:fld>
             <a:endParaRPr lang="en-US" dirty="0"/>
           </a:p>
@@ -6589,7 +6589,7 @@
           <a:p>
             <a:fld id="{2BE451C3-0FF4-47C4-B829-773ADF60F88C}" type="datetimeFigureOut">
               <a:rPr lang="en-US" smtClean="0"/>
-              <a:t>1/29/2020</a:t>
+              <a:t>2/4/2020</a:t>
             </a:fld>
             <a:endParaRPr lang="en-US" dirty="0"/>
           </a:p>
@@ -7807,7 +7807,7 @@
         </p:blipFill>
         <p:spPr>
           <a:xfrm>
-            <a:off x="2489309" y="1881636"/>
+            <a:off x="2489309" y="1758294"/>
             <a:ext cx="6055289" cy="4416095"/>
           </a:xfrm>
           <a:prstGeom prst="rect">
@@ -7829,7 +7829,7 @@
         </p:nvSpPr>
         <p:spPr>
           <a:xfrm>
-            <a:off x="3483429" y="3135086"/>
+            <a:off x="3483429" y="2994645"/>
             <a:ext cx="1702525" cy="605247"/>
           </a:xfrm>
           <a:prstGeom prst="ellipse">
@@ -8093,6 +8093,58 @@
           </p:txBody>
         </p:sp>
       </p:grpSp>
+      <p:sp>
+        <p:nvSpPr>
+          <p:cNvPr id="12" name="Ellipse 11">
+            <a:extLst>
+              <a:ext uri="{FF2B5EF4-FFF2-40B4-BE49-F238E27FC236}">
+                <a16:creationId xmlns:a16="http://schemas.microsoft.com/office/drawing/2014/main" id="{BF507E4F-2E7C-4D37-AE97-0301E0B661D5}"/>
+              </a:ext>
+            </a:extLst>
+          </p:cNvPr>
+          <p:cNvSpPr/>
+          <p:nvPr/>
+        </p:nvSpPr>
+        <p:spPr>
+          <a:xfrm>
+            <a:off x="3483429" y="2994646"/>
+            <a:ext cx="1702525" cy="605247"/>
+          </a:xfrm>
+          <a:prstGeom prst="ellipse">
+            <a:avLst/>
+          </a:prstGeom>
+          <a:noFill/>
+          <a:ln>
+            <a:solidFill>
+              <a:schemeClr val="accent2"/>
+            </a:solidFill>
+          </a:ln>
+        </p:spPr>
+        <p:style>
+          <a:lnRef idx="2">
+            <a:schemeClr val="accent1">
+              <a:shade val="50000"/>
+            </a:schemeClr>
+          </a:lnRef>
+          <a:fillRef idx="1">
+            <a:schemeClr val="accent1"/>
+          </a:fillRef>
+          <a:effectRef idx="0">
+            <a:schemeClr val="accent1"/>
+          </a:effectRef>
+          <a:fontRef idx="minor">
+            <a:schemeClr val="lt1"/>
+          </a:fontRef>
+        </p:style>
+        <p:txBody>
+          <a:bodyPr rtlCol="0" anchor="ctr"/>
+          <a:lstStyle/>
+          <a:p>
+            <a:pPr algn="ctr"/>
+            <a:endParaRPr lang="fr-FR"/>
+          </a:p>
+        </p:txBody>
+      </p:sp>
     </p:spTree>
     <p:extLst>
       <p:ext uri="{BB962C8B-B14F-4D97-AF65-F5344CB8AC3E}">
@@ -8193,6 +8245,33 @@
                                   </p:childTnLst>
                                 </p:cTn>
                               </p:par>
+                              <p:par>
+                                <p:cTn id="11" presetID="1" presetClass="entr" presetSubtype="0" fill="hold" grpId="0" nodeType="withEffect">
+                                  <p:stCondLst>
+                                    <p:cond delay="0"/>
+                                  </p:stCondLst>
+                                  <p:childTnLst>
+                                    <p:set>
+                                      <p:cBhvr>
+                                        <p:cTn id="12" dur="1" fill="hold">
+                                          <p:stCondLst>
+                                            <p:cond delay="0"/>
+                                          </p:stCondLst>
+                                        </p:cTn>
+                                        <p:tgtEl>
+                                          <p:spTgt spid="12"/>
+                                        </p:tgtEl>
+                                        <p:attrNameLst>
+                                          <p:attrName>style.visibility</p:attrName>
+                                        </p:attrNameLst>
+                                      </p:cBhvr>
+                                      <p:to>
+                                        <p:strVal val="visible"/>
+                                      </p:to>
+                                    </p:set>
+                                  </p:childTnLst>
+                                </p:cTn>
+                              </p:par>
                             </p:childTnLst>
                           </p:cTn>
                         </p:par>
@@ -8222,6 +8301,7 @@
     </p:tnLst>
     <p:bldLst>
       <p:bldP spid="11" grpId="0" animBg="1"/>
+      <p:bldP spid="12" grpId="0" animBg="1"/>
     </p:bldLst>
   </p:timing>
 </p:sld>
@@ -8685,13 +8765,13 @@
   <p:clrMapOvr>
     <a:masterClrMapping/>
   </p:clrMapOvr>
-  <mc:AlternateContent xmlns:mc="http://schemas.openxmlformats.org/markup-compatibility/2006">
-    <mc:Choice xmlns:p159="http://schemas.microsoft.com/office/powerpoint/2015/09/main" Requires="p159">
+  <mc:AlternateContent xmlns:mc="http://schemas.openxmlformats.org/markup-compatibility/2006" xmlns:p159="http://schemas.microsoft.com/office/powerpoint/2015/09/main">
+    <mc:Choice Requires="p159">
       <p:transition xmlns:p14="http://schemas.microsoft.com/office/powerpoint/2010/main" spd="slow" p14:dur="2000">
         <p159:morph option="byObject"/>
       </p:transition>
     </mc:Choice>
-    <mc:Fallback>
+    <mc:Fallback xmlns="">
       <p:transition spd="slow">
         <p:fade/>
       </p:transition>
@@ -9340,6 +9420,343 @@
   <p:clrMapOvr>
     <a:masterClrMapping/>
   </p:clrMapOvr>
+  <p:timing>
+    <p:tnLst>
+      <p:par>
+        <p:cTn id="1" dur="indefinite" restart="never" nodeType="tmRoot">
+          <p:childTnLst>
+            <p:seq concurrent="1" nextAc="seek">
+              <p:cTn id="2" dur="indefinite" nodeType="mainSeq">
+                <p:childTnLst>
+                  <p:par>
+                    <p:cTn id="3" fill="hold">
+                      <p:stCondLst>
+                        <p:cond delay="indefinite"/>
+                        <p:cond evt="onBegin" delay="0">
+                          <p:tn val="2"/>
+                        </p:cond>
+                      </p:stCondLst>
+                      <p:childTnLst>
+                        <p:par>
+                          <p:cTn id="4" fill="hold">
+                            <p:stCondLst>
+                              <p:cond delay="0"/>
+                            </p:stCondLst>
+                            <p:childTnLst>
+                              <p:par>
+                                <p:cTn id="5" presetID="10" presetClass="entr" presetSubtype="0" fill="hold" nodeType="withEffect">
+                                  <p:stCondLst>
+                                    <p:cond delay="1000"/>
+                                  </p:stCondLst>
+                                  <p:childTnLst>
+                                    <p:set>
+                                      <p:cBhvr>
+                                        <p:cTn id="6" dur="1" fill="hold">
+                                          <p:stCondLst>
+                                            <p:cond delay="0"/>
+                                          </p:stCondLst>
+                                        </p:cTn>
+                                        <p:tgtEl>
+                                          <p:spTgt spid="12"/>
+                                        </p:tgtEl>
+                                        <p:attrNameLst>
+                                          <p:attrName>style.visibility</p:attrName>
+                                        </p:attrNameLst>
+                                      </p:cBhvr>
+                                      <p:to>
+                                        <p:strVal val="visible"/>
+                                      </p:to>
+                                    </p:set>
+                                    <p:animEffect transition="in" filter="fade">
+                                      <p:cBhvr>
+                                        <p:cTn id="7" dur="500"/>
+                                        <p:tgtEl>
+                                          <p:spTgt spid="12"/>
+                                        </p:tgtEl>
+                                      </p:cBhvr>
+                                    </p:animEffect>
+                                  </p:childTnLst>
+                                </p:cTn>
+                              </p:par>
+                              <p:par>
+                                <p:cTn id="8" presetID="10" presetClass="entr" presetSubtype="0" fill="hold" grpId="0" nodeType="withEffect">
+                                  <p:stCondLst>
+                                    <p:cond delay="1000"/>
+                                  </p:stCondLst>
+                                  <p:childTnLst>
+                                    <p:set>
+                                      <p:cBhvr>
+                                        <p:cTn id="9" dur="1" fill="hold">
+                                          <p:stCondLst>
+                                            <p:cond delay="0"/>
+                                          </p:stCondLst>
+                                        </p:cTn>
+                                        <p:tgtEl>
+                                          <p:spTgt spid="13"/>
+                                        </p:tgtEl>
+                                        <p:attrNameLst>
+                                          <p:attrName>style.visibility</p:attrName>
+                                        </p:attrNameLst>
+                                      </p:cBhvr>
+                                      <p:to>
+                                        <p:strVal val="visible"/>
+                                      </p:to>
+                                    </p:set>
+                                    <p:animEffect transition="in" filter="fade">
+                                      <p:cBhvr>
+                                        <p:cTn id="10" dur="500"/>
+                                        <p:tgtEl>
+                                          <p:spTgt spid="13"/>
+                                        </p:tgtEl>
+                                      </p:cBhvr>
+                                    </p:animEffect>
+                                  </p:childTnLst>
+                                </p:cTn>
+                              </p:par>
+                              <p:par>
+                                <p:cTn id="11" presetID="10" presetClass="entr" presetSubtype="0" fill="hold" nodeType="withEffect">
+                                  <p:stCondLst>
+                                    <p:cond delay="2000"/>
+                                  </p:stCondLst>
+                                  <p:childTnLst>
+                                    <p:set>
+                                      <p:cBhvr>
+                                        <p:cTn id="12" dur="1" fill="hold">
+                                          <p:stCondLst>
+                                            <p:cond delay="0"/>
+                                          </p:stCondLst>
+                                        </p:cTn>
+                                        <p:tgtEl>
+                                          <p:spTgt spid="16"/>
+                                        </p:tgtEl>
+                                        <p:attrNameLst>
+                                          <p:attrName>style.visibility</p:attrName>
+                                        </p:attrNameLst>
+                                      </p:cBhvr>
+                                      <p:to>
+                                        <p:strVal val="visible"/>
+                                      </p:to>
+                                    </p:set>
+                                    <p:animEffect transition="in" filter="fade">
+                                      <p:cBhvr>
+                                        <p:cTn id="13" dur="1000"/>
+                                        <p:tgtEl>
+                                          <p:spTgt spid="16"/>
+                                        </p:tgtEl>
+                                      </p:cBhvr>
+                                    </p:animEffect>
+                                  </p:childTnLst>
+                                </p:cTn>
+                              </p:par>
+                              <p:par>
+                                <p:cTn id="14" presetID="10" presetClass="entr" presetSubtype="0" fill="hold" grpId="0" nodeType="withEffect">
+                                  <p:stCondLst>
+                                    <p:cond delay="2000"/>
+                                  </p:stCondLst>
+                                  <p:childTnLst>
+                                    <p:set>
+                                      <p:cBhvr>
+                                        <p:cTn id="15" dur="1" fill="hold">
+                                          <p:stCondLst>
+                                            <p:cond delay="0"/>
+                                          </p:stCondLst>
+                                        </p:cTn>
+                                        <p:tgtEl>
+                                          <p:spTgt spid="17"/>
+                                        </p:tgtEl>
+                                        <p:attrNameLst>
+                                          <p:attrName>style.visibility</p:attrName>
+                                        </p:attrNameLst>
+                                      </p:cBhvr>
+                                      <p:to>
+                                        <p:strVal val="visible"/>
+                                      </p:to>
+                                    </p:set>
+                                    <p:animEffect transition="in" filter="fade">
+                                      <p:cBhvr>
+                                        <p:cTn id="16" dur="1000"/>
+                                        <p:tgtEl>
+                                          <p:spTgt spid="17"/>
+                                        </p:tgtEl>
+                                      </p:cBhvr>
+                                    </p:animEffect>
+                                  </p:childTnLst>
+                                </p:cTn>
+                              </p:par>
+                              <p:par>
+                                <p:cTn id="17" presetID="10" presetClass="entr" presetSubtype="0" fill="hold" nodeType="withEffect">
+                                  <p:stCondLst>
+                                    <p:cond delay="3000"/>
+                                  </p:stCondLst>
+                                  <p:childTnLst>
+                                    <p:set>
+                                      <p:cBhvr>
+                                        <p:cTn id="18" dur="1" fill="hold">
+                                          <p:stCondLst>
+                                            <p:cond delay="0"/>
+                                          </p:stCondLst>
+                                        </p:cTn>
+                                        <p:tgtEl>
+                                          <p:spTgt spid="22"/>
+                                        </p:tgtEl>
+                                        <p:attrNameLst>
+                                          <p:attrName>style.visibility</p:attrName>
+                                        </p:attrNameLst>
+                                      </p:cBhvr>
+                                      <p:to>
+                                        <p:strVal val="visible"/>
+                                      </p:to>
+                                    </p:set>
+                                    <p:animEffect transition="in" filter="fade">
+                                      <p:cBhvr>
+                                        <p:cTn id="19" dur="1000"/>
+                                        <p:tgtEl>
+                                          <p:spTgt spid="22"/>
+                                        </p:tgtEl>
+                                      </p:cBhvr>
+                                    </p:animEffect>
+                                  </p:childTnLst>
+                                </p:cTn>
+                              </p:par>
+                              <p:par>
+                                <p:cTn id="20" presetID="10" presetClass="entr" presetSubtype="0" fill="hold" grpId="0" nodeType="withEffect">
+                                  <p:stCondLst>
+                                    <p:cond delay="3000"/>
+                                  </p:stCondLst>
+                                  <p:childTnLst>
+                                    <p:set>
+                                      <p:cBhvr>
+                                        <p:cTn id="21" dur="1" fill="hold">
+                                          <p:stCondLst>
+                                            <p:cond delay="0"/>
+                                          </p:stCondLst>
+                                        </p:cTn>
+                                        <p:tgtEl>
+                                          <p:spTgt spid="23"/>
+                                        </p:tgtEl>
+                                        <p:attrNameLst>
+                                          <p:attrName>style.visibility</p:attrName>
+                                        </p:attrNameLst>
+                                      </p:cBhvr>
+                                      <p:to>
+                                        <p:strVal val="visible"/>
+                                      </p:to>
+                                    </p:set>
+                                    <p:animEffect transition="in" filter="fade">
+                                      <p:cBhvr>
+                                        <p:cTn id="22" dur="1000"/>
+                                        <p:tgtEl>
+                                          <p:spTgt spid="23"/>
+                                        </p:tgtEl>
+                                      </p:cBhvr>
+                                    </p:animEffect>
+                                  </p:childTnLst>
+                                </p:cTn>
+                              </p:par>
+                              <p:par>
+                                <p:cTn id="23" presetID="10" presetClass="entr" presetSubtype="0" fill="hold" nodeType="withEffect">
+                                  <p:stCondLst>
+                                    <p:cond delay="4000"/>
+                                  </p:stCondLst>
+                                  <p:childTnLst>
+                                    <p:set>
+                                      <p:cBhvr>
+                                        <p:cTn id="24" dur="1" fill="hold">
+                                          <p:stCondLst>
+                                            <p:cond delay="0"/>
+                                          </p:stCondLst>
+                                        </p:cTn>
+                                        <p:tgtEl>
+                                          <p:spTgt spid="27"/>
+                                        </p:tgtEl>
+                                        <p:attrNameLst>
+                                          <p:attrName>style.visibility</p:attrName>
+                                        </p:attrNameLst>
+                                      </p:cBhvr>
+                                      <p:to>
+                                        <p:strVal val="visible"/>
+                                      </p:to>
+                                    </p:set>
+                                    <p:animEffect transition="in" filter="fade">
+                                      <p:cBhvr>
+                                        <p:cTn id="25" dur="1000"/>
+                                        <p:tgtEl>
+                                          <p:spTgt spid="27"/>
+                                        </p:tgtEl>
+                                      </p:cBhvr>
+                                    </p:animEffect>
+                                  </p:childTnLst>
+                                </p:cTn>
+                              </p:par>
+                              <p:par>
+                                <p:cTn id="26" presetID="10" presetClass="entr" presetSubtype="0" fill="hold" grpId="0" nodeType="withEffect">
+                                  <p:stCondLst>
+                                    <p:cond delay="4000"/>
+                                  </p:stCondLst>
+                                  <p:childTnLst>
+                                    <p:set>
+                                      <p:cBhvr>
+                                        <p:cTn id="27" dur="1" fill="hold">
+                                          <p:stCondLst>
+                                            <p:cond delay="0"/>
+                                          </p:stCondLst>
+                                        </p:cTn>
+                                        <p:tgtEl>
+                                          <p:spTgt spid="28"/>
+                                        </p:tgtEl>
+                                        <p:attrNameLst>
+                                          <p:attrName>style.visibility</p:attrName>
+                                        </p:attrNameLst>
+                                      </p:cBhvr>
+                                      <p:to>
+                                        <p:strVal val="visible"/>
+                                      </p:to>
+                                    </p:set>
+                                    <p:animEffect transition="in" filter="fade">
+                                      <p:cBhvr>
+                                        <p:cTn id="28" dur="1000"/>
+                                        <p:tgtEl>
+                                          <p:spTgt spid="28"/>
+                                        </p:tgtEl>
+                                      </p:cBhvr>
+                                    </p:animEffect>
+                                  </p:childTnLst>
+                                </p:cTn>
+                              </p:par>
+                            </p:childTnLst>
+                          </p:cTn>
+                        </p:par>
+                      </p:childTnLst>
+                    </p:cTn>
+                  </p:par>
+                </p:childTnLst>
+              </p:cTn>
+              <p:prevCondLst>
+                <p:cond evt="onPrev" delay="0">
+                  <p:tgtEl>
+                    <p:sldTgt/>
+                  </p:tgtEl>
+                </p:cond>
+              </p:prevCondLst>
+              <p:nextCondLst>
+                <p:cond evt="onNext" delay="0">
+                  <p:tgtEl>
+                    <p:sldTgt/>
+                  </p:tgtEl>
+                </p:cond>
+              </p:nextCondLst>
+            </p:seq>
+          </p:childTnLst>
+        </p:cTn>
+      </p:par>
+    </p:tnLst>
+    <p:bldLst>
+      <p:bldP spid="13" grpId="0"/>
+      <p:bldP spid="17" grpId="0"/>
+      <p:bldP spid="23" grpId="0"/>
+      <p:bldP spid="28" grpId="0"/>
+    </p:bldLst>
+  </p:timing>
 </p:sld>
 </file>
 
@@ -9607,7 +10024,7 @@
         </p:blipFill>
         <p:spPr>
           <a:xfrm>
-            <a:off x="8046483" y="2385726"/>
+            <a:off x="8046483" y="1860703"/>
             <a:ext cx="4014477" cy="1642286"/>
           </a:xfrm>
           <a:prstGeom prst="rect">
@@ -9905,6 +10322,53 @@
           </p:txBody>
         </p:sp>
       </p:grpSp>
+      <p:pic>
+        <p:nvPicPr>
+          <p:cNvPr id="1026" name="Picture 2" descr="Résultat de recherche d'images pour &quot;netbeans&quot;">
+            <a:extLst>
+              <a:ext uri="{FF2B5EF4-FFF2-40B4-BE49-F238E27FC236}">
+                <a16:creationId xmlns:a16="http://schemas.microsoft.com/office/drawing/2014/main" id="{E96764F2-2B26-4B32-BB15-D6FDC92E44AA}"/>
+              </a:ext>
+            </a:extLst>
+          </p:cNvPr>
+          <p:cNvPicPr>
+            <a:picLocks noChangeAspect="1" noChangeArrowheads="1"/>
+          </p:cNvPicPr>
+          <p:nvPr/>
+        </p:nvPicPr>
+        <p:blipFill>
+          <a:blip r:embed="rId9">
+            <a:extLst>
+              <a:ext uri="{28A0092B-C50C-407E-A947-70E740481C1C}">
+                <a14:useLocalDpi xmlns:a14="http://schemas.microsoft.com/office/drawing/2010/main" val="0"/>
+              </a:ext>
+            </a:extLst>
+          </a:blip>
+          <a:srcRect/>
+          <a:stretch>
+            <a:fillRect/>
+          </a:stretch>
+        </p:blipFill>
+        <p:spPr bwMode="auto">
+          <a:xfrm>
+            <a:off x="8776378" y="3509281"/>
+            <a:ext cx="1990725" cy="2295525"/>
+          </a:xfrm>
+          <a:prstGeom prst="rect">
+            <a:avLst/>
+          </a:prstGeom>
+          <a:noFill/>
+          <a:extLst>
+            <a:ext uri="{909E8E84-426E-40DD-AFC4-6F175D3DCCD1}">
+              <a14:hiddenFill xmlns:a14="http://schemas.microsoft.com/office/drawing/2010/main">
+                <a:solidFill>
+                  <a:srgbClr val="FFFFFF"/>
+                </a:solidFill>
+              </a14:hiddenFill>
+            </a:ext>
+          </a:extLst>
+        </p:spPr>
+      </p:pic>
     </p:spTree>
     <p:extLst>
       <p:ext uri="{BB962C8B-B14F-4D97-AF65-F5344CB8AC3E}">
@@ -9915,6 +10379,270 @@
   <p:clrMapOvr>
     <a:masterClrMapping/>
   </p:clrMapOvr>
+  <p:timing>
+    <p:tnLst>
+      <p:par>
+        <p:cTn id="1" dur="indefinite" restart="never" nodeType="tmRoot">
+          <p:childTnLst>
+            <p:seq concurrent="1" nextAc="seek">
+              <p:cTn id="2" dur="indefinite" nodeType="mainSeq">
+                <p:childTnLst>
+                  <p:par>
+                    <p:cTn id="3" fill="hold">
+                      <p:stCondLst>
+                        <p:cond delay="indefinite"/>
+                        <p:cond evt="onBegin" delay="0">
+                          <p:tn val="2"/>
+                        </p:cond>
+                      </p:stCondLst>
+                      <p:childTnLst>
+                        <p:par>
+                          <p:cTn id="4" fill="hold">
+                            <p:stCondLst>
+                              <p:cond delay="0"/>
+                            </p:stCondLst>
+                            <p:childTnLst>
+                              <p:par>
+                                <p:cTn id="5" presetID="10" presetClass="entr" presetSubtype="0" fill="hold" nodeType="withEffect">
+                                  <p:stCondLst>
+                                    <p:cond delay="1250"/>
+                                  </p:stCondLst>
+                                  <p:childTnLst>
+                                    <p:set>
+                                      <p:cBhvr>
+                                        <p:cTn id="6" dur="1" fill="hold">
+                                          <p:stCondLst>
+                                            <p:cond delay="0"/>
+                                          </p:stCondLst>
+                                        </p:cTn>
+                                        <p:tgtEl>
+                                          <p:spTgt spid="10"/>
+                                        </p:tgtEl>
+                                        <p:attrNameLst>
+                                          <p:attrName>style.visibility</p:attrName>
+                                        </p:attrNameLst>
+                                      </p:cBhvr>
+                                      <p:to>
+                                        <p:strVal val="visible"/>
+                                      </p:to>
+                                    </p:set>
+                                    <p:animEffect transition="in" filter="fade">
+                                      <p:cBhvr>
+                                        <p:cTn id="7" dur="500"/>
+                                        <p:tgtEl>
+                                          <p:spTgt spid="10"/>
+                                        </p:tgtEl>
+                                      </p:cBhvr>
+                                    </p:animEffect>
+                                  </p:childTnLst>
+                                </p:cTn>
+                              </p:par>
+                              <p:par>
+                                <p:cTn id="8" presetID="10" presetClass="entr" presetSubtype="0" fill="hold" grpId="0" nodeType="withEffect">
+                                  <p:stCondLst>
+                                    <p:cond delay="1250"/>
+                                  </p:stCondLst>
+                                  <p:childTnLst>
+                                    <p:set>
+                                      <p:cBhvr>
+                                        <p:cTn id="9" dur="1" fill="hold">
+                                          <p:stCondLst>
+                                            <p:cond delay="0"/>
+                                          </p:stCondLst>
+                                        </p:cTn>
+                                        <p:tgtEl>
+                                          <p:spTgt spid="12"/>
+                                        </p:tgtEl>
+                                        <p:attrNameLst>
+                                          <p:attrName>style.visibility</p:attrName>
+                                        </p:attrNameLst>
+                                      </p:cBhvr>
+                                      <p:to>
+                                        <p:strVal val="visible"/>
+                                      </p:to>
+                                    </p:set>
+                                    <p:animEffect transition="in" filter="fade">
+                                      <p:cBhvr>
+                                        <p:cTn id="10" dur="500"/>
+                                        <p:tgtEl>
+                                          <p:spTgt spid="12"/>
+                                        </p:tgtEl>
+                                      </p:cBhvr>
+                                    </p:animEffect>
+                                  </p:childTnLst>
+                                </p:cTn>
+                              </p:par>
+                              <p:par>
+                                <p:cTn id="11" presetID="10" presetClass="entr" presetSubtype="0" fill="hold" nodeType="withEffect">
+                                  <p:stCondLst>
+                                    <p:cond delay="2250"/>
+                                  </p:stCondLst>
+                                  <p:childTnLst>
+                                    <p:set>
+                                      <p:cBhvr>
+                                        <p:cTn id="12" dur="1" fill="hold">
+                                          <p:stCondLst>
+                                            <p:cond delay="0"/>
+                                          </p:stCondLst>
+                                        </p:cTn>
+                                        <p:tgtEl>
+                                          <p:spTgt spid="21"/>
+                                        </p:tgtEl>
+                                        <p:attrNameLst>
+                                          <p:attrName>style.visibility</p:attrName>
+                                        </p:attrNameLst>
+                                      </p:cBhvr>
+                                      <p:to>
+                                        <p:strVal val="visible"/>
+                                      </p:to>
+                                    </p:set>
+                                    <p:animEffect transition="in" filter="fade">
+                                      <p:cBhvr>
+                                        <p:cTn id="13" dur="500"/>
+                                        <p:tgtEl>
+                                          <p:spTgt spid="21"/>
+                                        </p:tgtEl>
+                                      </p:cBhvr>
+                                    </p:animEffect>
+                                  </p:childTnLst>
+                                </p:cTn>
+                              </p:par>
+                              <p:par>
+                                <p:cTn id="14" presetID="10" presetClass="entr" presetSubtype="0" fill="hold" nodeType="withEffect">
+                                  <p:stCondLst>
+                                    <p:cond delay="2250"/>
+                                  </p:stCondLst>
+                                  <p:childTnLst>
+                                    <p:set>
+                                      <p:cBhvr>
+                                        <p:cTn id="15" dur="1" fill="hold">
+                                          <p:stCondLst>
+                                            <p:cond delay="0"/>
+                                          </p:stCondLst>
+                                        </p:cTn>
+                                        <p:tgtEl>
+                                          <p:spTgt spid="15"/>
+                                        </p:tgtEl>
+                                        <p:attrNameLst>
+                                          <p:attrName>style.visibility</p:attrName>
+                                        </p:attrNameLst>
+                                      </p:cBhvr>
+                                      <p:to>
+                                        <p:strVal val="visible"/>
+                                      </p:to>
+                                    </p:set>
+                                    <p:animEffect transition="in" filter="fade">
+                                      <p:cBhvr>
+                                        <p:cTn id="16" dur="500"/>
+                                        <p:tgtEl>
+                                          <p:spTgt spid="15"/>
+                                        </p:tgtEl>
+                                      </p:cBhvr>
+                                    </p:animEffect>
+                                  </p:childTnLst>
+                                </p:cTn>
+                              </p:par>
+                              <p:par>
+                                <p:cTn id="17" presetID="10" presetClass="entr" presetSubtype="0" fill="hold" nodeType="withEffect">
+                                  <p:stCondLst>
+                                    <p:cond delay="3000"/>
+                                  </p:stCondLst>
+                                  <p:childTnLst>
+                                    <p:set>
+                                      <p:cBhvr>
+                                        <p:cTn id="18" dur="1" fill="hold">
+                                          <p:stCondLst>
+                                            <p:cond delay="0"/>
+                                          </p:stCondLst>
+                                        </p:cTn>
+                                        <p:tgtEl>
+                                          <p:spTgt spid="18"/>
+                                        </p:tgtEl>
+                                        <p:attrNameLst>
+                                          <p:attrName>style.visibility</p:attrName>
+                                        </p:attrNameLst>
+                                      </p:cBhvr>
+                                      <p:to>
+                                        <p:strVal val="visible"/>
+                                      </p:to>
+                                    </p:set>
+                                    <p:animEffect transition="in" filter="fade">
+                                      <p:cBhvr>
+                                        <p:cTn id="19" dur="500"/>
+                                        <p:tgtEl>
+                                          <p:spTgt spid="18"/>
+                                        </p:tgtEl>
+                                      </p:cBhvr>
+                                    </p:animEffect>
+                                  </p:childTnLst>
+                                </p:cTn>
+                              </p:par>
+                              <p:par>
+                                <p:cTn id="20" presetID="10" presetClass="entr" presetSubtype="0" fill="hold" nodeType="withEffect">
+                                  <p:stCondLst>
+                                    <p:cond delay="3000"/>
+                                  </p:stCondLst>
+                                  <p:childTnLst>
+                                    <p:set>
+                                      <p:cBhvr>
+                                        <p:cTn id="21" dur="1" fill="hold">
+                                          <p:stCondLst>
+                                            <p:cond delay="0"/>
+                                          </p:stCondLst>
+                                        </p:cTn>
+                                        <p:tgtEl>
+                                          <p:spTgt spid="1026"/>
+                                        </p:tgtEl>
+                                        <p:attrNameLst>
+                                          <p:attrName>style.visibility</p:attrName>
+                                        </p:attrNameLst>
+                                      </p:cBhvr>
+                                      <p:to>
+                                        <p:strVal val="visible"/>
+                                      </p:to>
+                                    </p:set>
+                                    <p:animEffect transition="in" filter="fade">
+                                      <p:cBhvr>
+                                        <p:cTn id="22" dur="500"/>
+                                        <p:tgtEl>
+                                          <p:spTgt spid="1026"/>
+                                        </p:tgtEl>
+                                      </p:cBhvr>
+                                    </p:animEffect>
+                                  </p:childTnLst>
+                                </p:cTn>
+                              </p:par>
+                            </p:childTnLst>
+                          </p:cTn>
+                        </p:par>
+                      </p:childTnLst>
+                    </p:cTn>
+                  </p:par>
+                </p:childTnLst>
+              </p:cTn>
+              <p:prevCondLst>
+                <p:cond evt="onPrev" delay="0">
+                  <p:tgtEl>
+                    <p:sldTgt/>
+                  </p:tgtEl>
+                </p:cond>
+              </p:prevCondLst>
+              <p:nextCondLst>
+                <p:cond evt="onNext" delay="0">
+                  <p:tgtEl>
+                    <p:sldTgt/>
+                  </p:tgtEl>
+                </p:cond>
+              </p:nextCondLst>
+            </p:seq>
+          </p:childTnLst>
+        </p:cTn>
+      </p:par>
+    </p:tnLst>
+    <p:bldLst>
+      <p:bldP spid="12" grpId="0"/>
+    </p:bldLst>
+  </p:timing>
 </p:sld>
 </file>
 
@@ -12822,6 +13550,58 @@
           </p:txBody>
         </p:sp>
       </p:grpSp>
+      <p:sp>
+        <p:nvSpPr>
+          <p:cNvPr id="4" name="Rectangle 3">
+            <a:extLst>
+              <a:ext uri="{FF2B5EF4-FFF2-40B4-BE49-F238E27FC236}">
+                <a16:creationId xmlns:a16="http://schemas.microsoft.com/office/drawing/2014/main" id="{D4525347-C098-4B07-BEA0-B8D4F4E60B62}"/>
+              </a:ext>
+            </a:extLst>
+          </p:cNvPr>
+          <p:cNvSpPr/>
+          <p:nvPr/>
+        </p:nvSpPr>
+        <p:spPr>
+          <a:xfrm>
+            <a:off x="886345" y="1375794"/>
+            <a:ext cx="6407526" cy="2449572"/>
+          </a:xfrm>
+          <a:prstGeom prst="rect">
+            <a:avLst/>
+          </a:prstGeom>
+          <a:noFill/>
+          <a:ln w="57150">
+            <a:solidFill>
+              <a:srgbClr val="C00000"/>
+            </a:solidFill>
+          </a:ln>
+        </p:spPr>
+        <p:style>
+          <a:lnRef idx="2">
+            <a:schemeClr val="accent1">
+              <a:shade val="50000"/>
+            </a:schemeClr>
+          </a:lnRef>
+          <a:fillRef idx="1">
+            <a:schemeClr val="accent1"/>
+          </a:fillRef>
+          <a:effectRef idx="0">
+            <a:schemeClr val="accent1"/>
+          </a:effectRef>
+          <a:fontRef idx="minor">
+            <a:schemeClr val="lt1"/>
+          </a:fontRef>
+        </p:style>
+        <p:txBody>
+          <a:bodyPr rtlCol="0" anchor="ctr"/>
+          <a:lstStyle/>
+          <a:p>
+            <a:pPr algn="ctr"/>
+            <a:endParaRPr lang="fr-FR"/>
+          </a:p>
+        </p:txBody>
+      </p:sp>
     </p:spTree>
     <p:extLst>
       <p:ext uri="{BB962C8B-B14F-4D97-AF65-F5344CB8AC3E}">
@@ -12832,6 +13612,84 @@
   <p:clrMapOvr>
     <a:masterClrMapping/>
   </p:clrMapOvr>
+  <p:timing>
+    <p:tnLst>
+      <p:par>
+        <p:cTn id="1" dur="indefinite" restart="never" nodeType="tmRoot">
+          <p:childTnLst>
+            <p:seq concurrent="1" nextAc="seek">
+              <p:cTn id="2" dur="indefinite" nodeType="mainSeq">
+                <p:childTnLst>
+                  <p:par>
+                    <p:cTn id="3" fill="hold">
+                      <p:stCondLst>
+                        <p:cond delay="indefinite"/>
+                      </p:stCondLst>
+                      <p:childTnLst>
+                        <p:par>
+                          <p:cTn id="4" fill="hold">
+                            <p:stCondLst>
+                              <p:cond delay="0"/>
+                            </p:stCondLst>
+                            <p:childTnLst>
+                              <p:par>
+                                <p:cTn id="5" presetID="1" presetClass="entr" presetSubtype="0" fill="hold" grpId="0" nodeType="clickEffect">
+                                  <p:stCondLst>
+                                    <p:cond delay="0"/>
+                                  </p:stCondLst>
+                                  <p:childTnLst>
+                                    <p:set>
+                                      <p:cBhvr>
+                                        <p:cTn id="6" dur="1" fill="hold">
+                                          <p:stCondLst>
+                                            <p:cond delay="0"/>
+                                          </p:stCondLst>
+                                        </p:cTn>
+                                        <p:tgtEl>
+                                          <p:spTgt spid="4"/>
+                                        </p:tgtEl>
+                                        <p:attrNameLst>
+                                          <p:attrName>style.visibility</p:attrName>
+                                        </p:attrNameLst>
+                                      </p:cBhvr>
+                                      <p:to>
+                                        <p:strVal val="visible"/>
+                                      </p:to>
+                                    </p:set>
+                                  </p:childTnLst>
+                                </p:cTn>
+                              </p:par>
+                            </p:childTnLst>
+                          </p:cTn>
+                        </p:par>
+                      </p:childTnLst>
+                    </p:cTn>
+                  </p:par>
+                </p:childTnLst>
+              </p:cTn>
+              <p:prevCondLst>
+                <p:cond evt="onPrev" delay="0">
+                  <p:tgtEl>
+                    <p:sldTgt/>
+                  </p:tgtEl>
+                </p:cond>
+              </p:prevCondLst>
+              <p:nextCondLst>
+                <p:cond evt="onNext" delay="0">
+                  <p:tgtEl>
+                    <p:sldTgt/>
+                  </p:tgtEl>
+                </p:cond>
+              </p:nextCondLst>
+            </p:seq>
+          </p:childTnLst>
+        </p:cTn>
+      </p:par>
+    </p:tnLst>
+    <p:bldLst>
+      <p:bldP spid="4" grpId="0" animBg="1"/>
+    </p:bldLst>
+  </p:timing>
 </p:sld>
 </file>
 
@@ -16231,6 +17089,281 @@
   <p:clrMapOvr>
     <a:masterClrMapping/>
   </p:clrMapOvr>
+  <p:timing>
+    <p:tnLst>
+      <p:par>
+        <p:cTn id="1" dur="indefinite" restart="never" nodeType="tmRoot">
+          <p:childTnLst>
+            <p:seq concurrent="1" nextAc="seek">
+              <p:cTn id="2" dur="indefinite" nodeType="mainSeq">
+                <p:childTnLst>
+                  <p:par>
+                    <p:cTn id="3" fill="hold">
+                      <p:stCondLst>
+                        <p:cond delay="indefinite"/>
+                      </p:stCondLst>
+                      <p:childTnLst>
+                        <p:par>
+                          <p:cTn id="4" fill="hold">
+                            <p:stCondLst>
+                              <p:cond delay="0"/>
+                            </p:stCondLst>
+                            <p:childTnLst>
+                              <p:par>
+                                <p:cTn id="5" presetID="1" presetClass="entr" presetSubtype="0" fill="hold" nodeType="clickEffect">
+                                  <p:stCondLst>
+                                    <p:cond delay="0"/>
+                                  </p:stCondLst>
+                                  <p:childTnLst>
+                                    <p:set>
+                                      <p:cBhvr>
+                                        <p:cTn id="6" dur="1" fill="hold">
+                                          <p:stCondLst>
+                                            <p:cond delay="0"/>
+                                          </p:stCondLst>
+                                        </p:cTn>
+                                        <p:tgtEl>
+                                          <p:spTgt spid="13">
+                                            <p:txEl>
+                                              <p:pRg st="0" end="0"/>
+                                            </p:txEl>
+                                          </p:spTgt>
+                                        </p:tgtEl>
+                                        <p:attrNameLst>
+                                          <p:attrName>style.visibility</p:attrName>
+                                        </p:attrNameLst>
+                                      </p:cBhvr>
+                                      <p:to>
+                                        <p:strVal val="visible"/>
+                                      </p:to>
+                                    </p:set>
+                                  </p:childTnLst>
+                                </p:cTn>
+                              </p:par>
+                            </p:childTnLst>
+                          </p:cTn>
+                        </p:par>
+                      </p:childTnLst>
+                    </p:cTn>
+                  </p:par>
+                  <p:par>
+                    <p:cTn id="7" fill="hold">
+                      <p:stCondLst>
+                        <p:cond delay="indefinite"/>
+                      </p:stCondLst>
+                      <p:childTnLst>
+                        <p:par>
+                          <p:cTn id="8" fill="hold">
+                            <p:stCondLst>
+                              <p:cond delay="0"/>
+                            </p:stCondLst>
+                            <p:childTnLst>
+                              <p:par>
+                                <p:cTn id="9" presetID="1" presetClass="entr" presetSubtype="0" fill="hold" nodeType="clickEffect">
+                                  <p:stCondLst>
+                                    <p:cond delay="0"/>
+                                  </p:stCondLst>
+                                  <p:childTnLst>
+                                    <p:set>
+                                      <p:cBhvr>
+                                        <p:cTn id="10" dur="1" fill="hold">
+                                          <p:stCondLst>
+                                            <p:cond delay="0"/>
+                                          </p:stCondLst>
+                                        </p:cTn>
+                                        <p:tgtEl>
+                                          <p:spTgt spid="13">
+                                            <p:txEl>
+                                              <p:pRg st="1" end="1"/>
+                                            </p:txEl>
+                                          </p:spTgt>
+                                        </p:tgtEl>
+                                        <p:attrNameLst>
+                                          <p:attrName>style.visibility</p:attrName>
+                                        </p:attrNameLst>
+                                      </p:cBhvr>
+                                      <p:to>
+                                        <p:strVal val="visible"/>
+                                      </p:to>
+                                    </p:set>
+                                  </p:childTnLst>
+                                </p:cTn>
+                              </p:par>
+                            </p:childTnLst>
+                          </p:cTn>
+                        </p:par>
+                      </p:childTnLst>
+                    </p:cTn>
+                  </p:par>
+                  <p:par>
+                    <p:cTn id="11" fill="hold">
+                      <p:stCondLst>
+                        <p:cond delay="indefinite"/>
+                      </p:stCondLst>
+                      <p:childTnLst>
+                        <p:par>
+                          <p:cTn id="12" fill="hold">
+                            <p:stCondLst>
+                              <p:cond delay="0"/>
+                            </p:stCondLst>
+                            <p:childTnLst>
+                              <p:par>
+                                <p:cTn id="13" presetID="1" presetClass="entr" presetSubtype="0" fill="hold" nodeType="clickEffect">
+                                  <p:stCondLst>
+                                    <p:cond delay="0"/>
+                                  </p:stCondLst>
+                                  <p:childTnLst>
+                                    <p:set>
+                                      <p:cBhvr>
+                                        <p:cTn id="14" dur="1" fill="hold">
+                                          <p:stCondLst>
+                                            <p:cond delay="0"/>
+                                          </p:stCondLst>
+                                        </p:cTn>
+                                        <p:tgtEl>
+                                          <p:spTgt spid="13">
+                                            <p:txEl>
+                                              <p:pRg st="2" end="2"/>
+                                            </p:txEl>
+                                          </p:spTgt>
+                                        </p:tgtEl>
+                                        <p:attrNameLst>
+                                          <p:attrName>style.visibility</p:attrName>
+                                        </p:attrNameLst>
+                                      </p:cBhvr>
+                                      <p:to>
+                                        <p:strVal val="visible"/>
+                                      </p:to>
+                                    </p:set>
+                                  </p:childTnLst>
+                                </p:cTn>
+                              </p:par>
+                            </p:childTnLst>
+                          </p:cTn>
+                        </p:par>
+                      </p:childTnLst>
+                    </p:cTn>
+                  </p:par>
+                  <p:par>
+                    <p:cTn id="15" fill="hold">
+                      <p:stCondLst>
+                        <p:cond delay="indefinite"/>
+                      </p:stCondLst>
+                      <p:childTnLst>
+                        <p:par>
+                          <p:cTn id="16" fill="hold">
+                            <p:stCondLst>
+                              <p:cond delay="0"/>
+                            </p:stCondLst>
+                            <p:childTnLst>
+                              <p:par>
+                                <p:cTn id="17" presetID="1" presetClass="entr" presetSubtype="0" fill="hold" nodeType="clickEffect">
+                                  <p:stCondLst>
+                                    <p:cond delay="0"/>
+                                  </p:stCondLst>
+                                  <p:childTnLst>
+                                    <p:set>
+                                      <p:cBhvr>
+                                        <p:cTn id="18" dur="1" fill="hold">
+                                          <p:stCondLst>
+                                            <p:cond delay="0"/>
+                                          </p:stCondLst>
+                                        </p:cTn>
+                                        <p:tgtEl>
+                                          <p:spTgt spid="13">
+                                            <p:txEl>
+                                              <p:pRg st="3" end="3"/>
+                                            </p:txEl>
+                                          </p:spTgt>
+                                        </p:tgtEl>
+                                        <p:attrNameLst>
+                                          <p:attrName>style.visibility</p:attrName>
+                                        </p:attrNameLst>
+                                      </p:cBhvr>
+                                      <p:to>
+                                        <p:strVal val="visible"/>
+                                      </p:to>
+                                    </p:set>
+                                  </p:childTnLst>
+                                </p:cTn>
+                              </p:par>
+                            </p:childTnLst>
+                          </p:cTn>
+                        </p:par>
+                      </p:childTnLst>
+                    </p:cTn>
+                  </p:par>
+                  <p:par>
+                    <p:cTn id="19" fill="hold">
+                      <p:stCondLst>
+                        <p:cond delay="indefinite"/>
+                      </p:stCondLst>
+                      <p:childTnLst>
+                        <p:par>
+                          <p:cTn id="20" fill="hold">
+                            <p:stCondLst>
+                              <p:cond delay="0"/>
+                            </p:stCondLst>
+                            <p:childTnLst>
+                              <p:par>
+                                <p:cTn id="21" presetID="1" presetClass="entr" presetSubtype="0" fill="hold" nodeType="clickEffect">
+                                  <p:stCondLst>
+                                    <p:cond delay="0"/>
+                                  </p:stCondLst>
+                                  <p:childTnLst>
+                                    <p:set>
+                                      <p:cBhvr>
+                                        <p:cTn id="22" dur="1" fill="hold">
+                                          <p:stCondLst>
+                                            <p:cond delay="0"/>
+                                          </p:stCondLst>
+                                        </p:cTn>
+                                        <p:tgtEl>
+                                          <p:spTgt spid="13">
+                                            <p:txEl>
+                                              <p:pRg st="4" end="4"/>
+                                            </p:txEl>
+                                          </p:spTgt>
+                                        </p:tgtEl>
+                                        <p:attrNameLst>
+                                          <p:attrName>style.visibility</p:attrName>
+                                        </p:attrNameLst>
+                                      </p:cBhvr>
+                                      <p:to>
+                                        <p:strVal val="visible"/>
+                                      </p:to>
+                                    </p:set>
+                                  </p:childTnLst>
+                                </p:cTn>
+                              </p:par>
+                            </p:childTnLst>
+                          </p:cTn>
+                        </p:par>
+                      </p:childTnLst>
+                    </p:cTn>
+                  </p:par>
+                </p:childTnLst>
+              </p:cTn>
+              <p:prevCondLst>
+                <p:cond evt="onPrev" delay="0">
+                  <p:tgtEl>
+                    <p:sldTgt/>
+                  </p:tgtEl>
+                </p:cond>
+              </p:prevCondLst>
+              <p:nextCondLst>
+                <p:cond evt="onNext" delay="0">
+                  <p:tgtEl>
+                    <p:sldTgt/>
+                  </p:tgtEl>
+                </p:cond>
+              </p:nextCondLst>
+            </p:seq>
+          </p:childTnLst>
+        </p:cTn>
+      </p:par>
+    </p:tnLst>
+  </p:timing>
 </p:sld>
 </file>
 
